--- a/Presentation/old/JP.pptx
+++ b/Presentation/old/JP.pptx
@@ -2,19 +2,23 @@
 <file path=ppt/presentation.xml><?xml version="1.0" encoding="utf-8"?>
 <p:presentation xmlns:a="http://schemas.openxmlformats.org/drawingml/2006/main" xmlns:r="http://schemas.openxmlformats.org/officeDocument/2006/relationships" xmlns:p="http://schemas.openxmlformats.org/presentationml/2006/main" saveSubsetFonts="1" autoCompressPictures="0">
   <p:sldMasterIdLst>
-    <p:sldMasterId id="2147483998" r:id="rId1"/>
+    <p:sldMasterId id="2147484083" r:id="rId1"/>
   </p:sldMasterIdLst>
   <p:notesMasterIdLst>
-    <p:notesMasterId r:id="rId9"/>
+    <p:notesMasterId r:id="rId13"/>
   </p:notesMasterIdLst>
   <p:sldIdLst>
     <p:sldId id="256" r:id="rId2"/>
-    <p:sldId id="257" r:id="rId3"/>
-    <p:sldId id="258" r:id="rId4"/>
-    <p:sldId id="260" r:id="rId5"/>
-    <p:sldId id="262" r:id="rId6"/>
-    <p:sldId id="263" r:id="rId7"/>
-    <p:sldId id="264" r:id="rId8"/>
+    <p:sldId id="273" r:id="rId3"/>
+    <p:sldId id="274" r:id="rId4"/>
+    <p:sldId id="268" r:id="rId5"/>
+    <p:sldId id="266" r:id="rId6"/>
+    <p:sldId id="269" r:id="rId7"/>
+    <p:sldId id="276" r:id="rId8"/>
+    <p:sldId id="267" r:id="rId9"/>
+    <p:sldId id="271" r:id="rId10"/>
+    <p:sldId id="272" r:id="rId11"/>
+    <p:sldId id="275" r:id="rId12"/>
   </p:sldIdLst>
   <p:sldSz cx="9144000" cy="6858000" type="screen4x3"/>
   <p:notesSz cx="6858000" cy="9144000"/>
@@ -198,7 +202,7 @@
           <a:p>
             <a:fld id="{3A57E7A0-23D3-DF40-94C9-FF602798B2D1}" type="datetimeFigureOut">
               <a:rPr lang="en-US" smtClean="0"/>
-              <a:t>18/11/16</a:t>
+              <a:t>19/11/16</a:t>
             </a:fld>
             <a:endParaRPr lang="en-US"/>
           </a:p>
@@ -466,923 +470,6 @@
 </p:notesMaster>
 </file>
 
-<file path=ppt/notesSlides/notesSlide1.xml><?xml version="1.0" encoding="utf-8"?>
-<p:notes xmlns:a="http://schemas.openxmlformats.org/drawingml/2006/main" xmlns:r="http://schemas.openxmlformats.org/officeDocument/2006/relationships" xmlns:p="http://schemas.openxmlformats.org/presentationml/2006/main">
-  <p:cSld>
-    <p:spTree>
-      <p:nvGrpSpPr>
-        <p:cNvPr id="1" name=""/>
-        <p:cNvGrpSpPr/>
-        <p:nvPr/>
-      </p:nvGrpSpPr>
-      <p:grpSpPr>
-        <a:xfrm>
-          <a:off x="0" y="0"/>
-          <a:ext cx="0" cy="0"/>
-          <a:chOff x="0" y="0"/>
-          <a:chExt cx="0" cy="0"/>
-        </a:xfrm>
-      </p:grpSpPr>
-      <p:sp>
-        <p:nvSpPr>
-          <p:cNvPr id="2" name="Slide Image Placeholder 1"/>
-          <p:cNvSpPr>
-            <a:spLocks noGrp="1" noRot="1" noChangeAspect="1"/>
-          </p:cNvSpPr>
-          <p:nvPr>
-            <p:ph type="sldImg"/>
-          </p:nvPr>
-        </p:nvSpPr>
-        <p:spPr/>
-      </p:sp>
-      <p:sp>
-        <p:nvSpPr>
-          <p:cNvPr id="3" name="Notes Placeholder 2"/>
-          <p:cNvSpPr>
-            <a:spLocks noGrp="1"/>
-          </p:cNvSpPr>
-          <p:nvPr>
-            <p:ph type="body" idx="1"/>
-          </p:nvPr>
-        </p:nvSpPr>
-        <p:spPr/>
-        <p:txBody>
-          <a:bodyPr/>
-          <a:lstStyle/>
-          <a:p>
-            <a:r>
-              <a:rPr lang="en-US" dirty="0" smtClean="0"/>
-              <a:t>We have been tasked with creating</a:t>
-            </a:r>
-            <a:r>
-              <a:rPr lang="en-US" baseline="0" dirty="0" smtClean="0"/>
-              <a:t> an application that addresses 4 key points. </a:t>
-            </a:r>
-          </a:p>
-          <a:p>
-            <a:endParaRPr lang="en-US" baseline="0" dirty="0" smtClean="0"/>
-          </a:p>
-          <a:p>
-            <a:r>
-              <a:rPr lang="en-US" baseline="0" dirty="0" smtClean="0"/>
-              <a:t>it is required to provide non visual </a:t>
-            </a:r>
-            <a:r>
-              <a:rPr lang="en-US" baseline="0" dirty="0" err="1" smtClean="0"/>
-              <a:t>guideance</a:t>
-            </a:r>
-            <a:r>
-              <a:rPr lang="en-US" baseline="0" dirty="0" smtClean="0"/>
-              <a:t> to assist in the navigation of a location.</a:t>
-            </a:r>
-          </a:p>
-          <a:p>
-            <a:endParaRPr lang="en-US" baseline="0" dirty="0" smtClean="0"/>
-          </a:p>
-          <a:p>
-            <a:r>
-              <a:rPr lang="en-US" baseline="0" dirty="0" smtClean="0"/>
-              <a:t>the user base will be individuals who are visually </a:t>
-            </a:r>
-            <a:r>
-              <a:rPr lang="en-US" baseline="0" dirty="0" err="1" smtClean="0"/>
-              <a:t>impared</a:t>
-            </a:r>
-            <a:r>
-              <a:rPr lang="en-US" baseline="0" dirty="0" smtClean="0"/>
-              <a:t>, from partial to full sight lose. </a:t>
-            </a:r>
-          </a:p>
-          <a:p>
-            <a:endParaRPr lang="en-US" baseline="0" dirty="0" smtClean="0"/>
-          </a:p>
-          <a:p>
-            <a:r>
-              <a:rPr lang="en-US" baseline="0" dirty="0" smtClean="0"/>
-              <a:t>It should </a:t>
-            </a:r>
-            <a:r>
-              <a:rPr lang="en-US" baseline="0" dirty="0" err="1" smtClean="0"/>
-              <a:t>suport</a:t>
-            </a:r>
-            <a:r>
-              <a:rPr lang="en-US" baseline="0" dirty="0" smtClean="0"/>
-              <a:t> users who are attempting to navigate a </a:t>
-            </a:r>
-            <a:r>
-              <a:rPr lang="en-US" baseline="0" dirty="0" err="1" smtClean="0"/>
-              <a:t>loaction</a:t>
-            </a:r>
-            <a:r>
-              <a:rPr lang="en-US" baseline="0" dirty="0" smtClean="0"/>
-              <a:t> for the first time, but also </a:t>
-            </a:r>
-            <a:r>
-              <a:rPr lang="en-US" baseline="0" dirty="0" err="1" smtClean="0"/>
-              <a:t>assit</a:t>
-            </a:r>
-            <a:r>
-              <a:rPr lang="en-US" baseline="0" dirty="0" smtClean="0"/>
-              <a:t> those who are revisiting to allow them to become comfortable with the </a:t>
-            </a:r>
-            <a:r>
-              <a:rPr lang="en-US" baseline="0" dirty="0" err="1" smtClean="0"/>
-              <a:t>enviroment</a:t>
-            </a:r>
-            <a:r>
-              <a:rPr lang="en-US" baseline="0" dirty="0" smtClean="0"/>
-              <a:t>.</a:t>
-            </a:r>
-          </a:p>
-          <a:p>
-            <a:endParaRPr lang="en-US" baseline="0" dirty="0" smtClean="0"/>
-          </a:p>
-          <a:p>
-            <a:r>
-              <a:rPr lang="en-US" baseline="0" dirty="0" smtClean="0"/>
-              <a:t>After it has been implemented at </a:t>
-            </a:r>
-            <a:r>
-              <a:rPr lang="en-US" baseline="0" dirty="0" err="1" smtClean="0"/>
-              <a:t>Chaseside</a:t>
-            </a:r>
-            <a:r>
-              <a:rPr lang="en-US" baseline="0" dirty="0" smtClean="0"/>
-              <a:t> it should be extendable and adaptable to other public locations where existing GPS solutions </a:t>
-            </a:r>
-            <a:r>
-              <a:rPr lang="en-US" baseline="0" dirty="0" err="1" smtClean="0"/>
-              <a:t>arent</a:t>
-            </a:r>
-            <a:r>
-              <a:rPr lang="en-US" baseline="0" dirty="0" smtClean="0"/>
-              <a:t> viable. </a:t>
-            </a:r>
-            <a:endParaRPr lang="en-US" dirty="0" smtClean="0"/>
-          </a:p>
-          <a:p>
-            <a:endParaRPr lang="en-US" dirty="0" smtClean="0"/>
-          </a:p>
-          <a:p>
-            <a:endParaRPr lang="en-US" dirty="0" smtClean="0"/>
-          </a:p>
-          <a:p>
-            <a:endParaRPr lang="en-US" dirty="0" smtClean="0"/>
-          </a:p>
-          <a:p>
-            <a:endParaRPr lang="en-US" dirty="0" smtClean="0"/>
-          </a:p>
-          <a:p>
-            <a:r>
-              <a:rPr lang="en-US" dirty="0" smtClean="0"/>
-              <a:t>Bournemouth Blind Society would like to develop a solution that supports blind or partially sighted individuals visiting a site for the first time or a site that they are otherwise not 100% comfortable navigating. While BBS expects the solution will extend to many public places (like offices, parks, public locations) in the future, Code for Good teams should develop a solution that first tackles the challenge of visiting the </a:t>
-            </a:r>
-            <a:r>
-              <a:rPr lang="en-US" dirty="0" err="1" smtClean="0"/>
-              <a:t>Chaseside</a:t>
-            </a:r>
-            <a:r>
-              <a:rPr lang="en-US" dirty="0" smtClean="0"/>
-              <a:t> Bournemouth office for a blind or partially sighted individual. Teams are encouraged to think creatively about what would most benefit an individual utilizing the solution. Teams may consider incorporating an audible map, warnings about obstructions, and directions for key features of the building, i.e. lifts, toilets, restaurant, etc. Teams could also consider functionality embedded into the solution that automates challenging processes for a blind or partially sighted individual, i.e. opening a door or selecting the correct floor in the lift.</a:t>
-            </a:r>
-            <a:endParaRPr lang="en-US" dirty="0"/>
-          </a:p>
-        </p:txBody>
-      </p:sp>
-      <p:sp>
-        <p:nvSpPr>
-          <p:cNvPr id="4" name="Slide Number Placeholder 3"/>
-          <p:cNvSpPr>
-            <a:spLocks noGrp="1"/>
-          </p:cNvSpPr>
-          <p:nvPr>
-            <p:ph type="sldNum" sz="quarter" idx="10"/>
-          </p:nvPr>
-        </p:nvSpPr>
-        <p:spPr/>
-        <p:txBody>
-          <a:bodyPr/>
-          <a:lstStyle/>
-          <a:p>
-            <a:fld id="{69400948-F701-F54B-8B7B-D77BFDED1019}" type="slidenum">
-              <a:rPr lang="en-US" smtClean="0"/>
-              <a:t>2</a:t>
-            </a:fld>
-            <a:endParaRPr lang="en-US"/>
-          </a:p>
-        </p:txBody>
-      </p:sp>
-    </p:spTree>
-    <p:extLst>
-      <p:ext uri="{BB962C8B-B14F-4D97-AF65-F5344CB8AC3E}">
-        <p14:creationId xmlns:p14="http://schemas.microsoft.com/office/powerpoint/2010/main" val="3020215123"/>
-      </p:ext>
-    </p:extLst>
-  </p:cSld>
-  <p:clrMapOvr>
-    <a:masterClrMapping/>
-  </p:clrMapOvr>
-</p:notes>
-</file>
-
-<file path=ppt/notesSlides/notesSlide2.xml><?xml version="1.0" encoding="utf-8"?>
-<p:notes xmlns:a="http://schemas.openxmlformats.org/drawingml/2006/main" xmlns:r="http://schemas.openxmlformats.org/officeDocument/2006/relationships" xmlns:p="http://schemas.openxmlformats.org/presentationml/2006/main">
-  <p:cSld>
-    <p:spTree>
-      <p:nvGrpSpPr>
-        <p:cNvPr id="1" name=""/>
-        <p:cNvGrpSpPr/>
-        <p:nvPr/>
-      </p:nvGrpSpPr>
-      <p:grpSpPr>
-        <a:xfrm>
-          <a:off x="0" y="0"/>
-          <a:ext cx="0" cy="0"/>
-          <a:chOff x="0" y="0"/>
-          <a:chExt cx="0" cy="0"/>
-        </a:xfrm>
-      </p:grpSpPr>
-      <p:sp>
-        <p:nvSpPr>
-          <p:cNvPr id="2" name="Slide Image Placeholder 1"/>
-          <p:cNvSpPr>
-            <a:spLocks noGrp="1" noRot="1" noChangeAspect="1"/>
-          </p:cNvSpPr>
-          <p:nvPr>
-            <p:ph type="sldImg"/>
-          </p:nvPr>
-        </p:nvSpPr>
-        <p:spPr/>
-      </p:sp>
-      <p:sp>
-        <p:nvSpPr>
-          <p:cNvPr id="3" name="Notes Placeholder 2"/>
-          <p:cNvSpPr>
-            <a:spLocks noGrp="1"/>
-          </p:cNvSpPr>
-          <p:nvPr>
-            <p:ph type="body" idx="1"/>
-          </p:nvPr>
-        </p:nvSpPr>
-        <p:spPr/>
-        <p:txBody>
-          <a:bodyPr/>
-          <a:lstStyle/>
-          <a:p>
-            <a:r>
-              <a:rPr lang="en-US" dirty="0" smtClean="0"/>
-              <a:t>To develop our app we started by</a:t>
-            </a:r>
-            <a:r>
-              <a:rPr lang="en-US" baseline="0" dirty="0" smtClean="0"/>
-              <a:t> deciding on a development </a:t>
-            </a:r>
-            <a:r>
-              <a:rPr lang="en-US" baseline="0" dirty="0" err="1" smtClean="0"/>
-              <a:t>approch</a:t>
-            </a:r>
-            <a:r>
-              <a:rPr lang="en-US" baseline="0" dirty="0" smtClean="0"/>
-              <a:t>. We chose the agile method of scrum as it would give us the ability to monitor and track our progress most </a:t>
-            </a:r>
-            <a:r>
-              <a:rPr lang="en-US" baseline="0" dirty="0" err="1" smtClean="0"/>
-              <a:t>efectivly</a:t>
-            </a:r>
-            <a:r>
-              <a:rPr lang="en-US" baseline="0" dirty="0" smtClean="0"/>
-              <a:t> over the coding time. Using the </a:t>
-            </a:r>
-            <a:r>
-              <a:rPr lang="en-US" baseline="0" dirty="0" err="1" smtClean="0"/>
-              <a:t>webapp</a:t>
-            </a:r>
-            <a:r>
-              <a:rPr lang="en-US" baseline="0" dirty="0" smtClean="0"/>
-              <a:t> </a:t>
-            </a:r>
-            <a:r>
-              <a:rPr lang="en-US" baseline="0" dirty="0" err="1" smtClean="0"/>
-              <a:t>Trello</a:t>
-            </a:r>
-            <a:r>
-              <a:rPr lang="en-US" baseline="0" dirty="0" smtClean="0"/>
-              <a:t> we </a:t>
-            </a:r>
-            <a:r>
-              <a:rPr lang="en-US" baseline="0" dirty="0" err="1" smtClean="0"/>
-              <a:t>contructed</a:t>
-            </a:r>
-            <a:r>
-              <a:rPr lang="en-US" baseline="0" dirty="0" smtClean="0"/>
-              <a:t> a burn down chart with the user stories detailing the features we wanted to include. </a:t>
-            </a:r>
-          </a:p>
-          <a:p>
-            <a:endParaRPr lang="en-US" baseline="0" dirty="0" smtClean="0"/>
-          </a:p>
-          <a:p>
-            <a:r>
-              <a:rPr lang="en-US" baseline="0" dirty="0" smtClean="0"/>
-              <a:t>When opening the app for the first time the user will be given a list of options to setup the app to their needs. these setting should not need to be changed after setup. Sex, route </a:t>
-            </a:r>
-            <a:r>
-              <a:rPr lang="en-US" baseline="0" dirty="0" err="1" smtClean="0"/>
-              <a:t>prefs</a:t>
-            </a:r>
-            <a:r>
-              <a:rPr lang="en-US" baseline="0" dirty="0" smtClean="0"/>
-              <a:t>, </a:t>
-            </a:r>
-            <a:r>
-              <a:rPr lang="en-US" baseline="0" dirty="0" err="1" smtClean="0"/>
-              <a:t>permitions</a:t>
-            </a:r>
-            <a:r>
-              <a:rPr lang="en-US" baseline="0" dirty="0" smtClean="0"/>
-              <a:t> to access app data such as </a:t>
-            </a:r>
-            <a:r>
-              <a:rPr lang="en-US" baseline="0" dirty="0" err="1" smtClean="0"/>
-              <a:t>iOS</a:t>
-            </a:r>
-            <a:r>
-              <a:rPr lang="en-US" baseline="0" dirty="0" smtClean="0"/>
-              <a:t> health kit.</a:t>
-            </a:r>
-          </a:p>
-          <a:p>
-            <a:endParaRPr lang="en-US" baseline="0" dirty="0" smtClean="0"/>
-          </a:p>
-          <a:p>
-            <a:r>
-              <a:rPr lang="en-US" baseline="0" dirty="0" smtClean="0"/>
-              <a:t>When entering a new building the user will make themselves known to the reception desk where they are checked in and asked to place their phone onto a </a:t>
-            </a:r>
-            <a:r>
-              <a:rPr lang="en-US" baseline="0" dirty="0" err="1" smtClean="0"/>
-              <a:t>programable</a:t>
-            </a:r>
-            <a:r>
-              <a:rPr lang="en-US" baseline="0" dirty="0" smtClean="0"/>
-              <a:t> NFC or </a:t>
-            </a:r>
-            <a:r>
-              <a:rPr lang="en-US" baseline="0" dirty="0" err="1" smtClean="0"/>
-              <a:t>bluetooth</a:t>
-            </a:r>
-            <a:r>
-              <a:rPr lang="en-US" baseline="0" dirty="0" smtClean="0"/>
-              <a:t> device. From this they are logged into a guest </a:t>
-            </a:r>
-            <a:r>
-              <a:rPr lang="en-US" baseline="0" dirty="0" err="1" smtClean="0"/>
-              <a:t>wifi</a:t>
-            </a:r>
-            <a:r>
-              <a:rPr lang="en-US" baseline="0" dirty="0" smtClean="0"/>
-              <a:t> account given the location of the map to download. This allows the users device to delete old maps and free up storage. The reception contact number is imported and loaded into the app allowing the user to have a single button to press should they run into </a:t>
-            </a:r>
-            <a:r>
-              <a:rPr lang="en-US" baseline="0" dirty="0" err="1" smtClean="0"/>
-              <a:t>dificulties</a:t>
-            </a:r>
-            <a:r>
-              <a:rPr lang="en-US" baseline="0" dirty="0" smtClean="0"/>
-              <a:t>. Once the map has downloaded, the destination is then inputted and the route plotted based on the users </a:t>
-            </a:r>
-            <a:r>
-              <a:rPr lang="en-US" baseline="0" dirty="0" err="1" smtClean="0"/>
-              <a:t>preferance</a:t>
-            </a:r>
-            <a:r>
-              <a:rPr lang="en-US" baseline="0" dirty="0" smtClean="0"/>
-              <a:t>. </a:t>
-            </a:r>
-          </a:p>
-          <a:p>
-            <a:endParaRPr lang="en-US" baseline="0" dirty="0" smtClean="0"/>
-          </a:p>
-          <a:p>
-            <a:r>
-              <a:rPr lang="en-US" baseline="0" dirty="0" smtClean="0"/>
-              <a:t>The </a:t>
-            </a:r>
-            <a:r>
-              <a:rPr lang="en-US" baseline="0" dirty="0" err="1" smtClean="0"/>
-              <a:t>preferances</a:t>
-            </a:r>
-            <a:r>
-              <a:rPr lang="en-US" baseline="0" dirty="0" smtClean="0"/>
-              <a:t> for </a:t>
-            </a:r>
-            <a:r>
-              <a:rPr lang="en-US" baseline="0" dirty="0" err="1" smtClean="0"/>
-              <a:t>guideance</a:t>
-            </a:r>
-            <a:r>
-              <a:rPr lang="en-US" baseline="0" dirty="0" smtClean="0"/>
-              <a:t> the user can choose from are quickest route or safest route. A safe route will take into </a:t>
-            </a:r>
-            <a:r>
-              <a:rPr lang="en-US" baseline="0" dirty="0" err="1" smtClean="0"/>
-              <a:t>acount</a:t>
-            </a:r>
-            <a:r>
-              <a:rPr lang="en-US" baseline="0" dirty="0" smtClean="0"/>
-              <a:t> the number of </a:t>
-            </a:r>
-            <a:r>
-              <a:rPr lang="en-US" baseline="0" dirty="0" err="1" smtClean="0"/>
-              <a:t>obsticles</a:t>
-            </a:r>
-            <a:r>
-              <a:rPr lang="en-US" baseline="0" dirty="0" smtClean="0"/>
-              <a:t> and the amount of people estimated to be using a section of the route.</a:t>
-            </a:r>
-          </a:p>
-          <a:p>
-            <a:endParaRPr lang="en-US" baseline="0" dirty="0" smtClean="0"/>
-          </a:p>
-          <a:p>
-            <a:r>
-              <a:rPr lang="en-US" baseline="0" dirty="0" smtClean="0"/>
-              <a:t>The maps used will be a combination of floor plans and a heat map made from data collected from CCTV cameras, </a:t>
-            </a:r>
-            <a:r>
-              <a:rPr lang="en-US" baseline="0" dirty="0" err="1" smtClean="0"/>
-              <a:t>WiFi</a:t>
-            </a:r>
-            <a:r>
-              <a:rPr lang="en-US" baseline="0" dirty="0" smtClean="0"/>
-              <a:t> tracking and </a:t>
-            </a:r>
-            <a:r>
-              <a:rPr lang="en-US" baseline="0" dirty="0" err="1" smtClean="0"/>
-              <a:t>triangualtion</a:t>
-            </a:r>
-            <a:r>
-              <a:rPr lang="en-US" baseline="0" dirty="0" smtClean="0"/>
-              <a:t> using </a:t>
-            </a:r>
-            <a:r>
-              <a:rPr lang="en-US" baseline="0" dirty="0" err="1" smtClean="0"/>
-              <a:t>iBeacons</a:t>
-            </a:r>
-            <a:r>
-              <a:rPr lang="en-US" baseline="0" dirty="0" smtClean="0"/>
-              <a:t> (which will be placed onto every door). From this heat map we can learn about </a:t>
-            </a:r>
-            <a:r>
-              <a:rPr lang="en-US" baseline="0" dirty="0" err="1" smtClean="0"/>
-              <a:t>obsticles</a:t>
-            </a:r>
-            <a:r>
-              <a:rPr lang="en-US" baseline="0" dirty="0" smtClean="0"/>
-              <a:t> in a given room and if the layout is changed the map will be updated by others walking around these locations, </a:t>
-            </a:r>
-            <a:r>
-              <a:rPr lang="en-US" baseline="0" dirty="0" err="1" smtClean="0"/>
-              <a:t>i</a:t>
-            </a:r>
-            <a:r>
-              <a:rPr lang="it-IT" baseline="0" dirty="0" smtClean="0"/>
-              <a:t>.e.</a:t>
-            </a:r>
-            <a:r>
-              <a:rPr lang="en-US" baseline="0" dirty="0" smtClean="0"/>
-              <a:t> dark spots. </a:t>
-            </a:r>
-          </a:p>
-          <a:p>
-            <a:endParaRPr lang="en-US" baseline="0" dirty="0" smtClean="0"/>
-          </a:p>
-          <a:p>
-            <a:r>
-              <a:rPr lang="en-US" baseline="0" dirty="0" smtClean="0"/>
-              <a:t>These heat patterns will also show possible routes to a given location by others walking about their day allowing the map to be accurate without needing to be </a:t>
-            </a:r>
-            <a:r>
-              <a:rPr lang="en-US" baseline="0" dirty="0" err="1" smtClean="0"/>
-              <a:t>maunally</a:t>
-            </a:r>
-            <a:r>
-              <a:rPr lang="en-US" baseline="0" dirty="0" smtClean="0"/>
-              <a:t> updated. </a:t>
-            </a:r>
-          </a:p>
-          <a:p>
-            <a:endParaRPr lang="en-US" baseline="0" dirty="0" smtClean="0"/>
-          </a:p>
-          <a:p>
-            <a:r>
-              <a:rPr lang="en-US" baseline="0" dirty="0" smtClean="0"/>
-              <a:t>For a user returning to a location there will be a POI menu to allow them to access past location and </a:t>
-            </a:r>
-            <a:r>
-              <a:rPr lang="en-US" baseline="0" dirty="0" err="1" smtClean="0"/>
-              <a:t>faviorite</a:t>
-            </a:r>
-            <a:r>
-              <a:rPr lang="en-US" baseline="0" dirty="0" smtClean="0"/>
-              <a:t> places, to find a new location there is a search function.</a:t>
-            </a:r>
-          </a:p>
-          <a:p>
-            <a:endParaRPr lang="en-US" baseline="0" dirty="0" smtClean="0"/>
-          </a:p>
-          <a:p>
-            <a:r>
-              <a:rPr lang="en-US" baseline="0" dirty="0" smtClean="0"/>
-              <a:t> To navigate, the app will notify the user using audio and vibration cues. These are fully </a:t>
-            </a:r>
-            <a:r>
-              <a:rPr lang="en-US" baseline="0" dirty="0" err="1" smtClean="0"/>
-              <a:t>customisable</a:t>
-            </a:r>
-            <a:r>
-              <a:rPr lang="en-US" baseline="0" dirty="0" smtClean="0"/>
-              <a:t>. </a:t>
-            </a:r>
-            <a:endParaRPr lang="en-US" dirty="0"/>
-          </a:p>
-        </p:txBody>
-      </p:sp>
-      <p:sp>
-        <p:nvSpPr>
-          <p:cNvPr id="4" name="Slide Number Placeholder 3"/>
-          <p:cNvSpPr>
-            <a:spLocks noGrp="1"/>
-          </p:cNvSpPr>
-          <p:nvPr>
-            <p:ph type="sldNum" sz="quarter" idx="10"/>
-          </p:nvPr>
-        </p:nvSpPr>
-        <p:spPr/>
-        <p:txBody>
-          <a:bodyPr/>
-          <a:lstStyle/>
-          <a:p>
-            <a:fld id="{69400948-F701-F54B-8B7B-D77BFDED1019}" type="slidenum">
-              <a:rPr lang="en-US" smtClean="0"/>
-              <a:t>3</a:t>
-            </a:fld>
-            <a:endParaRPr lang="en-US"/>
-          </a:p>
-        </p:txBody>
-      </p:sp>
-    </p:spTree>
-    <p:extLst>
-      <p:ext uri="{BB962C8B-B14F-4D97-AF65-F5344CB8AC3E}">
-        <p14:creationId xmlns:p14="http://schemas.microsoft.com/office/powerpoint/2010/main" val="4061473102"/>
-      </p:ext>
-    </p:extLst>
-  </p:cSld>
-  <p:clrMapOvr>
-    <a:masterClrMapping/>
-  </p:clrMapOvr>
-</p:notes>
-</file>
-
-<file path=ppt/notesSlides/notesSlide3.xml><?xml version="1.0" encoding="utf-8"?>
-<p:notes xmlns:a="http://schemas.openxmlformats.org/drawingml/2006/main" xmlns:r="http://schemas.openxmlformats.org/officeDocument/2006/relationships" xmlns:p="http://schemas.openxmlformats.org/presentationml/2006/main">
-  <p:cSld>
-    <p:spTree>
-      <p:nvGrpSpPr>
-        <p:cNvPr id="1" name=""/>
-        <p:cNvGrpSpPr/>
-        <p:nvPr/>
-      </p:nvGrpSpPr>
-      <p:grpSpPr>
-        <a:xfrm>
-          <a:off x="0" y="0"/>
-          <a:ext cx="0" cy="0"/>
-          <a:chOff x="0" y="0"/>
-          <a:chExt cx="0" cy="0"/>
-        </a:xfrm>
-      </p:grpSpPr>
-      <p:sp>
-        <p:nvSpPr>
-          <p:cNvPr id="2" name="Slide Image Placeholder 1"/>
-          <p:cNvSpPr>
-            <a:spLocks noGrp="1" noRot="1" noChangeAspect="1"/>
-          </p:cNvSpPr>
-          <p:nvPr>
-            <p:ph type="sldImg"/>
-          </p:nvPr>
-        </p:nvSpPr>
-        <p:spPr/>
-      </p:sp>
-      <p:sp>
-        <p:nvSpPr>
-          <p:cNvPr id="3" name="Notes Placeholder 2"/>
-          <p:cNvSpPr>
-            <a:spLocks noGrp="1"/>
-          </p:cNvSpPr>
-          <p:nvPr>
-            <p:ph type="body" idx="1"/>
-          </p:nvPr>
-        </p:nvSpPr>
-        <p:spPr/>
-        <p:txBody>
-          <a:bodyPr/>
-          <a:lstStyle/>
-          <a:p>
-            <a:r>
-              <a:rPr lang="en-US" dirty="0" smtClean="0"/>
-              <a:t>We understand</a:t>
-            </a:r>
-            <a:r>
-              <a:rPr lang="en-US" baseline="0" dirty="0" smtClean="0"/>
-              <a:t> that the cost of the hardware implementation will ether need to be covered by the hosting company or the charity, therefore these costs will need to as low as reasonably possible. </a:t>
-            </a:r>
-          </a:p>
-          <a:p>
-            <a:endParaRPr lang="en-US" baseline="0" dirty="0" smtClean="0"/>
-          </a:p>
-          <a:p>
-            <a:r>
-              <a:rPr lang="en-US" baseline="0" dirty="0" smtClean="0"/>
-              <a:t>We conducted research into the industry standards regarding how best to represent data on screen for those who are visually impaired. The no 1 thing we needed to make sure we included was alt text on all elements inside our code to allow a screen reader to communicate to the user. Secondly the use of </a:t>
-            </a:r>
-            <a:r>
-              <a:rPr lang="en-US" baseline="0" dirty="0" err="1" smtClean="0"/>
-              <a:t>colour</a:t>
-            </a:r>
-            <a:r>
-              <a:rPr lang="en-US" baseline="0" dirty="0" smtClean="0"/>
-              <a:t>, contrast and size. We have used large, block </a:t>
-            </a:r>
-            <a:r>
-              <a:rPr lang="en-US" baseline="0" dirty="0" err="1" smtClean="0"/>
-              <a:t>colour</a:t>
-            </a:r>
-            <a:r>
-              <a:rPr lang="en-US" baseline="0" dirty="0" smtClean="0"/>
-              <a:t> with contrasting text </a:t>
-            </a:r>
-            <a:r>
-              <a:rPr lang="en-US" baseline="0" dirty="0" err="1" smtClean="0"/>
-              <a:t>colours</a:t>
-            </a:r>
-            <a:r>
-              <a:rPr lang="en-US" baseline="0" dirty="0" smtClean="0"/>
-              <a:t> to </a:t>
-            </a:r>
-            <a:r>
-              <a:rPr lang="en-US" baseline="0" dirty="0" err="1" smtClean="0"/>
-              <a:t>assit</a:t>
-            </a:r>
-            <a:r>
-              <a:rPr lang="en-US" baseline="0" dirty="0" smtClean="0"/>
-              <a:t> those with partial sight. </a:t>
-            </a:r>
-            <a:endParaRPr lang="en-US" dirty="0"/>
-          </a:p>
-        </p:txBody>
-      </p:sp>
-      <p:sp>
-        <p:nvSpPr>
-          <p:cNvPr id="4" name="Slide Number Placeholder 3"/>
-          <p:cNvSpPr>
-            <a:spLocks noGrp="1"/>
-          </p:cNvSpPr>
-          <p:nvPr>
-            <p:ph type="sldNum" sz="quarter" idx="10"/>
-          </p:nvPr>
-        </p:nvSpPr>
-        <p:spPr/>
-        <p:txBody>
-          <a:bodyPr/>
-          <a:lstStyle/>
-          <a:p>
-            <a:fld id="{69400948-F701-F54B-8B7B-D77BFDED1019}" type="slidenum">
-              <a:rPr lang="en-US" smtClean="0"/>
-              <a:t>4</a:t>
-            </a:fld>
-            <a:endParaRPr lang="en-US"/>
-          </a:p>
-        </p:txBody>
-      </p:sp>
-    </p:spTree>
-    <p:extLst>
-      <p:ext uri="{BB962C8B-B14F-4D97-AF65-F5344CB8AC3E}">
-        <p14:creationId xmlns:p14="http://schemas.microsoft.com/office/powerpoint/2010/main" val="2882335999"/>
-      </p:ext>
-    </p:extLst>
-  </p:cSld>
-  <p:clrMapOvr>
-    <a:masterClrMapping/>
-  </p:clrMapOvr>
-</p:notes>
-</file>
-
-<file path=ppt/notesSlides/notesSlide4.xml><?xml version="1.0" encoding="utf-8"?>
-<p:notes xmlns:a="http://schemas.openxmlformats.org/drawingml/2006/main" xmlns:r="http://schemas.openxmlformats.org/officeDocument/2006/relationships" xmlns:p="http://schemas.openxmlformats.org/presentationml/2006/main">
-  <p:cSld>
-    <p:spTree>
-      <p:nvGrpSpPr>
-        <p:cNvPr id="1" name=""/>
-        <p:cNvGrpSpPr/>
-        <p:nvPr/>
-      </p:nvGrpSpPr>
-      <p:grpSpPr>
-        <a:xfrm>
-          <a:off x="0" y="0"/>
-          <a:ext cx="0" cy="0"/>
-          <a:chOff x="0" y="0"/>
-          <a:chExt cx="0" cy="0"/>
-        </a:xfrm>
-      </p:grpSpPr>
-      <p:sp>
-        <p:nvSpPr>
-          <p:cNvPr id="2" name="Slide Image Placeholder 1"/>
-          <p:cNvSpPr>
-            <a:spLocks noGrp="1" noRot="1" noChangeAspect="1"/>
-          </p:cNvSpPr>
-          <p:nvPr>
-            <p:ph type="sldImg"/>
-          </p:nvPr>
-        </p:nvSpPr>
-        <p:spPr/>
-      </p:sp>
-      <p:sp>
-        <p:nvSpPr>
-          <p:cNvPr id="3" name="Notes Placeholder 2"/>
-          <p:cNvSpPr>
-            <a:spLocks noGrp="1"/>
-          </p:cNvSpPr>
-          <p:nvPr>
-            <p:ph type="body" idx="1"/>
-          </p:nvPr>
-        </p:nvSpPr>
-        <p:spPr/>
-        <p:txBody>
-          <a:bodyPr/>
-          <a:lstStyle/>
-          <a:p>
-            <a:r>
-              <a:rPr lang="en-US" dirty="0" smtClean="0"/>
-              <a:t>How often</a:t>
-            </a:r>
-            <a:r>
-              <a:rPr lang="en-US" baseline="0" dirty="0" smtClean="0"/>
-              <a:t> have you got lost in a new building or got caught in a crowd? The </a:t>
-            </a:r>
-            <a:r>
-              <a:rPr lang="en-US" baseline="0" dirty="0" err="1" smtClean="0"/>
-              <a:t>apllication</a:t>
-            </a:r>
-            <a:r>
-              <a:rPr lang="en-US" baseline="0" dirty="0" smtClean="0"/>
-              <a:t> could be extended to allow sighted people to take advantage of its </a:t>
-            </a:r>
-            <a:r>
-              <a:rPr lang="en-US" baseline="0" dirty="0" err="1" smtClean="0"/>
-              <a:t>navagation</a:t>
-            </a:r>
-            <a:r>
-              <a:rPr lang="en-US" baseline="0" dirty="0" smtClean="0"/>
-              <a:t> and route finding features.</a:t>
-            </a:r>
-          </a:p>
-          <a:p>
-            <a:endParaRPr lang="en-US" baseline="0" dirty="0" smtClean="0"/>
-          </a:p>
-          <a:p>
-            <a:r>
-              <a:rPr lang="en-US" baseline="0" dirty="0" smtClean="0"/>
-              <a:t>The </a:t>
-            </a:r>
-            <a:r>
-              <a:rPr lang="en-US" baseline="0" dirty="0" err="1" smtClean="0"/>
-              <a:t>iBeacons</a:t>
-            </a:r>
-            <a:r>
-              <a:rPr lang="en-US" baseline="0" dirty="0" smtClean="0"/>
-              <a:t> would allow for multiple uses with different applications. </a:t>
-            </a:r>
-            <a:r>
-              <a:rPr lang="hr-HR" baseline="0" dirty="0" smtClean="0"/>
-              <a:t>I.e.</a:t>
-            </a:r>
-            <a:r>
-              <a:rPr lang="en-US" baseline="0" dirty="0" smtClean="0"/>
-              <a:t> one located in the </a:t>
-            </a:r>
-            <a:r>
-              <a:rPr lang="en-US" baseline="0" dirty="0" err="1" smtClean="0"/>
-              <a:t>atrum</a:t>
-            </a:r>
-            <a:r>
-              <a:rPr lang="en-US" baseline="0" dirty="0" smtClean="0"/>
-              <a:t> of the Hampshire building could give a </a:t>
-            </a:r>
-            <a:r>
-              <a:rPr lang="en-US" baseline="0" dirty="0" err="1" smtClean="0"/>
-              <a:t>breif</a:t>
-            </a:r>
-            <a:r>
-              <a:rPr lang="en-US" baseline="0" dirty="0" smtClean="0"/>
-              <a:t> history of the company and the </a:t>
-            </a:r>
-            <a:r>
-              <a:rPr lang="en-US" baseline="0" dirty="0" err="1" smtClean="0"/>
-              <a:t>atruim</a:t>
-            </a:r>
-            <a:r>
-              <a:rPr lang="en-US" baseline="0" dirty="0" smtClean="0"/>
-              <a:t> itself or one lo </a:t>
-            </a:r>
-            <a:r>
-              <a:rPr lang="en-US" baseline="0" dirty="0" err="1" smtClean="0"/>
-              <a:t>ated</a:t>
-            </a:r>
-            <a:r>
-              <a:rPr lang="en-US" baseline="0" dirty="0" smtClean="0"/>
-              <a:t> outside an office door could list contact details and link to a </a:t>
-            </a:r>
-            <a:r>
-              <a:rPr lang="en-US" baseline="0" dirty="0" err="1" smtClean="0"/>
-              <a:t>calander</a:t>
-            </a:r>
-            <a:r>
-              <a:rPr lang="en-US" baseline="0" dirty="0" smtClean="0"/>
-              <a:t> to show </a:t>
-            </a:r>
-            <a:r>
-              <a:rPr lang="en-US" baseline="0" dirty="0" err="1" smtClean="0"/>
-              <a:t>avalibility</a:t>
-            </a:r>
-            <a:r>
-              <a:rPr lang="en-US" baseline="0" dirty="0" smtClean="0"/>
-              <a:t>. </a:t>
-            </a:r>
-          </a:p>
-          <a:p>
-            <a:endParaRPr lang="en-US" baseline="0" dirty="0" smtClean="0"/>
-          </a:p>
-          <a:p>
-            <a:r>
-              <a:rPr lang="en-US" baseline="0" dirty="0" smtClean="0"/>
-              <a:t>With the heat maps it would be possible to use the information to plan effective advertising in a sales location, plan routes and investigate </a:t>
-            </a:r>
-            <a:r>
-              <a:rPr lang="en-US" baseline="0" dirty="0" err="1" smtClean="0"/>
-              <a:t>congestied</a:t>
-            </a:r>
-            <a:r>
-              <a:rPr lang="en-US" baseline="0" dirty="0" smtClean="0"/>
-              <a:t> passages to see how to </a:t>
-            </a:r>
-            <a:r>
-              <a:rPr lang="en-US" baseline="0" dirty="0" err="1" smtClean="0"/>
-              <a:t>effectivly</a:t>
-            </a:r>
-            <a:r>
-              <a:rPr lang="en-US" baseline="0" dirty="0" smtClean="0"/>
-              <a:t> move people around the location. </a:t>
-            </a:r>
-            <a:endParaRPr lang="en-US" dirty="0"/>
-          </a:p>
-        </p:txBody>
-      </p:sp>
-      <p:sp>
-        <p:nvSpPr>
-          <p:cNvPr id="4" name="Slide Number Placeholder 3"/>
-          <p:cNvSpPr>
-            <a:spLocks noGrp="1"/>
-          </p:cNvSpPr>
-          <p:nvPr>
-            <p:ph type="sldNum" sz="quarter" idx="10"/>
-          </p:nvPr>
-        </p:nvSpPr>
-        <p:spPr/>
-        <p:txBody>
-          <a:bodyPr/>
-          <a:lstStyle/>
-          <a:p>
-            <a:fld id="{69400948-F701-F54B-8B7B-D77BFDED1019}" type="slidenum">
-              <a:rPr lang="en-US" smtClean="0"/>
-              <a:t>6</a:t>
-            </a:fld>
-            <a:endParaRPr lang="en-US"/>
-          </a:p>
-        </p:txBody>
-      </p:sp>
-    </p:spTree>
-    <p:extLst>
-      <p:ext uri="{BB962C8B-B14F-4D97-AF65-F5344CB8AC3E}">
-        <p14:creationId xmlns:p14="http://schemas.microsoft.com/office/powerpoint/2010/main" val="2550190036"/>
-      </p:ext>
-    </p:extLst>
-  </p:cSld>
-  <p:clrMapOvr>
-    <a:masterClrMapping/>
-  </p:clrMapOvr>
-</p:notes>
-</file>
-
 <file path=ppt/slideLayouts/slideLayout1.xml><?xml version="1.0" encoding="utf-8"?>
 <p:sldLayout xmlns:a="http://schemas.openxmlformats.org/drawingml/2006/main" xmlns:r="http://schemas.openxmlformats.org/officeDocument/2006/relationships" xmlns:p="http://schemas.openxmlformats.org/presentationml/2006/main" type="title" preserve="1">
   <p:cSld name="Title Slide">
@@ -1402,6 +489,67 @@
       </p:grpSpPr>
       <p:sp>
         <p:nvSpPr>
+          <p:cNvPr id="7" name="Rectangle 6"/>
+          <p:cNvSpPr/>
+          <p:nvPr/>
+        </p:nvSpPr>
+        <p:spPr>
+          <a:xfrm>
+            <a:off x="1328166" y="1295400"/>
+            <a:ext cx="6487668" cy="3152887"/>
+          </a:xfrm>
+          <a:prstGeom prst="rect">
+            <a:avLst/>
+          </a:prstGeom>
+          <a:ln w="3175">
+            <a:solidFill>
+              <a:schemeClr val="bg1"/>
+            </a:solidFill>
+          </a:ln>
+          <a:effectLst>
+            <a:outerShdw blurRad="63500" sx="100500" sy="100500" algn="ctr" rotWithShape="0">
+              <a:prstClr val="black">
+                <a:alpha val="50000"/>
+              </a:prstClr>
+            </a:outerShdw>
+          </a:effectLst>
+        </p:spPr>
+        <p:txBody>
+          <a:bodyPr vert="horz" lIns="91440" tIns="45720" rIns="91440" bIns="45720" rtlCol="0">
+            <a:normAutofit/>
+          </a:bodyPr>
+          <a:lstStyle/>
+          <a:p>
+            <a:pPr marL="0" indent="0" algn="l" defTabSz="914400" rtl="0" eaLnBrk="1" latinLnBrk="0" hangingPunct="1">
+              <a:spcBef>
+                <a:spcPts val="2000"/>
+              </a:spcBef>
+              <a:buClr>
+                <a:schemeClr val="accent1">
+                  <a:lumMod val="60000"/>
+                  <a:lumOff val="40000"/>
+                </a:schemeClr>
+              </a:buClr>
+              <a:buSzPct val="110000"/>
+              <a:buFont typeface="Wingdings 2" pitchFamily="18" charset="2"/>
+              <a:buNone/>
+            </a:pPr>
+            <a:endParaRPr sz="3200" kern="1200">
+              <a:solidFill>
+                <a:schemeClr val="tx1">
+                  <a:lumMod val="65000"/>
+                  <a:lumOff val="35000"/>
+                </a:schemeClr>
+              </a:solidFill>
+              <a:latin typeface="+mn-lt"/>
+              <a:ea typeface="+mn-ea"/>
+              <a:cs typeface="+mn-cs"/>
+            </a:endParaRPr>
+          </a:p>
+        </p:txBody>
+      </p:sp>
+      <p:sp>
+        <p:nvSpPr>
           <p:cNvPr id="2" name="Title 1"/>
           <p:cNvSpPr>
             <a:spLocks noGrp="1"/>
@@ -1412,55 +560,90 @@
         </p:nvSpPr>
         <p:spPr>
           <a:xfrm>
-            <a:off x="914400" y="2516624"/>
-            <a:ext cx="7315200" cy="2595025"/>
-          </a:xfrm>
-        </p:spPr>
-        <p:txBody>
-          <a:bodyPr>
+            <a:off x="1322921" y="1523999"/>
+            <a:ext cx="6498158" cy="1724867"/>
+          </a:xfrm>
+        </p:spPr>
+        <p:txBody>
+          <a:bodyPr vert="horz" lIns="91440" tIns="45720" rIns="91440" bIns="45720" rtlCol="0" anchor="b" anchorCtr="0">
+            <a:noAutofit/>
+          </a:bodyPr>
+          <a:lstStyle>
+            <a:lvl1pPr marL="0" indent="0" algn="ctr" defTabSz="914400" rtl="0" eaLnBrk="1" latinLnBrk="0" hangingPunct="1">
+              <a:spcBef>
+                <a:spcPct val="0"/>
+              </a:spcBef>
+              <a:buClr>
+                <a:schemeClr val="accent1">
+                  <a:lumMod val="60000"/>
+                  <a:lumOff val="40000"/>
+                </a:schemeClr>
+              </a:buClr>
+              <a:buSzPct val="110000"/>
+              <a:buFont typeface="Wingdings 2" pitchFamily="18" charset="2"/>
+              <a:buNone/>
+              <a:defRPr sz="4600" kern="1200">
+                <a:solidFill>
+                  <a:schemeClr val="accent1"/>
+                </a:solidFill>
+                <a:latin typeface="+mj-lt"/>
+                <a:ea typeface="+mj-ea"/>
+                <a:cs typeface="+mj-cs"/>
+              </a:defRPr>
+            </a:lvl1pPr>
+          </a:lstStyle>
+          <a:p>
+            <a:r>
+              <a:rPr lang="en-GB" smtClean="0"/>
+              <a:t>Click to edit Master title style</a:t>
+            </a:r>
+            <a:endParaRPr/>
+          </a:p>
+        </p:txBody>
+      </p:sp>
+      <p:sp>
+        <p:nvSpPr>
+          <p:cNvPr id="3" name="Subtitle 2"/>
+          <p:cNvSpPr>
+            <a:spLocks noGrp="1"/>
+          </p:cNvSpPr>
+          <p:nvPr>
+            <p:ph type="subTitle" idx="1"/>
+          </p:nvPr>
+        </p:nvSpPr>
+        <p:spPr>
+          <a:xfrm>
+            <a:off x="1322921" y="3299012"/>
+            <a:ext cx="6498159" cy="916641"/>
+          </a:xfrm>
+        </p:spPr>
+        <p:txBody>
+          <a:bodyPr vert="horz" lIns="91440" tIns="45720" rIns="91440" bIns="45720" rtlCol="0">
             <a:normAutofit/>
           </a:bodyPr>
           <a:lstStyle>
-            <a:lvl1pPr>
-              <a:defRPr sz="4800"/>
-            </a:lvl1pPr>
-          </a:lstStyle>
-          <a:p>
-            <a:r>
-              <a:rPr lang="en-GB" smtClean="0"/>
-              <a:t>Click to edit Master title style</a:t>
-            </a:r>
-            <a:endParaRPr lang="en-US"/>
-          </a:p>
-        </p:txBody>
-      </p:sp>
-      <p:sp>
-        <p:nvSpPr>
-          <p:cNvPr id="3" name="Subtitle 2"/>
-          <p:cNvSpPr>
-            <a:spLocks noGrp="1"/>
-          </p:cNvSpPr>
-          <p:nvPr>
-            <p:ph type="subTitle" idx="1"/>
-          </p:nvPr>
-        </p:nvSpPr>
-        <p:spPr>
-          <a:xfrm>
-            <a:off x="914400" y="5166530"/>
-            <a:ext cx="7315200" cy="1144632"/>
-          </a:xfrm>
-        </p:spPr>
-        <p:txBody>
-          <a:bodyPr>
-            <a:normAutofit/>
-          </a:bodyPr>
-          <a:lstStyle>
-            <a:lvl1pPr marL="0" indent="0" algn="l">
-              <a:buNone/>
-              <a:defRPr sz="2200">
-                <a:solidFill>
-                  <a:schemeClr val="tx1"/>
-                </a:solidFill>
+            <a:lvl1pPr marL="0" indent="0" algn="ctr" defTabSz="914400" rtl="0" eaLnBrk="1" latinLnBrk="0" hangingPunct="1">
+              <a:spcBef>
+                <a:spcPts val="300"/>
+              </a:spcBef>
+              <a:buClr>
+                <a:schemeClr val="accent1">
+                  <a:lumMod val="60000"/>
+                  <a:lumOff val="40000"/>
+                </a:schemeClr>
+              </a:buClr>
+              <a:buSzPct val="110000"/>
+              <a:buFont typeface="Wingdings 2" pitchFamily="18" charset="2"/>
+              <a:buNone/>
+              <a:defRPr sz="1800" kern="1200">
+                <a:solidFill>
+                  <a:schemeClr val="tx1">
+                    <a:tint val="75000"/>
+                  </a:schemeClr>
+                </a:solidFill>
+                <a:latin typeface="+mn-lt"/>
+                <a:ea typeface="+mn-ea"/>
+                <a:cs typeface="+mn-cs"/>
               </a:defRPr>
             </a:lvl1pPr>
             <a:lvl2pPr marL="457200" indent="0" algn="ctr">
@@ -1549,13 +732,13 @@
               <a:rPr lang="en-GB" smtClean="0"/>
               <a:t>Click to edit Master subtitle style</a:t>
             </a:r>
-            <a:endParaRPr lang="en-US" dirty="0"/>
-          </a:p>
-        </p:txBody>
-      </p:sp>
-      <p:sp>
-        <p:nvSpPr>
-          <p:cNvPr id="7" name="Date Placeholder 6"/>
+            <a:endParaRPr dirty="0"/>
+          </a:p>
+        </p:txBody>
+      </p:sp>
+      <p:sp>
+        <p:nvSpPr>
+          <p:cNvPr id="4" name="Date Placeholder 3"/>
           <p:cNvSpPr>
             <a:spLocks noGrp="1"/>
           </p:cNvSpPr>
@@ -1571,7 +754,7 @@
             <a:fld id="{8ACDB3CC-F982-40F9-8DD6-BCC9AFBF44BD}" type="datetime1">
               <a:rPr lang="en-US" smtClean="0"/>
               <a:pPr/>
-              <a:t>18/11/16</a:t>
+              <a:t>19/11/16</a:t>
             </a:fld>
             <a:endParaRPr lang="en-US" dirty="0"/>
           </a:p>
@@ -1579,12 +762,12 @@
       </p:sp>
       <p:sp>
         <p:nvSpPr>
-          <p:cNvPr id="8" name="Slide Number Placeholder 7"/>
-          <p:cNvSpPr>
-            <a:spLocks noGrp="1"/>
-          </p:cNvSpPr>
-          <p:nvPr>
-            <p:ph type="sldNum" sz="quarter" idx="11"/>
+          <p:cNvPr id="5" name="Footer Placeholder 4"/>
+          <p:cNvSpPr>
+            <a:spLocks noGrp="1"/>
+          </p:cNvSpPr>
+          <p:nvPr>
+            <p:ph type="ftr" sz="quarter" idx="11"/>
           </p:nvPr>
         </p:nvSpPr>
         <p:spPr/>
@@ -1592,29 +775,30 @@
           <a:bodyPr/>
           <a:lstStyle/>
           <a:p>
-            <a:fld id="{886BB73A-582F-4420-9A14-CB10A2B2E5E8}" type="slidenum">
+            <a:endParaRPr lang="en-US" dirty="0"/>
+          </a:p>
+        </p:txBody>
+      </p:sp>
+      <p:sp>
+        <p:nvSpPr>
+          <p:cNvPr id="6" name="Slide Number Placeholder 5"/>
+          <p:cNvSpPr>
+            <a:spLocks noGrp="1"/>
+          </p:cNvSpPr>
+          <p:nvPr>
+            <p:ph type="sldNum" sz="quarter" idx="12"/>
+          </p:nvPr>
+        </p:nvSpPr>
+        <p:spPr/>
+        <p:txBody>
+          <a:bodyPr/>
+          <a:lstStyle/>
+          <a:p>
+            <a:fld id="{5744759D-0EFF-4FB2-9CCE-04E00944F0FE}" type="slidenum">
               <a:rPr lang="en-US" smtClean="0"/>
+              <a:pPr/>
               <a:t>‹#›</a:t>
             </a:fld>
-            <a:endParaRPr lang="en-US"/>
-          </a:p>
-        </p:txBody>
-      </p:sp>
-      <p:sp>
-        <p:nvSpPr>
-          <p:cNvPr id="9" name="Footer Placeholder 8"/>
-          <p:cNvSpPr>
-            <a:spLocks noGrp="1"/>
-          </p:cNvSpPr>
-          <p:nvPr>
-            <p:ph type="ftr" sz="quarter" idx="12"/>
-          </p:nvPr>
-        </p:nvSpPr>
-        <p:spPr/>
-        <p:txBody>
-          <a:bodyPr/>
-          <a:lstStyle/>
-          <a:p>
             <a:endParaRPr lang="en-US" dirty="0"/>
           </a:p>
         </p:txBody>
@@ -1628,6 +812,298 @@
 </file>
 
 <file path=ppt/slideLayouts/slideLayout10.xml><?xml version="1.0" encoding="utf-8"?>
+<p:sldLayout xmlns:a="http://schemas.openxmlformats.org/drawingml/2006/main" xmlns:r="http://schemas.openxmlformats.org/officeDocument/2006/relationships" xmlns:p="http://schemas.openxmlformats.org/presentationml/2006/main" preserve="1">
+  <p:cSld name="Picture with Caption">
+    <p:spTree>
+      <p:nvGrpSpPr>
+        <p:cNvPr id="1" name=""/>
+        <p:cNvGrpSpPr/>
+        <p:nvPr/>
+      </p:nvGrpSpPr>
+      <p:grpSpPr>
+        <a:xfrm>
+          <a:off x="0" y="0"/>
+          <a:ext cx="0" cy="0"/>
+          <a:chOff x="0" y="0"/>
+          <a:chExt cx="0" cy="0"/>
+        </a:xfrm>
+      </p:grpSpPr>
+      <p:sp>
+        <p:nvSpPr>
+          <p:cNvPr id="2" name="Title 1"/>
+          <p:cNvSpPr>
+            <a:spLocks noGrp="1"/>
+          </p:cNvSpPr>
+          <p:nvPr>
+            <p:ph type="title"/>
+          </p:nvPr>
+        </p:nvSpPr>
+        <p:spPr>
+          <a:xfrm>
+            <a:off x="533398" y="611872"/>
+            <a:ext cx="4079545" cy="1162050"/>
+          </a:xfrm>
+        </p:spPr>
+        <p:txBody>
+          <a:bodyPr anchor="b"/>
+          <a:lstStyle>
+            <a:lvl1pPr algn="ctr">
+              <a:defRPr sz="3600" b="0"/>
+            </a:lvl1pPr>
+          </a:lstStyle>
+          <a:p>
+            <a:r>
+              <a:rPr lang="en-GB" smtClean="0"/>
+              <a:t>Click to edit Master title style</a:t>
+            </a:r>
+            <a:endParaRPr/>
+          </a:p>
+        </p:txBody>
+      </p:sp>
+      <p:sp>
+        <p:nvSpPr>
+          <p:cNvPr id="4" name="Text Placeholder 3"/>
+          <p:cNvSpPr>
+            <a:spLocks noGrp="1"/>
+          </p:cNvSpPr>
+          <p:nvPr>
+            <p:ph type="body" sz="half" idx="2"/>
+          </p:nvPr>
+        </p:nvSpPr>
+        <p:spPr>
+          <a:xfrm>
+            <a:off x="533398" y="1787856"/>
+            <a:ext cx="4079545" cy="3720152"/>
+          </a:xfrm>
+        </p:spPr>
+        <p:txBody>
+          <a:bodyPr>
+            <a:normAutofit/>
+          </a:bodyPr>
+          <a:lstStyle>
+            <a:lvl1pPr marL="0" indent="0" algn="ctr">
+              <a:spcBef>
+                <a:spcPts val="600"/>
+              </a:spcBef>
+              <a:buNone/>
+              <a:defRPr sz="1800"/>
+            </a:lvl1pPr>
+            <a:lvl2pPr marL="457200" indent="0">
+              <a:buNone/>
+              <a:defRPr sz="1200"/>
+            </a:lvl2pPr>
+            <a:lvl3pPr marL="914400" indent="0">
+              <a:buNone/>
+              <a:defRPr sz="1000"/>
+            </a:lvl3pPr>
+            <a:lvl4pPr marL="1371600" indent="0">
+              <a:buNone/>
+              <a:defRPr sz="900"/>
+            </a:lvl4pPr>
+            <a:lvl5pPr marL="1828800" indent="0">
+              <a:buNone/>
+              <a:defRPr sz="900"/>
+            </a:lvl5pPr>
+            <a:lvl6pPr marL="2286000" indent="0">
+              <a:buNone/>
+              <a:defRPr sz="900"/>
+            </a:lvl6pPr>
+            <a:lvl7pPr marL="2743200" indent="0">
+              <a:buNone/>
+              <a:defRPr sz="900"/>
+            </a:lvl7pPr>
+            <a:lvl8pPr marL="3200400" indent="0">
+              <a:buNone/>
+              <a:defRPr sz="900"/>
+            </a:lvl8pPr>
+            <a:lvl9pPr marL="3657600" indent="0">
+              <a:buNone/>
+              <a:defRPr sz="900"/>
+            </a:lvl9pPr>
+          </a:lstStyle>
+          <a:p>
+            <a:pPr lvl="0"/>
+            <a:r>
+              <a:rPr lang="en-GB" smtClean="0"/>
+              <a:t>Click to edit Master text styles</a:t>
+            </a:r>
+          </a:p>
+        </p:txBody>
+      </p:sp>
+      <p:sp>
+        <p:nvSpPr>
+          <p:cNvPr id="5" name="Date Placeholder 4"/>
+          <p:cNvSpPr>
+            <a:spLocks noGrp="1"/>
+          </p:cNvSpPr>
+          <p:nvPr>
+            <p:ph type="dt" sz="half" idx="10"/>
+          </p:nvPr>
+        </p:nvSpPr>
+        <p:spPr/>
+        <p:txBody>
+          <a:bodyPr/>
+          <a:lstStyle/>
+          <a:p>
+            <a:fld id="{FFC0ABEC-A5E7-2846-9677-E4022DE8328A}" type="datetimeFigureOut">
+              <a:rPr lang="en-US" smtClean="0"/>
+              <a:t>19/11/16</a:t>
+            </a:fld>
+            <a:endParaRPr lang="en-US"/>
+          </a:p>
+        </p:txBody>
+      </p:sp>
+      <p:sp>
+        <p:nvSpPr>
+          <p:cNvPr id="6" name="Footer Placeholder 5"/>
+          <p:cNvSpPr>
+            <a:spLocks noGrp="1"/>
+          </p:cNvSpPr>
+          <p:nvPr>
+            <p:ph type="ftr" sz="quarter" idx="11"/>
+          </p:nvPr>
+        </p:nvSpPr>
+        <p:spPr/>
+        <p:txBody>
+          <a:bodyPr/>
+          <a:lstStyle/>
+          <a:p>
+            <a:endParaRPr lang="en-US"/>
+          </a:p>
+        </p:txBody>
+      </p:sp>
+      <p:sp>
+        <p:nvSpPr>
+          <p:cNvPr id="7" name="Slide Number Placeholder 6"/>
+          <p:cNvSpPr>
+            <a:spLocks noGrp="1"/>
+          </p:cNvSpPr>
+          <p:nvPr>
+            <p:ph type="sldNum" sz="quarter" idx="12"/>
+          </p:nvPr>
+        </p:nvSpPr>
+        <p:spPr/>
+        <p:txBody>
+          <a:bodyPr/>
+          <a:lstStyle/>
+          <a:p>
+            <a:fld id="{A112122E-314F-6441-BB3F-70C15744DE39}" type="slidenum">
+              <a:rPr lang="en-US" smtClean="0"/>
+              <a:t>‹#›</a:t>
+            </a:fld>
+            <a:endParaRPr lang="en-US"/>
+          </a:p>
+        </p:txBody>
+      </p:sp>
+      <p:sp>
+        <p:nvSpPr>
+          <p:cNvPr id="8" name="Picture Placeholder 2"/>
+          <p:cNvSpPr>
+            <a:spLocks noGrp="1"/>
+          </p:cNvSpPr>
+          <p:nvPr>
+            <p:ph type="pic" idx="1"/>
+          </p:nvPr>
+        </p:nvSpPr>
+        <p:spPr>
+          <a:xfrm>
+            <a:off x="5090617" y="359392"/>
+            <a:ext cx="3657600" cy="5318077"/>
+          </a:xfrm>
+          <a:ln w="3175">
+            <a:solidFill>
+              <a:schemeClr val="bg1"/>
+            </a:solidFill>
+          </a:ln>
+          <a:effectLst>
+            <a:outerShdw blurRad="63500" sx="100500" sy="100500" algn="ctr" rotWithShape="0">
+              <a:prstClr val="black">
+                <a:alpha val="50000"/>
+              </a:prstClr>
+            </a:outerShdw>
+          </a:effectLst>
+        </p:spPr>
+        <p:txBody>
+          <a:bodyPr vert="horz" lIns="91440" tIns="45720" rIns="91440" bIns="45720" rtlCol="0">
+            <a:normAutofit/>
+          </a:bodyPr>
+          <a:lstStyle>
+            <a:lvl1pPr marL="0" indent="0" algn="l" defTabSz="914400" rtl="0" eaLnBrk="1" latinLnBrk="0" hangingPunct="1">
+              <a:spcBef>
+                <a:spcPts val="2000"/>
+              </a:spcBef>
+              <a:buClr>
+                <a:schemeClr val="accent1">
+                  <a:lumMod val="60000"/>
+                  <a:lumOff val="40000"/>
+                </a:schemeClr>
+              </a:buClr>
+              <a:buSzPct val="110000"/>
+              <a:buFont typeface="Wingdings 2" pitchFamily="18" charset="2"/>
+              <a:buNone/>
+              <a:defRPr sz="3200" kern="1200">
+                <a:solidFill>
+                  <a:schemeClr val="tx1">
+                    <a:lumMod val="65000"/>
+                    <a:lumOff val="35000"/>
+                  </a:schemeClr>
+                </a:solidFill>
+                <a:latin typeface="+mn-lt"/>
+                <a:ea typeface="+mn-ea"/>
+                <a:cs typeface="+mn-cs"/>
+              </a:defRPr>
+            </a:lvl1pPr>
+            <a:lvl2pPr marL="457200" indent="0">
+              <a:buNone/>
+              <a:defRPr sz="2800"/>
+            </a:lvl2pPr>
+            <a:lvl3pPr marL="914400" indent="0">
+              <a:buNone/>
+              <a:defRPr sz="2400"/>
+            </a:lvl3pPr>
+            <a:lvl4pPr marL="1371600" indent="0">
+              <a:buNone/>
+              <a:defRPr sz="2000"/>
+            </a:lvl4pPr>
+            <a:lvl5pPr marL="1828800" indent="0">
+              <a:buNone/>
+              <a:defRPr sz="2000"/>
+            </a:lvl5pPr>
+            <a:lvl6pPr marL="2286000" indent="0">
+              <a:buNone/>
+              <a:defRPr sz="2000"/>
+            </a:lvl6pPr>
+            <a:lvl7pPr marL="2743200" indent="0">
+              <a:buNone/>
+              <a:defRPr sz="2000"/>
+            </a:lvl7pPr>
+            <a:lvl8pPr marL="3200400" indent="0">
+              <a:buNone/>
+              <a:defRPr sz="2000"/>
+            </a:lvl8pPr>
+            <a:lvl9pPr marL="3657600" indent="0">
+              <a:buNone/>
+              <a:defRPr sz="2000"/>
+            </a:lvl9pPr>
+          </a:lstStyle>
+          <a:p>
+            <a:r>
+              <a:rPr lang="en-GB" smtClean="0"/>
+              <a:t>Drag picture to placeholder or click icon to add</a:t>
+            </a:r>
+            <a:endParaRPr/>
+          </a:p>
+        </p:txBody>
+      </p:sp>
+    </p:spTree>
+  </p:cSld>
+  <p:clrMapOvr>
+    <a:masterClrMapping/>
+  </p:clrMapOvr>
+</p:sldLayout>
+</file>
+
+<file path=ppt/slideLayouts/slideLayout11.xml><?xml version="1.0" encoding="utf-8"?>
 <p:sldLayout xmlns:a="http://schemas.openxmlformats.org/drawingml/2006/main" xmlns:r="http://schemas.openxmlformats.org/officeDocument/2006/relationships" xmlns:p="http://schemas.openxmlformats.org/presentationml/2006/main" type="vertTx" preserve="1">
   <p:cSld name="Title and Vertical Text">
     <p:spTree>
@@ -1663,7 +1139,7 @@
               <a:rPr lang="en-GB" smtClean="0"/>
               <a:t>Click to edit Master title style</a:t>
             </a:r>
-            <a:endParaRPr lang="en-US"/>
+            <a:endParaRPr/>
           </a:p>
         </p:txBody>
       </p:sp>
@@ -1680,7 +1156,11 @@
         <p:spPr/>
         <p:txBody>
           <a:bodyPr vert="eaVert"/>
-          <a:lstStyle/>
+          <a:lstStyle>
+            <a:lvl5pPr>
+              <a:defRPr/>
+            </a:lvl5pPr>
+          </a:lstStyle>
           <a:p>
             <a:pPr lvl="0"/>
             <a:r>
@@ -1715,7 +1195,7 @@
               <a:rPr lang="en-GB" smtClean="0"/>
               <a:t>Fifth level</a:t>
             </a:r>
-            <a:endParaRPr lang="en-US"/>
+            <a:endParaRPr dirty="0"/>
           </a:p>
         </p:txBody>
       </p:sp>
@@ -1736,7 +1216,7 @@
           <a:p>
             <a:fld id="{FFC0ABEC-A5E7-2846-9677-E4022DE8328A}" type="datetimeFigureOut">
               <a:rPr lang="en-US" smtClean="0"/>
-              <a:t>18/11/16</a:t>
+              <a:t>19/11/16</a:t>
             </a:fld>
             <a:endParaRPr lang="en-US"/>
           </a:p>
@@ -1792,7 +1272,7 @@
 </p:sldLayout>
 </file>
 
-<file path=ppt/slideLayouts/slideLayout11.xml><?xml version="1.0" encoding="utf-8"?>
+<file path=ppt/slideLayouts/slideLayout12.xml><?xml version="1.0" encoding="utf-8"?>
 <p:sldLayout xmlns:a="http://schemas.openxmlformats.org/drawingml/2006/main" xmlns:r="http://schemas.openxmlformats.org/officeDocument/2006/relationships" xmlns:p="http://schemas.openxmlformats.org/presentationml/2006/main" type="vertTitleAndTx" preserve="1">
   <p:cSld name="Vertical Title and Text">
     <p:spTree>
@@ -1821,8 +1301,8 @@
         </p:nvSpPr>
         <p:spPr>
           <a:xfrm>
-            <a:off x="6248400" y="1826709"/>
-            <a:ext cx="1492499" cy="4484454"/>
+            <a:off x="7369792" y="368301"/>
+            <a:ext cx="1524000" cy="5575300"/>
           </a:xfrm>
         </p:spPr>
         <p:txBody>
@@ -1833,7 +1313,7 @@
               <a:rPr lang="en-GB" smtClean="0"/>
               <a:t>Click to edit Master title style</a:t>
             </a:r>
-            <a:endParaRPr lang="en-US"/>
+            <a:endParaRPr/>
           </a:p>
         </p:txBody>
       </p:sp>
@@ -1849,13 +1329,17 @@
         </p:nvSpPr>
         <p:spPr>
           <a:xfrm>
-            <a:off x="854524" y="1826709"/>
-            <a:ext cx="5241476" cy="4484454"/>
+            <a:off x="549274" y="368301"/>
+            <a:ext cx="6689726" cy="5575300"/>
           </a:xfrm>
         </p:spPr>
         <p:txBody>
           <a:bodyPr vert="eaVert"/>
-          <a:lstStyle/>
+          <a:lstStyle>
+            <a:lvl5pPr>
+              <a:defRPr/>
+            </a:lvl5pPr>
+          </a:lstStyle>
           <a:p>
             <a:pPr lvl="0"/>
             <a:r>
@@ -1890,7 +1374,7 @@
               <a:rPr lang="en-GB" smtClean="0"/>
               <a:t>Fifth level</a:t>
             </a:r>
-            <a:endParaRPr lang="en-US"/>
+            <a:endParaRPr dirty="0"/>
           </a:p>
         </p:txBody>
       </p:sp>
@@ -1911,7 +1395,7 @@
           <a:p>
             <a:fld id="{FFC0ABEC-A5E7-2846-9677-E4022DE8328A}" type="datetimeFigureOut">
               <a:rPr lang="en-US" smtClean="0"/>
-              <a:t>18/11/16</a:t>
+              <a:t>19/11/16</a:t>
             </a:fld>
             <a:endParaRPr lang="en-US"/>
           </a:p>
@@ -2003,7 +1487,7 @@
               <a:rPr lang="en-GB" smtClean="0"/>
               <a:t>Click to edit Master title style</a:t>
             </a:r>
-            <a:endParaRPr lang="en-US"/>
+            <a:endParaRPr/>
           </a:p>
         </p:txBody>
       </p:sp>
@@ -2020,7 +1504,11 @@
         <p:spPr/>
         <p:txBody>
           <a:bodyPr/>
-          <a:lstStyle/>
+          <a:lstStyle>
+            <a:lvl5pPr>
+              <a:defRPr/>
+            </a:lvl5pPr>
+          </a:lstStyle>
           <a:p>
             <a:pPr lvl="0"/>
             <a:r>
@@ -2055,7 +1543,7 @@
               <a:rPr lang="en-GB" smtClean="0"/>
               <a:t>Fifth level</a:t>
             </a:r>
-            <a:endParaRPr lang="en-US" dirty="0"/>
+            <a:endParaRPr dirty="0"/>
           </a:p>
         </p:txBody>
       </p:sp>
@@ -2076,7 +1564,7 @@
           <a:p>
             <a:fld id="{FFC0ABEC-A5E7-2846-9677-E4022DE8328A}" type="datetimeFigureOut">
               <a:rPr lang="en-US" smtClean="0"/>
-              <a:t>18/11/16</a:t>
+              <a:t>19/11/16</a:t>
             </a:fld>
             <a:endParaRPr lang="en-US"/>
           </a:p>
@@ -2133,6 +1621,325 @@
 </file>
 
 <file path=ppt/slideLayouts/slideLayout3.xml><?xml version="1.0" encoding="utf-8"?>
+<p:sldLayout xmlns:a="http://schemas.openxmlformats.org/drawingml/2006/main" xmlns:r="http://schemas.openxmlformats.org/officeDocument/2006/relationships" xmlns:p="http://schemas.openxmlformats.org/presentationml/2006/main" preserve="1">
+  <p:cSld name="Title Slide with Picture">
+    <p:spTree>
+      <p:nvGrpSpPr>
+        <p:cNvPr id="1" name=""/>
+        <p:cNvGrpSpPr/>
+        <p:nvPr/>
+      </p:nvGrpSpPr>
+      <p:grpSpPr>
+        <a:xfrm>
+          <a:off x="0" y="0"/>
+          <a:ext cx="0" cy="0"/>
+          <a:chOff x="0" y="0"/>
+          <a:chExt cx="0" cy="0"/>
+        </a:xfrm>
+      </p:grpSpPr>
+      <p:sp>
+        <p:nvSpPr>
+          <p:cNvPr id="2" name="Title 1"/>
+          <p:cNvSpPr>
+            <a:spLocks noGrp="1"/>
+          </p:cNvSpPr>
+          <p:nvPr>
+            <p:ph type="ctrTitle"/>
+          </p:nvPr>
+        </p:nvSpPr>
+        <p:spPr>
+          <a:xfrm>
+            <a:off x="363538" y="3352801"/>
+            <a:ext cx="8416925" cy="1470025"/>
+          </a:xfrm>
+        </p:spPr>
+        <p:txBody>
+          <a:bodyPr/>
+          <a:lstStyle/>
+          <a:p>
+            <a:r>
+              <a:rPr lang="en-GB" smtClean="0"/>
+              <a:t>Click to edit Master title style</a:t>
+            </a:r>
+            <a:endParaRPr dirty="0"/>
+          </a:p>
+        </p:txBody>
+      </p:sp>
+      <p:sp>
+        <p:nvSpPr>
+          <p:cNvPr id="3" name="Subtitle 2"/>
+          <p:cNvSpPr>
+            <a:spLocks noGrp="1"/>
+          </p:cNvSpPr>
+          <p:nvPr>
+            <p:ph type="subTitle" idx="1"/>
+          </p:nvPr>
+        </p:nvSpPr>
+        <p:spPr>
+          <a:xfrm>
+            <a:off x="363538" y="4771029"/>
+            <a:ext cx="8416925" cy="972671"/>
+          </a:xfrm>
+        </p:spPr>
+        <p:txBody>
+          <a:bodyPr>
+            <a:normAutofit/>
+          </a:bodyPr>
+          <a:lstStyle>
+            <a:lvl1pPr marL="0" indent="0" algn="ctr">
+              <a:spcBef>
+                <a:spcPts val="300"/>
+              </a:spcBef>
+              <a:buNone/>
+              <a:defRPr sz="1800">
+                <a:solidFill>
+                  <a:schemeClr val="tx1">
+                    <a:tint val="75000"/>
+                  </a:schemeClr>
+                </a:solidFill>
+              </a:defRPr>
+            </a:lvl1pPr>
+            <a:lvl2pPr marL="457200" indent="0" algn="ctr">
+              <a:buNone/>
+              <a:defRPr>
+                <a:solidFill>
+                  <a:schemeClr val="tx1">
+                    <a:tint val="75000"/>
+                  </a:schemeClr>
+                </a:solidFill>
+              </a:defRPr>
+            </a:lvl2pPr>
+            <a:lvl3pPr marL="914400" indent="0" algn="ctr">
+              <a:buNone/>
+              <a:defRPr>
+                <a:solidFill>
+                  <a:schemeClr val="tx1">
+                    <a:tint val="75000"/>
+                  </a:schemeClr>
+                </a:solidFill>
+              </a:defRPr>
+            </a:lvl3pPr>
+            <a:lvl4pPr marL="1371600" indent="0" algn="ctr">
+              <a:buNone/>
+              <a:defRPr>
+                <a:solidFill>
+                  <a:schemeClr val="tx1">
+                    <a:tint val="75000"/>
+                  </a:schemeClr>
+                </a:solidFill>
+              </a:defRPr>
+            </a:lvl4pPr>
+            <a:lvl5pPr marL="1828800" indent="0" algn="ctr">
+              <a:buNone/>
+              <a:defRPr>
+                <a:solidFill>
+                  <a:schemeClr val="tx1">
+                    <a:tint val="75000"/>
+                  </a:schemeClr>
+                </a:solidFill>
+              </a:defRPr>
+            </a:lvl5pPr>
+            <a:lvl6pPr marL="2286000" indent="0" algn="ctr">
+              <a:buNone/>
+              <a:defRPr>
+                <a:solidFill>
+                  <a:schemeClr val="tx1">
+                    <a:tint val="75000"/>
+                  </a:schemeClr>
+                </a:solidFill>
+              </a:defRPr>
+            </a:lvl6pPr>
+            <a:lvl7pPr marL="2743200" indent="0" algn="ctr">
+              <a:buNone/>
+              <a:defRPr>
+                <a:solidFill>
+                  <a:schemeClr val="tx1">
+                    <a:tint val="75000"/>
+                  </a:schemeClr>
+                </a:solidFill>
+              </a:defRPr>
+            </a:lvl7pPr>
+            <a:lvl8pPr marL="3200400" indent="0" algn="ctr">
+              <a:buNone/>
+              <a:defRPr>
+                <a:solidFill>
+                  <a:schemeClr val="tx1">
+                    <a:tint val="75000"/>
+                  </a:schemeClr>
+                </a:solidFill>
+              </a:defRPr>
+            </a:lvl8pPr>
+            <a:lvl9pPr marL="3657600" indent="0" algn="ctr">
+              <a:buNone/>
+              <a:defRPr>
+                <a:solidFill>
+                  <a:schemeClr val="tx1">
+                    <a:tint val="75000"/>
+                  </a:schemeClr>
+                </a:solidFill>
+              </a:defRPr>
+            </a:lvl9pPr>
+          </a:lstStyle>
+          <a:p>
+            <a:r>
+              <a:rPr lang="en-GB" smtClean="0"/>
+              <a:t>Click to edit Master subtitle style</a:t>
+            </a:r>
+            <a:endParaRPr dirty="0"/>
+          </a:p>
+        </p:txBody>
+      </p:sp>
+      <p:sp>
+        <p:nvSpPr>
+          <p:cNvPr id="4" name="Date Placeholder 3"/>
+          <p:cNvSpPr>
+            <a:spLocks noGrp="1"/>
+          </p:cNvSpPr>
+          <p:nvPr>
+            <p:ph type="dt" sz="half" idx="10"/>
+          </p:nvPr>
+        </p:nvSpPr>
+        <p:spPr/>
+        <p:txBody>
+          <a:bodyPr/>
+          <a:lstStyle/>
+          <a:p>
+            <a:fld id="{FFC0ABEC-A5E7-2846-9677-E4022DE8328A}" type="datetimeFigureOut">
+              <a:rPr lang="en-US" smtClean="0"/>
+              <a:t>19/11/16</a:t>
+            </a:fld>
+            <a:endParaRPr lang="en-US"/>
+          </a:p>
+        </p:txBody>
+      </p:sp>
+      <p:sp>
+        <p:nvSpPr>
+          <p:cNvPr id="5" name="Footer Placeholder 4"/>
+          <p:cNvSpPr>
+            <a:spLocks noGrp="1"/>
+          </p:cNvSpPr>
+          <p:nvPr>
+            <p:ph type="ftr" sz="quarter" idx="11"/>
+          </p:nvPr>
+        </p:nvSpPr>
+        <p:spPr/>
+        <p:txBody>
+          <a:bodyPr/>
+          <a:lstStyle/>
+          <a:p>
+            <a:endParaRPr lang="en-US"/>
+          </a:p>
+        </p:txBody>
+      </p:sp>
+      <p:sp>
+        <p:nvSpPr>
+          <p:cNvPr id="6" name="Slide Number Placeholder 5"/>
+          <p:cNvSpPr>
+            <a:spLocks noGrp="1"/>
+          </p:cNvSpPr>
+          <p:nvPr>
+            <p:ph type="sldNum" sz="quarter" idx="12"/>
+          </p:nvPr>
+        </p:nvSpPr>
+        <p:spPr/>
+        <p:txBody>
+          <a:bodyPr/>
+          <a:lstStyle/>
+          <a:p>
+            <a:fld id="{7F5CE407-6216-4202-80E4-A30DC2F709B2}" type="slidenum">
+              <a:rPr lang="en-US" smtClean="0"/>
+              <a:t>‹#›</a:t>
+            </a:fld>
+            <a:endParaRPr lang="en-US"/>
+          </a:p>
+        </p:txBody>
+      </p:sp>
+      <p:sp>
+        <p:nvSpPr>
+          <p:cNvPr id="9" name="Picture Placeholder 2"/>
+          <p:cNvSpPr>
+            <a:spLocks noGrp="1"/>
+          </p:cNvSpPr>
+          <p:nvPr>
+            <p:ph type="pic" idx="13"/>
+          </p:nvPr>
+        </p:nvSpPr>
+        <p:spPr>
+          <a:xfrm>
+            <a:off x="370980" y="363538"/>
+            <a:ext cx="8402040" cy="2836862"/>
+          </a:xfrm>
+          <a:ln w="3175">
+            <a:solidFill>
+              <a:schemeClr val="bg1"/>
+            </a:solidFill>
+          </a:ln>
+          <a:effectLst>
+            <a:outerShdw blurRad="63500" sx="100500" sy="100500" algn="ctr" rotWithShape="0">
+              <a:prstClr val="black">
+                <a:alpha val="50000"/>
+              </a:prstClr>
+            </a:outerShdw>
+          </a:effectLst>
+        </p:spPr>
+        <p:txBody>
+          <a:bodyPr/>
+          <a:lstStyle>
+            <a:lvl1pPr marL="0" indent="0">
+              <a:buNone/>
+              <a:defRPr sz="3200"/>
+            </a:lvl1pPr>
+            <a:lvl2pPr marL="457200" indent="0">
+              <a:buNone/>
+              <a:defRPr sz="2800"/>
+            </a:lvl2pPr>
+            <a:lvl3pPr marL="914400" indent="0">
+              <a:buNone/>
+              <a:defRPr sz="2400"/>
+            </a:lvl3pPr>
+            <a:lvl4pPr marL="1371600" indent="0">
+              <a:buNone/>
+              <a:defRPr sz="2000"/>
+            </a:lvl4pPr>
+            <a:lvl5pPr marL="1828800" indent="0">
+              <a:buNone/>
+              <a:defRPr sz="2000"/>
+            </a:lvl5pPr>
+            <a:lvl6pPr marL="2286000" indent="0">
+              <a:buNone/>
+              <a:defRPr sz="2000"/>
+            </a:lvl6pPr>
+            <a:lvl7pPr marL="2743200" indent="0">
+              <a:buNone/>
+              <a:defRPr sz="2000"/>
+            </a:lvl7pPr>
+            <a:lvl8pPr marL="3200400" indent="0">
+              <a:buNone/>
+              <a:defRPr sz="2000"/>
+            </a:lvl8pPr>
+            <a:lvl9pPr marL="3657600" indent="0">
+              <a:buNone/>
+              <a:defRPr sz="2000"/>
+            </a:lvl9pPr>
+          </a:lstStyle>
+          <a:p>
+            <a:r>
+              <a:rPr lang="en-GB" smtClean="0"/>
+              <a:t>Drag picture to placeholder or click icon to add</a:t>
+            </a:r>
+            <a:endParaRPr/>
+          </a:p>
+        </p:txBody>
+      </p:sp>
+    </p:spTree>
+  </p:cSld>
+  <p:clrMapOvr>
+    <a:masterClrMapping/>
+  </p:clrMapOvr>
+</p:sldLayout>
+</file>
+
+<file path=ppt/slideLayouts/slideLayout4.xml><?xml version="1.0" encoding="utf-8"?>
 <p:sldLayout xmlns:a="http://schemas.openxmlformats.org/drawingml/2006/main" xmlns:r="http://schemas.openxmlformats.org/officeDocument/2006/relationships" xmlns:p="http://schemas.openxmlformats.org/presentationml/2006/main" type="secHead" preserve="1">
   <p:cSld name="Section Header">
     <p:spTree>
@@ -2161,15 +1968,15 @@
         </p:nvSpPr>
         <p:spPr>
           <a:xfrm>
-            <a:off x="914400" y="5017572"/>
-            <a:ext cx="7315200" cy="1293592"/>
-          </a:xfrm>
-        </p:spPr>
-        <p:txBody>
-          <a:bodyPr anchor="t"/>
+            <a:off x="549275" y="2403144"/>
+            <a:ext cx="8056563" cy="1362075"/>
+          </a:xfrm>
+        </p:spPr>
+        <p:txBody>
+          <a:bodyPr anchor="b" anchorCtr="0"/>
           <a:lstStyle>
-            <a:lvl1pPr algn="l">
-              <a:defRPr sz="4000" b="0" cap="none"/>
+            <a:lvl1pPr algn="ctr">
+              <a:defRPr sz="4600" b="0" cap="none" baseline="0"/>
             </a:lvl1pPr>
           </a:lstStyle>
           <a:p>
@@ -2177,7 +1984,7 @@
               <a:rPr lang="en-GB" smtClean="0"/>
               <a:t>Click to edit Master title style</a:t>
             </a:r>
-            <a:endParaRPr lang="en-US"/>
+            <a:endParaRPr/>
           </a:p>
         </p:txBody>
       </p:sp>
@@ -2193,18 +2000,25 @@
         </p:nvSpPr>
         <p:spPr>
           <a:xfrm>
-            <a:off x="914400" y="3865097"/>
-            <a:ext cx="7315200" cy="1098439"/>
-          </a:xfrm>
-        </p:spPr>
-        <p:txBody>
-          <a:bodyPr anchor="b"/>
+            <a:off x="549275" y="3736005"/>
+            <a:ext cx="8056563" cy="1500187"/>
+          </a:xfrm>
+        </p:spPr>
+        <p:txBody>
+          <a:bodyPr anchor="t" anchorCtr="0">
+            <a:normAutofit/>
+          </a:bodyPr>
           <a:lstStyle>
-            <a:lvl1pPr marL="0" indent="0">
-              <a:buNone/>
-              <a:defRPr sz="2000">
-                <a:solidFill>
-                  <a:schemeClr val="tx1"/>
+            <a:lvl1pPr marL="0" indent="0" algn="ctr">
+              <a:spcBef>
+                <a:spcPts val="300"/>
+              </a:spcBef>
+              <a:buNone/>
+              <a:defRPr sz="1800">
+                <a:solidFill>
+                  <a:schemeClr val="tx1">
+                    <a:tint val="75000"/>
+                  </a:schemeClr>
                 </a:solidFill>
               </a:defRPr>
             </a:lvl1pPr>
@@ -2316,7 +2130,7 @@
             <a:fld id="{64DDAE5B-B07C-441A-8026-C23A427A74DC}" type="datetime1">
               <a:rPr lang="en-US" smtClean="0"/>
               <a:pPr/>
-              <a:t>18/11/16</a:t>
+              <a:t>19/11/16</a:t>
             </a:fld>
             <a:endParaRPr lang="en-US"/>
           </a:p>
@@ -2373,7 +2187,7 @@
 </p:sldLayout>
 </file>
 
-<file path=ppt/slideLayouts/slideLayout4.xml><?xml version="1.0" encoding="utf-8"?>
+<file path=ppt/slideLayouts/slideLayout5.xml><?xml version="1.0" encoding="utf-8"?>
 <p:sldLayout xmlns:a="http://schemas.openxmlformats.org/drawingml/2006/main" xmlns:r="http://schemas.openxmlformats.org/officeDocument/2006/relationships" xmlns:p="http://schemas.openxmlformats.org/presentationml/2006/main" type="twoObj" preserve="1">
   <p:cSld name="Two Content">
     <p:spTree>
@@ -2392,6 +2206,214 @@
       </p:grpSpPr>
       <p:sp>
         <p:nvSpPr>
+          <p:cNvPr id="2" name="Title 1"/>
+          <p:cNvSpPr>
+            <a:spLocks noGrp="1"/>
+          </p:cNvSpPr>
+          <p:nvPr>
+            <p:ph type="title"/>
+          </p:nvPr>
+        </p:nvSpPr>
+        <p:spPr>
+          <a:xfrm>
+            <a:off x="549275" y="107576"/>
+            <a:ext cx="8042276" cy="1336956"/>
+          </a:xfrm>
+        </p:spPr>
+        <p:txBody>
+          <a:bodyPr/>
+          <a:lstStyle/>
+          <a:p>
+            <a:r>
+              <a:rPr lang="en-GB" smtClean="0"/>
+              <a:t>Click to edit Master title style</a:t>
+            </a:r>
+            <a:endParaRPr/>
+          </a:p>
+        </p:txBody>
+      </p:sp>
+      <p:sp>
+        <p:nvSpPr>
+          <p:cNvPr id="3" name="Content Placeholder 2"/>
+          <p:cNvSpPr>
+            <a:spLocks noGrp="1"/>
+          </p:cNvSpPr>
+          <p:nvPr>
+            <p:ph sz="half" idx="1"/>
+          </p:nvPr>
+        </p:nvSpPr>
+        <p:spPr>
+          <a:xfrm>
+            <a:off x="549275" y="1600201"/>
+            <a:ext cx="3840480" cy="4343400"/>
+          </a:xfrm>
+        </p:spPr>
+        <p:txBody>
+          <a:bodyPr>
+            <a:normAutofit/>
+          </a:bodyPr>
+          <a:lstStyle>
+            <a:lvl1pPr>
+              <a:spcBef>
+                <a:spcPts val="1600"/>
+              </a:spcBef>
+              <a:defRPr sz="2000"/>
+            </a:lvl1pPr>
+            <a:lvl2pPr>
+              <a:defRPr sz="1800"/>
+            </a:lvl2pPr>
+            <a:lvl3pPr>
+              <a:defRPr sz="1800"/>
+            </a:lvl3pPr>
+            <a:lvl4pPr>
+              <a:defRPr sz="1800"/>
+            </a:lvl4pPr>
+            <a:lvl5pPr>
+              <a:defRPr sz="1800"/>
+            </a:lvl5pPr>
+            <a:lvl6pPr>
+              <a:defRPr sz="1800"/>
+            </a:lvl6pPr>
+            <a:lvl7pPr>
+              <a:defRPr sz="1800"/>
+            </a:lvl7pPr>
+            <a:lvl8pPr>
+              <a:defRPr sz="1800"/>
+            </a:lvl8pPr>
+            <a:lvl9pPr>
+              <a:defRPr sz="1800"/>
+            </a:lvl9pPr>
+          </a:lstStyle>
+          <a:p>
+            <a:pPr lvl="0"/>
+            <a:r>
+              <a:rPr lang="en-GB" smtClean="0"/>
+              <a:t>Click to edit Master text styles</a:t>
+            </a:r>
+          </a:p>
+          <a:p>
+            <a:pPr lvl="1"/>
+            <a:r>
+              <a:rPr lang="en-GB" smtClean="0"/>
+              <a:t>Second level</a:t>
+            </a:r>
+          </a:p>
+          <a:p>
+            <a:pPr lvl="2"/>
+            <a:r>
+              <a:rPr lang="en-GB" smtClean="0"/>
+              <a:t>Third level</a:t>
+            </a:r>
+          </a:p>
+          <a:p>
+            <a:pPr lvl="3"/>
+            <a:r>
+              <a:rPr lang="en-GB" smtClean="0"/>
+              <a:t>Fourth level</a:t>
+            </a:r>
+          </a:p>
+          <a:p>
+            <a:pPr lvl="4"/>
+            <a:r>
+              <a:rPr lang="en-GB" smtClean="0"/>
+              <a:t>Fifth level</a:t>
+            </a:r>
+            <a:endParaRPr dirty="0"/>
+          </a:p>
+        </p:txBody>
+      </p:sp>
+      <p:sp>
+        <p:nvSpPr>
+          <p:cNvPr id="4" name="Content Placeholder 3"/>
+          <p:cNvSpPr>
+            <a:spLocks noGrp="1"/>
+          </p:cNvSpPr>
+          <p:nvPr>
+            <p:ph sz="half" idx="2"/>
+          </p:nvPr>
+        </p:nvSpPr>
+        <p:spPr>
+          <a:xfrm>
+            <a:off x="4751071" y="1600201"/>
+            <a:ext cx="3840480" cy="4343400"/>
+          </a:xfrm>
+        </p:spPr>
+        <p:txBody>
+          <a:bodyPr>
+            <a:normAutofit/>
+          </a:bodyPr>
+          <a:lstStyle>
+            <a:lvl1pPr>
+              <a:spcBef>
+                <a:spcPts val="1600"/>
+              </a:spcBef>
+              <a:defRPr sz="2000"/>
+            </a:lvl1pPr>
+            <a:lvl2pPr>
+              <a:defRPr sz="1800"/>
+            </a:lvl2pPr>
+            <a:lvl3pPr>
+              <a:defRPr sz="1800"/>
+            </a:lvl3pPr>
+            <a:lvl4pPr>
+              <a:defRPr sz="1800"/>
+            </a:lvl4pPr>
+            <a:lvl5pPr>
+              <a:defRPr sz="1800"/>
+            </a:lvl5pPr>
+            <a:lvl6pPr>
+              <a:defRPr sz="1800"/>
+            </a:lvl6pPr>
+            <a:lvl7pPr>
+              <a:defRPr sz="1800"/>
+            </a:lvl7pPr>
+            <a:lvl8pPr>
+              <a:defRPr sz="1800"/>
+            </a:lvl8pPr>
+            <a:lvl9pPr>
+              <a:defRPr sz="1800"/>
+            </a:lvl9pPr>
+          </a:lstStyle>
+          <a:p>
+            <a:pPr lvl="0"/>
+            <a:r>
+              <a:rPr lang="en-GB" smtClean="0"/>
+              <a:t>Click to edit Master text styles</a:t>
+            </a:r>
+          </a:p>
+          <a:p>
+            <a:pPr lvl="1"/>
+            <a:r>
+              <a:rPr lang="en-GB" smtClean="0"/>
+              <a:t>Second level</a:t>
+            </a:r>
+          </a:p>
+          <a:p>
+            <a:pPr lvl="2"/>
+            <a:r>
+              <a:rPr lang="en-GB" smtClean="0"/>
+              <a:t>Third level</a:t>
+            </a:r>
+          </a:p>
+          <a:p>
+            <a:pPr lvl="3"/>
+            <a:r>
+              <a:rPr lang="en-GB" smtClean="0"/>
+              <a:t>Fourth level</a:t>
+            </a:r>
+          </a:p>
+          <a:p>
+            <a:pPr lvl="4"/>
+            <a:r>
+              <a:rPr lang="en-GB" smtClean="0"/>
+              <a:t>Fifth level</a:t>
+            </a:r>
+            <a:endParaRPr dirty="0"/>
+          </a:p>
+        </p:txBody>
+      </p:sp>
+      <p:sp>
+        <p:nvSpPr>
           <p:cNvPr id="5" name="Date Placeholder 4"/>
           <p:cNvSpPr>
             <a:spLocks noGrp="1"/>
@@ -2407,7 +2429,7 @@
           <a:p>
             <a:fld id="{FFC0ABEC-A5E7-2846-9677-E4022DE8328A}" type="datetimeFigureOut">
               <a:rPr lang="en-US" smtClean="0"/>
-              <a:t>18/11/16</a:t>
+              <a:t>19/11/16</a:t>
             </a:fld>
             <a:endParaRPr lang="en-US"/>
           </a:p>
@@ -2451,148 +2473,6 @@
               <a:rPr lang="en-US" smtClean="0"/>
               <a:t>‹#›</a:t>
             </a:fld>
-            <a:endParaRPr lang="en-US"/>
-          </a:p>
-        </p:txBody>
-      </p:sp>
-      <p:sp>
-        <p:nvSpPr>
-          <p:cNvPr id="9" name="Title 8"/>
-          <p:cNvSpPr>
-            <a:spLocks noGrp="1"/>
-          </p:cNvSpPr>
-          <p:nvPr>
-            <p:ph type="title"/>
-          </p:nvPr>
-        </p:nvSpPr>
-        <p:spPr>
-          <a:xfrm>
-            <a:off x="914400" y="1544715"/>
-            <a:ext cx="7315200" cy="1154097"/>
-          </a:xfrm>
-        </p:spPr>
-        <p:txBody>
-          <a:bodyPr/>
-          <a:lstStyle/>
-          <a:p>
-            <a:r>
-              <a:rPr lang="en-GB" smtClean="0"/>
-              <a:t>Click to edit Master title style</a:t>
-            </a:r>
-            <a:endParaRPr lang="en-US"/>
-          </a:p>
-        </p:txBody>
-      </p:sp>
-      <p:sp>
-        <p:nvSpPr>
-          <p:cNvPr id="8" name="Content Placeholder 7"/>
-          <p:cNvSpPr>
-            <a:spLocks noGrp="1"/>
-          </p:cNvSpPr>
-          <p:nvPr>
-            <p:ph sz="quarter" idx="13"/>
-          </p:nvPr>
-        </p:nvSpPr>
-        <p:spPr>
-          <a:xfrm>
-            <a:off x="914400" y="2743200"/>
-            <a:ext cx="3566160" cy="3593592"/>
-          </a:xfrm>
-        </p:spPr>
-        <p:txBody>
-          <a:bodyPr/>
-          <a:lstStyle/>
-          <a:p>
-            <a:pPr lvl="0"/>
-            <a:r>
-              <a:rPr lang="en-GB" smtClean="0"/>
-              <a:t>Click to edit Master text styles</a:t>
-            </a:r>
-          </a:p>
-          <a:p>
-            <a:pPr lvl="1"/>
-            <a:r>
-              <a:rPr lang="en-GB" smtClean="0"/>
-              <a:t>Second level</a:t>
-            </a:r>
-          </a:p>
-          <a:p>
-            <a:pPr lvl="2"/>
-            <a:r>
-              <a:rPr lang="en-GB" smtClean="0"/>
-              <a:t>Third level</a:t>
-            </a:r>
-          </a:p>
-          <a:p>
-            <a:pPr lvl="3"/>
-            <a:r>
-              <a:rPr lang="en-GB" smtClean="0"/>
-              <a:t>Fourth level</a:t>
-            </a:r>
-          </a:p>
-          <a:p>
-            <a:pPr lvl="4"/>
-            <a:r>
-              <a:rPr lang="en-GB" smtClean="0"/>
-              <a:t>Fifth level</a:t>
-            </a:r>
-            <a:endParaRPr lang="en-US"/>
-          </a:p>
-        </p:txBody>
-      </p:sp>
-      <p:sp>
-        <p:nvSpPr>
-          <p:cNvPr id="11" name="Content Placeholder 10"/>
-          <p:cNvSpPr>
-            <a:spLocks noGrp="1"/>
-          </p:cNvSpPr>
-          <p:nvPr>
-            <p:ph sz="quarter" idx="14"/>
-          </p:nvPr>
-        </p:nvSpPr>
-        <p:spPr>
-          <a:xfrm>
-            <a:off x="4681728" y="2743200"/>
-            <a:ext cx="3566160" cy="3595687"/>
-          </a:xfrm>
-        </p:spPr>
-        <p:txBody>
-          <a:bodyPr/>
-          <a:lstStyle/>
-          <a:p>
-            <a:pPr lvl="0"/>
-            <a:r>
-              <a:rPr lang="en-GB" smtClean="0"/>
-              <a:t>Click to edit Master text styles</a:t>
-            </a:r>
-          </a:p>
-          <a:p>
-            <a:pPr lvl="1"/>
-            <a:r>
-              <a:rPr lang="en-GB" smtClean="0"/>
-              <a:t>Second level</a:t>
-            </a:r>
-          </a:p>
-          <a:p>
-            <a:pPr lvl="2"/>
-            <a:r>
-              <a:rPr lang="en-GB" smtClean="0"/>
-              <a:t>Third level</a:t>
-            </a:r>
-          </a:p>
-          <a:p>
-            <a:pPr lvl="3"/>
-            <a:r>
-              <a:rPr lang="en-GB" smtClean="0"/>
-              <a:t>Fourth level</a:t>
-            </a:r>
-          </a:p>
-          <a:p>
-            <a:pPr lvl="4"/>
-            <a:r>
-              <a:rPr lang="en-GB" smtClean="0"/>
-              <a:t>Fifth level</a:t>
-            </a:r>
             <a:endParaRPr lang="en-US"/>
           </a:p>
         </p:txBody>
@@ -2605,7 +2485,7 @@
 </p:sldLayout>
 </file>
 
-<file path=ppt/slideLayouts/slideLayout5.xml><?xml version="1.0" encoding="utf-8"?>
+<file path=ppt/slideLayouts/slideLayout6.xml><?xml version="1.0" encoding="utf-8"?>
 <p:sldLayout xmlns:a="http://schemas.openxmlformats.org/drawingml/2006/main" xmlns:r="http://schemas.openxmlformats.org/officeDocument/2006/relationships" xmlns:p="http://schemas.openxmlformats.org/presentationml/2006/main" type="twoTxTwoObj" preserve="1">
   <p:cSld name="Comparison">
     <p:spTree>
@@ -2624,6 +2504,38 @@
       </p:grpSpPr>
       <p:sp>
         <p:nvSpPr>
+          <p:cNvPr id="2" name="Title 1"/>
+          <p:cNvSpPr>
+            <a:spLocks noGrp="1"/>
+          </p:cNvSpPr>
+          <p:nvPr>
+            <p:ph type="title"/>
+          </p:nvPr>
+        </p:nvSpPr>
+        <p:spPr>
+          <a:xfrm>
+            <a:off x="549274" y="107576"/>
+            <a:ext cx="8042276" cy="1336956"/>
+          </a:xfrm>
+        </p:spPr>
+        <p:txBody>
+          <a:bodyPr/>
+          <a:lstStyle>
+            <a:lvl1pPr>
+              <a:defRPr/>
+            </a:lvl1pPr>
+          </a:lstStyle>
+          <a:p>
+            <a:r>
+              <a:rPr lang="en-GB" smtClean="0"/>
+              <a:t>Click to edit Master title style</a:t>
+            </a:r>
+            <a:endParaRPr/>
+          </a:p>
+        </p:txBody>
+      </p:sp>
+      <p:sp>
+        <p:nvSpPr>
           <p:cNvPr id="3" name="Text Placeholder 2"/>
           <p:cNvSpPr>
             <a:spLocks noGrp="1"/>
@@ -2634,8 +2546,8 @@
         </p:nvSpPr>
         <p:spPr>
           <a:xfrm>
-            <a:off x="1116348" y="2743200"/>
-            <a:ext cx="3364992" cy="621792"/>
+            <a:off x="549274" y="1453224"/>
+            <a:ext cx="3840480" cy="750887"/>
           </a:xfrm>
         </p:spPr>
         <p:txBody>
@@ -2643,11 +2555,17 @@
             <a:noAutofit/>
           </a:bodyPr>
           <a:lstStyle>
-            <a:lvl1pPr marL="0" indent="0">
-              <a:buNone/>
-              <a:defRPr sz="2000" b="1">
-                <a:solidFill>
-                  <a:schemeClr val="tx2"/>
+            <a:lvl1pPr marL="0" indent="0" algn="ctr">
+              <a:spcBef>
+                <a:spcPts val="0"/>
+              </a:spcBef>
+              <a:buNone/>
+              <a:defRPr sz="2400" b="0">
+                <a:solidFill>
+                  <a:schemeClr val="accent1">
+                    <a:lumMod val="60000"/>
+                    <a:lumOff val="40000"/>
+                  </a:schemeClr>
                 </a:solidFill>
               </a:defRPr>
             </a:lvl1pPr>
@@ -2695,6 +2613,96 @@
       </p:sp>
       <p:sp>
         <p:nvSpPr>
+          <p:cNvPr id="4" name="Content Placeholder 3"/>
+          <p:cNvSpPr>
+            <a:spLocks noGrp="1"/>
+          </p:cNvSpPr>
+          <p:nvPr>
+            <p:ph sz="half" idx="2"/>
+          </p:nvPr>
+        </p:nvSpPr>
+        <p:spPr>
+          <a:xfrm>
+            <a:off x="549274" y="2347415"/>
+            <a:ext cx="3840480" cy="3596185"/>
+          </a:xfrm>
+        </p:spPr>
+        <p:txBody>
+          <a:bodyPr>
+            <a:normAutofit/>
+          </a:bodyPr>
+          <a:lstStyle>
+            <a:lvl1pPr>
+              <a:spcBef>
+                <a:spcPts val="1600"/>
+              </a:spcBef>
+              <a:defRPr sz="2000"/>
+            </a:lvl1pPr>
+            <a:lvl2pPr>
+              <a:defRPr sz="1800"/>
+            </a:lvl2pPr>
+            <a:lvl3pPr>
+              <a:defRPr sz="1800"/>
+            </a:lvl3pPr>
+            <a:lvl4pPr>
+              <a:defRPr sz="1800"/>
+            </a:lvl4pPr>
+            <a:lvl5pPr>
+              <a:defRPr sz="1800"/>
+            </a:lvl5pPr>
+            <a:lvl6pPr>
+              <a:defRPr sz="1600"/>
+            </a:lvl6pPr>
+            <a:lvl7pPr>
+              <a:defRPr sz="1600"/>
+            </a:lvl7pPr>
+            <a:lvl8pPr>
+              <a:defRPr sz="1600"/>
+            </a:lvl8pPr>
+            <a:lvl9pPr>
+              <a:defRPr sz="1600"/>
+            </a:lvl9pPr>
+          </a:lstStyle>
+          <a:p>
+            <a:pPr lvl="0"/>
+            <a:r>
+              <a:rPr lang="en-GB" smtClean="0"/>
+              <a:t>Click to edit Master text styles</a:t>
+            </a:r>
+          </a:p>
+          <a:p>
+            <a:pPr lvl="1"/>
+            <a:r>
+              <a:rPr lang="en-GB" smtClean="0"/>
+              <a:t>Second level</a:t>
+            </a:r>
+          </a:p>
+          <a:p>
+            <a:pPr lvl="2"/>
+            <a:r>
+              <a:rPr lang="en-GB" smtClean="0"/>
+              <a:t>Third level</a:t>
+            </a:r>
+          </a:p>
+          <a:p>
+            <a:pPr lvl="3"/>
+            <a:r>
+              <a:rPr lang="en-GB" smtClean="0"/>
+              <a:t>Fourth level</a:t>
+            </a:r>
+          </a:p>
+          <a:p>
+            <a:pPr lvl="4"/>
+            <a:r>
+              <a:rPr lang="en-GB" smtClean="0"/>
+              <a:t>Fifth level</a:t>
+            </a:r>
+            <a:endParaRPr dirty="0"/>
+          </a:p>
+        </p:txBody>
+      </p:sp>
+      <p:sp>
+        <p:nvSpPr>
           <p:cNvPr id="5" name="Text Placeholder 4"/>
           <p:cNvSpPr>
             <a:spLocks noGrp="1"/>
@@ -2705,8 +2713,8 @@
         </p:nvSpPr>
         <p:spPr>
           <a:xfrm>
-            <a:off x="4885144" y="2743200"/>
-            <a:ext cx="3362062" cy="621792"/>
+            <a:off x="4751070" y="1453224"/>
+            <a:ext cx="3840480" cy="750887"/>
           </a:xfrm>
         </p:spPr>
         <p:txBody>
@@ -2714,11 +2722,17 @@
             <a:noAutofit/>
           </a:bodyPr>
           <a:lstStyle>
-            <a:lvl1pPr marL="0" indent="0">
-              <a:buNone/>
-              <a:defRPr sz="2000" b="1">
-                <a:solidFill>
-                  <a:schemeClr val="tx2"/>
+            <a:lvl1pPr marL="0" indent="0" algn="ctr">
+              <a:spcBef>
+                <a:spcPts val="0"/>
+              </a:spcBef>
+              <a:buNone/>
+              <a:defRPr sz="2400" b="0">
+                <a:solidFill>
+                  <a:schemeClr val="accent1">
+                    <a:lumMod val="60000"/>
+                    <a:lumOff val="40000"/>
+                  </a:schemeClr>
                 </a:solidFill>
               </a:defRPr>
             </a:lvl1pPr>
@@ -2766,6 +2780,96 @@
       </p:sp>
       <p:sp>
         <p:nvSpPr>
+          <p:cNvPr id="6" name="Content Placeholder 5"/>
+          <p:cNvSpPr>
+            <a:spLocks noGrp="1"/>
+          </p:cNvSpPr>
+          <p:nvPr>
+            <p:ph sz="quarter" idx="4"/>
+          </p:nvPr>
+        </p:nvSpPr>
+        <p:spPr>
+          <a:xfrm>
+            <a:off x="4751070" y="2347415"/>
+            <a:ext cx="3840480" cy="3596185"/>
+          </a:xfrm>
+        </p:spPr>
+        <p:txBody>
+          <a:bodyPr>
+            <a:normAutofit/>
+          </a:bodyPr>
+          <a:lstStyle>
+            <a:lvl1pPr>
+              <a:spcBef>
+                <a:spcPts val="1600"/>
+              </a:spcBef>
+              <a:defRPr sz="2000"/>
+            </a:lvl1pPr>
+            <a:lvl2pPr>
+              <a:defRPr sz="1800"/>
+            </a:lvl2pPr>
+            <a:lvl3pPr>
+              <a:defRPr sz="1800"/>
+            </a:lvl3pPr>
+            <a:lvl4pPr>
+              <a:defRPr sz="1800"/>
+            </a:lvl4pPr>
+            <a:lvl5pPr>
+              <a:defRPr sz="1800"/>
+            </a:lvl5pPr>
+            <a:lvl6pPr>
+              <a:defRPr sz="1600"/>
+            </a:lvl6pPr>
+            <a:lvl7pPr>
+              <a:defRPr sz="1600"/>
+            </a:lvl7pPr>
+            <a:lvl8pPr>
+              <a:defRPr sz="1600"/>
+            </a:lvl8pPr>
+            <a:lvl9pPr>
+              <a:defRPr sz="1600"/>
+            </a:lvl9pPr>
+          </a:lstStyle>
+          <a:p>
+            <a:pPr lvl="0"/>
+            <a:r>
+              <a:rPr lang="en-GB" smtClean="0"/>
+              <a:t>Click to edit Master text styles</a:t>
+            </a:r>
+          </a:p>
+          <a:p>
+            <a:pPr lvl="1"/>
+            <a:r>
+              <a:rPr lang="en-GB" smtClean="0"/>
+              <a:t>Second level</a:t>
+            </a:r>
+          </a:p>
+          <a:p>
+            <a:pPr lvl="2"/>
+            <a:r>
+              <a:rPr lang="en-GB" smtClean="0"/>
+              <a:t>Third level</a:t>
+            </a:r>
+          </a:p>
+          <a:p>
+            <a:pPr lvl="3"/>
+            <a:r>
+              <a:rPr lang="en-GB" smtClean="0"/>
+              <a:t>Fourth level</a:t>
+            </a:r>
+          </a:p>
+          <a:p>
+            <a:pPr lvl="4"/>
+            <a:r>
+              <a:rPr lang="en-GB" smtClean="0"/>
+              <a:t>Fifth level</a:t>
+            </a:r>
+            <a:endParaRPr dirty="0"/>
+          </a:p>
+        </p:txBody>
+      </p:sp>
+      <p:sp>
+        <p:nvSpPr>
           <p:cNvPr id="7" name="Date Placeholder 6"/>
           <p:cNvSpPr>
             <a:spLocks noGrp="1"/>
@@ -2781,7 +2885,7 @@
           <a:p>
             <a:fld id="{FFC0ABEC-A5E7-2846-9677-E4022DE8328A}" type="datetimeFigureOut">
               <a:rPr lang="en-US" smtClean="0"/>
-              <a:t>18/11/16</a:t>
+              <a:t>19/11/16</a:t>
             </a:fld>
             <a:endParaRPr lang="en-US"/>
           </a:p>
@@ -2826,148 +2930,6 @@
               <a:t>‹#›</a:t>
             </a:fld>
             <a:endParaRPr lang="en-US"/>
-          </a:p>
-        </p:txBody>
-      </p:sp>
-      <p:sp>
-        <p:nvSpPr>
-          <p:cNvPr id="10" name="Title 9"/>
-          <p:cNvSpPr>
-            <a:spLocks noGrp="1"/>
-          </p:cNvSpPr>
-          <p:nvPr>
-            <p:ph type="title"/>
-          </p:nvPr>
-        </p:nvSpPr>
-        <p:spPr>
-          <a:xfrm>
-            <a:off x="914400" y="1544715"/>
-            <a:ext cx="7315200" cy="1154097"/>
-          </a:xfrm>
-        </p:spPr>
-        <p:txBody>
-          <a:bodyPr/>
-          <a:lstStyle/>
-          <a:p>
-            <a:r>
-              <a:rPr lang="en-GB" smtClean="0"/>
-              <a:t>Click to edit Master title style</a:t>
-            </a:r>
-            <a:endParaRPr lang="en-US" dirty="0"/>
-          </a:p>
-        </p:txBody>
-      </p:sp>
-      <p:sp>
-        <p:nvSpPr>
-          <p:cNvPr id="11" name="Content Placeholder 10"/>
-          <p:cNvSpPr>
-            <a:spLocks noGrp="1"/>
-          </p:cNvSpPr>
-          <p:nvPr>
-            <p:ph sz="quarter" idx="13"/>
-          </p:nvPr>
-        </p:nvSpPr>
-        <p:spPr>
-          <a:xfrm>
-            <a:off x="914400" y="3383280"/>
-            <a:ext cx="3566160" cy="2953512"/>
-          </a:xfrm>
-        </p:spPr>
-        <p:txBody>
-          <a:bodyPr/>
-          <a:lstStyle/>
-          <a:p>
-            <a:pPr lvl="0"/>
-            <a:r>
-              <a:rPr lang="en-GB" smtClean="0"/>
-              <a:t>Click to edit Master text styles</a:t>
-            </a:r>
-          </a:p>
-          <a:p>
-            <a:pPr lvl="1"/>
-            <a:r>
-              <a:rPr lang="en-GB" smtClean="0"/>
-              <a:t>Second level</a:t>
-            </a:r>
-          </a:p>
-          <a:p>
-            <a:pPr lvl="2"/>
-            <a:r>
-              <a:rPr lang="en-GB" smtClean="0"/>
-              <a:t>Third level</a:t>
-            </a:r>
-          </a:p>
-          <a:p>
-            <a:pPr lvl="3"/>
-            <a:r>
-              <a:rPr lang="en-GB" smtClean="0"/>
-              <a:t>Fourth level</a:t>
-            </a:r>
-          </a:p>
-          <a:p>
-            <a:pPr lvl="4"/>
-            <a:r>
-              <a:rPr lang="en-GB" smtClean="0"/>
-              <a:t>Fifth level</a:t>
-            </a:r>
-            <a:endParaRPr lang="en-US" dirty="0"/>
-          </a:p>
-        </p:txBody>
-      </p:sp>
-      <p:sp>
-        <p:nvSpPr>
-          <p:cNvPr id="13" name="Content Placeholder 12"/>
-          <p:cNvSpPr>
-            <a:spLocks noGrp="1"/>
-          </p:cNvSpPr>
-          <p:nvPr>
-            <p:ph sz="quarter" idx="14"/>
-          </p:nvPr>
-        </p:nvSpPr>
-        <p:spPr>
-          <a:xfrm>
-            <a:off x="4681727" y="3383280"/>
-            <a:ext cx="3566160" cy="2953512"/>
-          </a:xfrm>
-        </p:spPr>
-        <p:txBody>
-          <a:bodyPr/>
-          <a:lstStyle/>
-          <a:p>
-            <a:pPr lvl="0"/>
-            <a:r>
-              <a:rPr lang="en-GB" smtClean="0"/>
-              <a:t>Click to edit Master text styles</a:t>
-            </a:r>
-          </a:p>
-          <a:p>
-            <a:pPr lvl="1"/>
-            <a:r>
-              <a:rPr lang="en-GB" smtClean="0"/>
-              <a:t>Second level</a:t>
-            </a:r>
-          </a:p>
-          <a:p>
-            <a:pPr lvl="2"/>
-            <a:r>
-              <a:rPr lang="en-GB" smtClean="0"/>
-              <a:t>Third level</a:t>
-            </a:r>
-          </a:p>
-          <a:p>
-            <a:pPr lvl="3"/>
-            <a:r>
-              <a:rPr lang="en-GB" smtClean="0"/>
-              <a:t>Fourth level</a:t>
-            </a:r>
-          </a:p>
-          <a:p>
-            <a:pPr lvl="4"/>
-            <a:r>
-              <a:rPr lang="en-GB" smtClean="0"/>
-              <a:t>Fifth level</a:t>
-            </a:r>
-            <a:endParaRPr lang="en-US" dirty="0"/>
           </a:p>
         </p:txBody>
       </p:sp>
@@ -2979,7 +2941,7 @@
 </p:sldLayout>
 </file>
 
-<file path=ppt/slideLayouts/slideLayout6.xml><?xml version="1.0" encoding="utf-8"?>
+<file path=ppt/slideLayouts/slideLayout7.xml><?xml version="1.0" encoding="utf-8"?>
 <p:sldLayout xmlns:a="http://schemas.openxmlformats.org/drawingml/2006/main" xmlns:r="http://schemas.openxmlformats.org/officeDocument/2006/relationships" xmlns:p="http://schemas.openxmlformats.org/presentationml/2006/main" type="titleOnly" preserve="1">
   <p:cSld name="Title Only">
     <p:spTree>
@@ -3015,7 +2977,7 @@
               <a:rPr lang="en-GB" smtClean="0"/>
               <a:t>Click to edit Master title style</a:t>
             </a:r>
-            <a:endParaRPr lang="en-US"/>
+            <a:endParaRPr/>
           </a:p>
         </p:txBody>
       </p:sp>
@@ -3036,7 +2998,7 @@
           <a:p>
             <a:fld id="{FFC0ABEC-A5E7-2846-9677-E4022DE8328A}" type="datetimeFigureOut">
               <a:rPr lang="en-US" smtClean="0"/>
-              <a:t>18/11/16</a:t>
+              <a:t>19/11/16</a:t>
             </a:fld>
             <a:endParaRPr lang="en-US"/>
           </a:p>
@@ -3092,7 +3054,7 @@
 </p:sldLayout>
 </file>
 
-<file path=ppt/slideLayouts/slideLayout7.xml><?xml version="1.0" encoding="utf-8"?>
+<file path=ppt/slideLayouts/slideLayout8.xml><?xml version="1.0" encoding="utf-8"?>
 <p:sldLayout xmlns:a="http://schemas.openxmlformats.org/drawingml/2006/main" xmlns:r="http://schemas.openxmlformats.org/officeDocument/2006/relationships" xmlns:p="http://schemas.openxmlformats.org/presentationml/2006/main" type="blank" preserve="1">
   <p:cSld name="Blank">
     <p:spTree>
@@ -3126,7 +3088,7 @@
           <a:p>
             <a:fld id="{FFC0ABEC-A5E7-2846-9677-E4022DE8328A}" type="datetimeFigureOut">
               <a:rPr lang="en-US" smtClean="0"/>
-              <a:t>18/11/16</a:t>
+              <a:t>19/11/16</a:t>
             </a:fld>
             <a:endParaRPr lang="en-US"/>
           </a:p>
@@ -3182,7 +3144,7 @@
 </p:sldLayout>
 </file>
 
-<file path=ppt/slideLayouts/slideLayout8.xml><?xml version="1.0" encoding="utf-8"?>
+<file path=ppt/slideLayouts/slideLayout9.xml><?xml version="1.0" encoding="utf-8"?>
 <p:sldLayout xmlns:a="http://schemas.openxmlformats.org/drawingml/2006/main" xmlns:r="http://schemas.openxmlformats.org/officeDocument/2006/relationships" xmlns:p="http://schemas.openxmlformats.org/presentationml/2006/main" type="objTx" preserve="1">
   <p:cSld name="Content with Caption">
     <p:spTree>
@@ -3211,61 +3173,64 @@
         </p:nvSpPr>
         <p:spPr>
           <a:xfrm>
-            <a:off x="914400" y="1825362"/>
-            <a:ext cx="2950936" cy="2173015"/>
-          </a:xfrm>
-        </p:spPr>
-        <p:txBody>
-          <a:bodyPr anchor="b">
+            <a:off x="533399" y="611872"/>
+            <a:ext cx="3840480" cy="1162050"/>
+          </a:xfrm>
+        </p:spPr>
+        <p:txBody>
+          <a:bodyPr anchor="b"/>
+          <a:lstStyle>
+            <a:lvl1pPr algn="ctr">
+              <a:defRPr sz="3600" b="0"/>
+            </a:lvl1pPr>
+          </a:lstStyle>
+          <a:p>
+            <a:r>
+              <a:rPr lang="en-GB" smtClean="0"/>
+              <a:t>Click to edit Master title style</a:t>
+            </a:r>
+            <a:endParaRPr/>
+          </a:p>
+        </p:txBody>
+      </p:sp>
+      <p:sp>
+        <p:nvSpPr>
+          <p:cNvPr id="3" name="Content Placeholder 2"/>
+          <p:cNvSpPr>
+            <a:spLocks noGrp="1"/>
+          </p:cNvSpPr>
+          <p:nvPr>
+            <p:ph idx="1"/>
+          </p:nvPr>
+        </p:nvSpPr>
+        <p:spPr>
+          <a:xfrm>
+            <a:off x="4742824" y="368300"/>
+            <a:ext cx="3840480" cy="5575300"/>
+          </a:xfrm>
+        </p:spPr>
+        <p:txBody>
+          <a:bodyPr>
             <a:normAutofit/>
           </a:bodyPr>
           <a:lstStyle>
-            <a:lvl1pPr algn="l">
-              <a:defRPr sz="2800" b="0"/>
-            </a:lvl1pPr>
-          </a:lstStyle>
-          <a:p>
-            <a:r>
-              <a:rPr lang="en-GB" smtClean="0"/>
-              <a:t>Click to edit Master title style</a:t>
-            </a:r>
-            <a:endParaRPr lang="en-US" dirty="0"/>
-          </a:p>
-        </p:txBody>
-      </p:sp>
-      <p:sp>
-        <p:nvSpPr>
-          <p:cNvPr id="3" name="Content Placeholder 2"/>
-          <p:cNvSpPr>
-            <a:spLocks noGrp="1"/>
-          </p:cNvSpPr>
-          <p:nvPr>
-            <p:ph idx="1"/>
-          </p:nvPr>
-        </p:nvSpPr>
-        <p:spPr>
-          <a:xfrm>
-            <a:off x="4021752" y="1826709"/>
-            <a:ext cx="4207848" cy="4476614"/>
-          </a:xfrm>
-        </p:spPr>
-        <p:txBody>
-          <a:bodyPr anchor="ctr"/>
-          <a:lstStyle>
             <a:lvl1pPr>
-              <a:defRPr sz="2000"/>
+              <a:spcBef>
+                <a:spcPts val="2000"/>
+              </a:spcBef>
+              <a:defRPr sz="2200"/>
             </a:lvl1pPr>
             <a:lvl2pPr>
-              <a:defRPr sz="1800"/>
+              <a:defRPr sz="2000"/>
             </a:lvl2pPr>
             <a:lvl3pPr>
-              <a:defRPr sz="1600"/>
+              <a:defRPr sz="1800"/>
             </a:lvl3pPr>
             <a:lvl4pPr>
-              <a:defRPr sz="1400"/>
+              <a:defRPr sz="1800"/>
             </a:lvl4pPr>
             <a:lvl5pPr>
-              <a:defRPr sz="1400"/>
+              <a:defRPr sz="1800"/>
             </a:lvl5pPr>
             <a:lvl6pPr>
               <a:defRPr sz="2000"/>
@@ -3314,7 +3279,7 @@
               <a:rPr lang="en-GB" smtClean="0"/>
               <a:t>Fifth level</a:t>
             </a:r>
-            <a:endParaRPr lang="en-US" dirty="0"/>
+            <a:endParaRPr dirty="0"/>
           </a:p>
         </p:txBody>
       </p:sp>
@@ -3330,16 +3295,21 @@
         </p:nvSpPr>
         <p:spPr>
           <a:xfrm>
-            <a:off x="914400" y="4061095"/>
-            <a:ext cx="2950936" cy="2245387"/>
-          </a:xfrm>
-        </p:spPr>
-        <p:txBody>
-          <a:bodyPr/>
+            <a:off x="533399" y="1787856"/>
+            <a:ext cx="3840480" cy="3720152"/>
+          </a:xfrm>
+        </p:spPr>
+        <p:txBody>
+          <a:bodyPr>
+            <a:normAutofit/>
+          </a:bodyPr>
           <a:lstStyle>
-            <a:lvl1pPr marL="0" indent="0">
-              <a:buNone/>
-              <a:defRPr sz="1400"/>
+            <a:lvl1pPr marL="0" indent="0" algn="ctr">
+              <a:spcBef>
+                <a:spcPts val="600"/>
+              </a:spcBef>
+              <a:buNone/>
+              <a:defRPr sz="1800"/>
             </a:lvl1pPr>
             <a:lvl2pPr marL="457200" indent="0">
               <a:buNone/>
@@ -3400,7 +3370,7 @@
           <a:p>
             <a:fld id="{FFC0ABEC-A5E7-2846-9677-E4022DE8328A}" type="datetimeFigureOut">
               <a:rPr lang="en-US" smtClean="0"/>
-              <a:t>18/11/16</a:t>
+              <a:t>19/11/16</a:t>
             </a:fld>
             <a:endParaRPr lang="en-US"/>
           </a:p>
@@ -3440,283 +3410,12 @@
           <a:bodyPr/>
           <a:lstStyle/>
           <a:p>
-            <a:fld id="{0FB56013-B943-42BA-886F-6F9D4EB85E9D}" type="slidenum">
+            <a:fld id="{5744759D-0EFF-4FB2-9CCE-04E00944F0FE}" type="slidenum">
               <a:rPr lang="en-US" smtClean="0"/>
+              <a:pPr/>
               <a:t>‹#›</a:t>
             </a:fld>
-            <a:endParaRPr lang="en-US"/>
-          </a:p>
-        </p:txBody>
-      </p:sp>
-    </p:spTree>
-  </p:cSld>
-  <p:clrMapOvr>
-    <a:masterClrMapping/>
-  </p:clrMapOvr>
-</p:sldLayout>
-</file>
-
-<file path=ppt/slideLayouts/slideLayout9.xml><?xml version="1.0" encoding="utf-8"?>
-<p:sldLayout xmlns:a="http://schemas.openxmlformats.org/drawingml/2006/main" xmlns:r="http://schemas.openxmlformats.org/officeDocument/2006/relationships" xmlns:p="http://schemas.openxmlformats.org/presentationml/2006/main" type="picTx" preserve="1">
-  <p:cSld name="Picture with Caption">
-    <p:spTree>
-      <p:nvGrpSpPr>
-        <p:cNvPr id="1" name=""/>
-        <p:cNvGrpSpPr/>
-        <p:nvPr/>
-      </p:nvGrpSpPr>
-      <p:grpSpPr>
-        <a:xfrm>
-          <a:off x="0" y="0"/>
-          <a:ext cx="0" cy="0"/>
-          <a:chOff x="0" y="0"/>
-          <a:chExt cx="0" cy="0"/>
-        </a:xfrm>
-      </p:grpSpPr>
-      <p:sp>
-        <p:nvSpPr>
-          <p:cNvPr id="2" name="Title 1"/>
-          <p:cNvSpPr>
-            <a:spLocks noGrp="1"/>
-          </p:cNvSpPr>
-          <p:nvPr>
-            <p:ph type="title"/>
-          </p:nvPr>
-        </p:nvSpPr>
-        <p:spPr>
-          <a:xfrm>
-            <a:off x="914400" y="1828800"/>
-            <a:ext cx="2953512" cy="2176272"/>
-          </a:xfrm>
-        </p:spPr>
-        <p:txBody>
-          <a:bodyPr anchor="b">
-            <a:normAutofit/>
-          </a:bodyPr>
-          <a:lstStyle>
-            <a:lvl1pPr algn="l">
-              <a:defRPr sz="2800" b="0"/>
-            </a:lvl1pPr>
-          </a:lstStyle>
-          <a:p>
-            <a:r>
-              <a:rPr lang="en-GB" smtClean="0"/>
-              <a:t>Click to edit Master title style</a:t>
-            </a:r>
             <a:endParaRPr lang="en-US" dirty="0"/>
-          </a:p>
-        </p:txBody>
-      </p:sp>
-      <p:sp>
-        <p:nvSpPr>
-          <p:cNvPr id="3" name="Picture Placeholder 2"/>
-          <p:cNvSpPr>
-            <a:spLocks noGrp="1"/>
-          </p:cNvSpPr>
-          <p:nvPr>
-            <p:ph type="pic" idx="1"/>
-          </p:nvPr>
-        </p:nvSpPr>
-        <p:spPr>
-          <a:xfrm>
-            <a:off x="4191000" y="2286000"/>
-            <a:ext cx="4038600" cy="3352800"/>
-          </a:xfrm>
-          <a:solidFill>
-            <a:schemeClr val="accent2"/>
-          </a:solidFill>
-          <a:ln w="12700">
-            <a:noFill/>
-          </a:ln>
-          <a:effectLst>
-            <a:reflection blurRad="12700" stA="30000" endPos="30000" dist="31750" dir="5400000" sy="-100000" algn="bl" rotWithShape="0"/>
-          </a:effectLst>
-          <a:scene3d>
-            <a:camera prst="perspectiveRight" fov="2700000">
-              <a:rot lat="240000" lon="900000" rev="0"/>
-            </a:camera>
-            <a:lightRig rig="threePt" dir="t">
-              <a:rot lat="0" lon="0" rev="2700000"/>
-            </a:lightRig>
-          </a:scene3d>
-          <a:sp3d/>
-        </p:spPr>
-        <p:txBody>
-          <a:bodyPr/>
-          <a:lstStyle>
-            <a:lvl1pPr marL="0" indent="0">
-              <a:buNone/>
-              <a:defRPr sz="3200"/>
-            </a:lvl1pPr>
-            <a:lvl2pPr marL="457200" indent="0">
-              <a:buNone/>
-              <a:defRPr sz="2800"/>
-            </a:lvl2pPr>
-            <a:lvl3pPr marL="914400" indent="0">
-              <a:buNone/>
-              <a:defRPr sz="2400"/>
-            </a:lvl3pPr>
-            <a:lvl4pPr marL="1371600" indent="0">
-              <a:buNone/>
-              <a:defRPr sz="2000"/>
-            </a:lvl4pPr>
-            <a:lvl5pPr marL="1828800" indent="0">
-              <a:buNone/>
-              <a:defRPr sz="2000"/>
-            </a:lvl5pPr>
-            <a:lvl6pPr marL="2286000" indent="0">
-              <a:buNone/>
-              <a:defRPr sz="2000"/>
-            </a:lvl6pPr>
-            <a:lvl7pPr marL="2743200" indent="0">
-              <a:buNone/>
-              <a:defRPr sz="2000"/>
-            </a:lvl7pPr>
-            <a:lvl8pPr marL="3200400" indent="0">
-              <a:buNone/>
-              <a:defRPr sz="2000"/>
-            </a:lvl8pPr>
-            <a:lvl9pPr marL="3657600" indent="0">
-              <a:buNone/>
-              <a:defRPr sz="2000"/>
-            </a:lvl9pPr>
-          </a:lstStyle>
-          <a:p>
-            <a:r>
-              <a:rPr lang="en-GB" smtClean="0"/>
-              <a:t>Drag picture to placeholder or click icon to add</a:t>
-            </a:r>
-            <a:endParaRPr lang="en-US" dirty="0"/>
-          </a:p>
-        </p:txBody>
-      </p:sp>
-      <p:sp>
-        <p:nvSpPr>
-          <p:cNvPr id="4" name="Text Placeholder 3"/>
-          <p:cNvSpPr>
-            <a:spLocks noGrp="1"/>
-          </p:cNvSpPr>
-          <p:nvPr>
-            <p:ph type="body" sz="half" idx="2"/>
-          </p:nvPr>
-        </p:nvSpPr>
-        <p:spPr>
-          <a:xfrm>
-            <a:off x="914400" y="4059936"/>
-            <a:ext cx="2953512" cy="2249424"/>
-          </a:xfrm>
-        </p:spPr>
-        <p:txBody>
-          <a:bodyPr/>
-          <a:lstStyle>
-            <a:lvl1pPr marL="0" indent="0">
-              <a:buNone/>
-              <a:defRPr sz="1400"/>
-            </a:lvl1pPr>
-            <a:lvl2pPr marL="457200" indent="0">
-              <a:buNone/>
-              <a:defRPr sz="1200"/>
-            </a:lvl2pPr>
-            <a:lvl3pPr marL="914400" indent="0">
-              <a:buNone/>
-              <a:defRPr sz="1000"/>
-            </a:lvl3pPr>
-            <a:lvl4pPr marL="1371600" indent="0">
-              <a:buNone/>
-              <a:defRPr sz="900"/>
-            </a:lvl4pPr>
-            <a:lvl5pPr marL="1828800" indent="0">
-              <a:buNone/>
-              <a:defRPr sz="900"/>
-            </a:lvl5pPr>
-            <a:lvl6pPr marL="2286000" indent="0">
-              <a:buNone/>
-              <a:defRPr sz="900"/>
-            </a:lvl6pPr>
-            <a:lvl7pPr marL="2743200" indent="0">
-              <a:buNone/>
-              <a:defRPr sz="900"/>
-            </a:lvl7pPr>
-            <a:lvl8pPr marL="3200400" indent="0">
-              <a:buNone/>
-              <a:defRPr sz="900"/>
-            </a:lvl8pPr>
-            <a:lvl9pPr marL="3657600" indent="0">
-              <a:buNone/>
-              <a:defRPr sz="900"/>
-            </a:lvl9pPr>
-          </a:lstStyle>
-          <a:p>
-            <a:pPr lvl="0"/>
-            <a:r>
-              <a:rPr lang="en-GB" smtClean="0"/>
-              <a:t>Click to edit Master text styles</a:t>
-            </a:r>
-          </a:p>
-        </p:txBody>
-      </p:sp>
-      <p:sp>
-        <p:nvSpPr>
-          <p:cNvPr id="5" name="Date Placeholder 4"/>
-          <p:cNvSpPr>
-            <a:spLocks noGrp="1"/>
-          </p:cNvSpPr>
-          <p:nvPr>
-            <p:ph type="dt" sz="half" idx="10"/>
-          </p:nvPr>
-        </p:nvSpPr>
-        <p:spPr/>
-        <p:txBody>
-          <a:bodyPr/>
-          <a:lstStyle/>
-          <a:p>
-            <a:fld id="{FFC0ABEC-A5E7-2846-9677-E4022DE8328A}" type="datetimeFigureOut">
-              <a:rPr lang="en-US" smtClean="0"/>
-              <a:t>18/11/16</a:t>
-            </a:fld>
-            <a:endParaRPr lang="en-US"/>
-          </a:p>
-        </p:txBody>
-      </p:sp>
-      <p:sp>
-        <p:nvSpPr>
-          <p:cNvPr id="6" name="Footer Placeholder 5"/>
-          <p:cNvSpPr>
-            <a:spLocks noGrp="1"/>
-          </p:cNvSpPr>
-          <p:nvPr>
-            <p:ph type="ftr" sz="quarter" idx="11"/>
-          </p:nvPr>
-        </p:nvSpPr>
-        <p:spPr/>
-        <p:txBody>
-          <a:bodyPr/>
-          <a:lstStyle/>
-          <a:p>
-            <a:endParaRPr lang="en-US"/>
-          </a:p>
-        </p:txBody>
-      </p:sp>
-      <p:sp>
-        <p:nvSpPr>
-          <p:cNvPr id="7" name="Slide Number Placeholder 6"/>
-          <p:cNvSpPr>
-            <a:spLocks noGrp="1"/>
-          </p:cNvSpPr>
-          <p:nvPr>
-            <p:ph type="sldNum" sz="quarter" idx="12"/>
-          </p:nvPr>
-        </p:nvSpPr>
-        <p:spPr/>
-        <p:txBody>
-          <a:bodyPr/>
-          <a:lstStyle/>
-          <a:p>
-            <a:fld id="{A112122E-314F-6441-BB3F-70C15744DE39}" type="slidenum">
-              <a:rPr lang="en-US" smtClean="0"/>
-              <a:t>‹#›</a:t>
-            </a:fld>
-            <a:endParaRPr lang="en-US"/>
           </a:p>
         </p:txBody>
       </p:sp>
@@ -3732,7 +3431,7 @@
 <p:sldMaster xmlns:a="http://schemas.openxmlformats.org/drawingml/2006/main" xmlns:r="http://schemas.openxmlformats.org/officeDocument/2006/relationships" xmlns:p="http://schemas.openxmlformats.org/presentationml/2006/main">
   <p:cSld>
     <p:bg>
-      <p:bgRef idx="1002">
+      <p:bgRef idx="1003">
         <a:schemeClr val="bg2"/>
       </p:bgRef>
     </p:bg>
@@ -3752,205 +3451,152 @@
       </p:grpSpPr>
       <p:sp>
         <p:nvSpPr>
-          <p:cNvPr id="10" name="Rectangle 9"/>
-          <p:cNvSpPr/>
-          <p:nvPr/>
-        </p:nvSpPr>
-        <p:spPr>
-          <a:xfrm>
-            <a:off x="8435268" y="573807"/>
-            <a:ext cx="86236" cy="572316"/>
+          <p:cNvPr id="2" name="Title Placeholder 1"/>
+          <p:cNvSpPr>
+            <a:spLocks noGrp="1"/>
+          </p:cNvSpPr>
+          <p:nvPr>
+            <p:ph type="title"/>
+          </p:nvPr>
+        </p:nvSpPr>
+        <p:spPr>
+          <a:xfrm>
+            <a:off x="549275" y="107576"/>
+            <a:ext cx="8042276" cy="1336956"/>
           </a:xfrm>
           <a:prstGeom prst="rect">
             <a:avLst/>
           </a:prstGeom>
-          <a:solidFill>
-            <a:schemeClr val="tx2"/>
-          </a:solidFill>
-          <a:ln>
-            <a:noFill/>
-          </a:ln>
-        </p:spPr>
-        <p:style>
-          <a:lnRef idx="2">
-            <a:schemeClr val="accent1">
-              <a:shade val="50000"/>
-            </a:schemeClr>
-          </a:lnRef>
-          <a:fillRef idx="1">
-            <a:schemeClr val="accent1"/>
-          </a:fillRef>
-          <a:effectRef idx="0">
-            <a:schemeClr val="accent1"/>
-          </a:effectRef>
-          <a:fontRef idx="minor">
-            <a:schemeClr val="lt1"/>
-          </a:fontRef>
-        </p:style>
-        <p:txBody>
-          <a:bodyPr rtlCol="0" anchor="ctr"/>
-          <a:lstStyle/>
-          <a:p>
-            <a:pPr algn="ctr"/>
-            <a:endParaRPr lang="en-US"/>
-          </a:p>
-        </p:txBody>
-      </p:sp>
-      <p:sp>
-        <p:nvSpPr>
-          <p:cNvPr id="11" name="Rectangle 10"/>
-          <p:cNvSpPr/>
-          <p:nvPr/>
-        </p:nvSpPr>
-        <p:spPr>
-          <a:xfrm>
-            <a:off x="8569419" y="573807"/>
-            <a:ext cx="576072" cy="572316"/>
+        </p:spPr>
+        <p:txBody>
+          <a:bodyPr vert="horz" lIns="91440" tIns="45720" rIns="91440" bIns="45720" rtlCol="0" anchor="b" anchorCtr="0">
+            <a:noAutofit/>
+          </a:bodyPr>
+          <a:lstStyle/>
+          <a:p>
+            <a:r>
+              <a:rPr lang="en-GB" smtClean="0"/>
+              <a:t>Click to edit Master title style</a:t>
+            </a:r>
+            <a:endParaRPr/>
+          </a:p>
+        </p:txBody>
+      </p:sp>
+      <p:sp>
+        <p:nvSpPr>
+          <p:cNvPr id="3" name="Text Placeholder 2"/>
+          <p:cNvSpPr>
+            <a:spLocks noGrp="1"/>
+          </p:cNvSpPr>
+          <p:nvPr>
+            <p:ph type="body" idx="1"/>
+          </p:nvPr>
+        </p:nvSpPr>
+        <p:spPr>
+          <a:xfrm>
+            <a:off x="549275" y="1600201"/>
+            <a:ext cx="8042276" cy="4343400"/>
           </a:xfrm>
           <a:prstGeom prst="rect">
             <a:avLst/>
           </a:prstGeom>
-          <a:solidFill>
-            <a:schemeClr val="tx2"/>
-          </a:solidFill>
-          <a:ln>
-            <a:noFill/>
-          </a:ln>
-        </p:spPr>
-        <p:style>
-          <a:lnRef idx="2">
-            <a:schemeClr val="accent1">
-              <a:shade val="50000"/>
-            </a:schemeClr>
-          </a:lnRef>
-          <a:fillRef idx="1">
-            <a:schemeClr val="accent1"/>
-          </a:fillRef>
-          <a:effectRef idx="0">
-            <a:schemeClr val="accent1"/>
-          </a:effectRef>
-          <a:fontRef idx="minor">
-            <a:schemeClr val="lt1"/>
-          </a:fontRef>
-        </p:style>
-        <p:txBody>
-          <a:bodyPr rtlCol="0" anchor="ctr"/>
-          <a:lstStyle/>
-          <a:p>
-            <a:pPr algn="ctr"/>
-            <a:endParaRPr lang="en-US"/>
-          </a:p>
-        </p:txBody>
-      </p:sp>
-      <p:sp>
-        <p:nvSpPr>
-          <p:cNvPr id="2" name="Title Placeholder 1"/>
-          <p:cNvSpPr>
-            <a:spLocks noGrp="1"/>
-          </p:cNvSpPr>
-          <p:nvPr>
-            <p:ph type="title"/>
-          </p:nvPr>
-        </p:nvSpPr>
-        <p:spPr>
-          <a:xfrm>
-            <a:off x="914400" y="1544715"/>
-            <a:ext cx="7315200" cy="1154097"/>
+        </p:spPr>
+        <p:txBody>
+          <a:bodyPr vert="horz" lIns="91440" tIns="45720" rIns="91440" bIns="45720" rtlCol="0">
+            <a:normAutofit/>
+          </a:bodyPr>
+          <a:lstStyle/>
+          <a:p>
+            <a:pPr lvl="0"/>
+            <a:r>
+              <a:rPr lang="en-GB" smtClean="0"/>
+              <a:t>Click to edit Master text styles</a:t>
+            </a:r>
+          </a:p>
+          <a:p>
+            <a:pPr lvl="1"/>
+            <a:r>
+              <a:rPr lang="en-GB" smtClean="0"/>
+              <a:t>Second level</a:t>
+            </a:r>
+          </a:p>
+          <a:p>
+            <a:pPr lvl="2"/>
+            <a:r>
+              <a:rPr lang="en-GB" smtClean="0"/>
+              <a:t>Third level</a:t>
+            </a:r>
+          </a:p>
+          <a:p>
+            <a:pPr lvl="3"/>
+            <a:r>
+              <a:rPr lang="en-GB" smtClean="0"/>
+              <a:t>Fourth level</a:t>
+            </a:r>
+          </a:p>
+          <a:p>
+            <a:pPr lvl="4"/>
+            <a:r>
+              <a:rPr lang="en-GB" smtClean="0"/>
+              <a:t>Fifth level</a:t>
+            </a:r>
+            <a:endParaRPr dirty="0"/>
+          </a:p>
+        </p:txBody>
+      </p:sp>
+      <p:sp>
+        <p:nvSpPr>
+          <p:cNvPr id="4" name="Date Placeholder 3"/>
+          <p:cNvSpPr>
+            <a:spLocks noGrp="1"/>
+          </p:cNvSpPr>
+          <p:nvPr>
+            <p:ph type="dt" sz="half" idx="2"/>
+          </p:nvPr>
+        </p:nvSpPr>
+        <p:spPr>
+          <a:xfrm>
+            <a:off x="5629835" y="6275668"/>
+            <a:ext cx="2133600" cy="365125"/>
           </a:xfrm>
           <a:prstGeom prst="rect">
             <a:avLst/>
           </a:prstGeom>
         </p:spPr>
         <p:txBody>
-          <a:bodyPr vert="horz" lIns="91440" tIns="45720" rIns="91440" bIns="45720" rtlCol="0" anchor="b">
-            <a:normAutofit/>
-          </a:bodyPr>
-          <a:lstStyle/>
-          <a:p>
-            <a:r>
-              <a:rPr lang="en-GB" smtClean="0"/>
-              <a:t>Click to edit Master title style</a:t>
-            </a:r>
-            <a:endParaRPr lang="en-US" dirty="0"/>
-          </a:p>
-        </p:txBody>
-      </p:sp>
-      <p:sp>
-        <p:nvSpPr>
-          <p:cNvPr id="3" name="Text Placeholder 2"/>
-          <p:cNvSpPr>
-            <a:spLocks noGrp="1"/>
-          </p:cNvSpPr>
-          <p:nvPr>
-            <p:ph type="body" idx="1"/>
-          </p:nvPr>
-        </p:nvSpPr>
-        <p:spPr>
-          <a:xfrm>
-            <a:off x="914400" y="2769833"/>
-            <a:ext cx="7315200" cy="3539527"/>
-          </a:xfrm>
-          <a:prstGeom prst="rect">
-            <a:avLst/>
-          </a:prstGeom>
-        </p:spPr>
-        <p:txBody>
-          <a:bodyPr vert="horz" lIns="91440" tIns="45720" rIns="91440" bIns="45720" rtlCol="0">
-            <a:normAutofit/>
-          </a:bodyPr>
-          <a:lstStyle/>
-          <a:p>
-            <a:pPr lvl="0"/>
-            <a:r>
-              <a:rPr lang="en-GB" smtClean="0"/>
-              <a:t>Click to edit Master text styles</a:t>
-            </a:r>
-          </a:p>
-          <a:p>
-            <a:pPr lvl="1"/>
-            <a:r>
-              <a:rPr lang="en-GB" smtClean="0"/>
-              <a:t>Second level</a:t>
-            </a:r>
-          </a:p>
-          <a:p>
-            <a:pPr lvl="2"/>
-            <a:r>
-              <a:rPr lang="en-GB" smtClean="0"/>
-              <a:t>Third level</a:t>
-            </a:r>
-          </a:p>
-          <a:p>
-            <a:pPr lvl="3"/>
-            <a:r>
-              <a:rPr lang="en-GB" smtClean="0"/>
-              <a:t>Fourth level</a:t>
-            </a:r>
-          </a:p>
-          <a:p>
-            <a:pPr lvl="4"/>
-            <a:r>
-              <a:rPr lang="en-GB" smtClean="0"/>
-              <a:t>Fifth level</a:t>
-            </a:r>
-            <a:endParaRPr lang="en-US" dirty="0" smtClean="0"/>
-          </a:p>
-        </p:txBody>
-      </p:sp>
-      <p:sp>
-        <p:nvSpPr>
-          <p:cNvPr id="4" name="Date Placeholder 3"/>
-          <p:cNvSpPr>
-            <a:spLocks noGrp="1"/>
-          </p:cNvSpPr>
-          <p:nvPr>
-            <p:ph type="dt" sz="half" idx="2"/>
-          </p:nvPr>
-        </p:nvSpPr>
-        <p:spPr>
-          <a:xfrm>
-            <a:off x="6007690" y="548797"/>
-            <a:ext cx="1189132" cy="297918"/>
+          <a:bodyPr vert="horz" lIns="91440" tIns="45720" rIns="91440" bIns="45720" rtlCol="0" anchor="ctr"/>
+          <a:lstStyle>
+            <a:lvl1pPr algn="r">
+              <a:defRPr sz="1200">
+                <a:solidFill>
+                  <a:schemeClr val="bg1"/>
+                </a:solidFill>
+              </a:defRPr>
+            </a:lvl1pPr>
+          </a:lstStyle>
+          <a:p>
+            <a:fld id="{FFC0ABEC-A5E7-2846-9677-E4022DE8328A}" type="datetimeFigureOut">
+              <a:rPr lang="en-US" smtClean="0"/>
+              <a:t>19/11/16</a:t>
+            </a:fld>
+            <a:endParaRPr lang="en-US"/>
+          </a:p>
+        </p:txBody>
+      </p:sp>
+      <p:sp>
+        <p:nvSpPr>
+          <p:cNvPr id="5" name="Footer Placeholder 4"/>
+          <p:cNvSpPr>
+            <a:spLocks noGrp="1"/>
+          </p:cNvSpPr>
+          <p:nvPr>
+            <p:ph type="ftr" sz="quarter" idx="3"/>
+          </p:nvPr>
+        </p:nvSpPr>
+        <p:spPr>
+          <a:xfrm>
+            <a:off x="264458" y="6275668"/>
+            <a:ext cx="4840941" cy="365125"/>
           </a:xfrm>
           <a:prstGeom prst="rect">
             <a:avLst/>
@@ -3962,18 +3608,12 @@
             <a:lvl1pPr algn="l">
               <a:defRPr sz="1200">
                 <a:solidFill>
-                  <a:schemeClr val="tx1">
-                    <a:alpha val="50000"/>
-                  </a:schemeClr>
+                  <a:schemeClr val="bg1"/>
                 </a:solidFill>
               </a:defRPr>
             </a:lvl1pPr>
           </a:lstStyle>
           <a:p>
-            <a:fld id="{FFC0ABEC-A5E7-2846-9677-E4022DE8328A}" type="datetimeFigureOut">
-              <a:rPr lang="en-US" smtClean="0"/>
-              <a:t>18/11/16</a:t>
-            </a:fld>
             <a:endParaRPr lang="en-US"/>
           </a:p>
         </p:txBody>
@@ -3990,8 +3630,8 @@
         </p:nvSpPr>
         <p:spPr>
           <a:xfrm>
-            <a:off x="7314415" y="548797"/>
-            <a:ext cx="941203" cy="301752"/>
+            <a:off x="7897906" y="6275668"/>
+            <a:ext cx="990600" cy="365125"/>
           </a:xfrm>
           <a:prstGeom prst="rect">
             <a:avLst/>
@@ -4001,9 +3641,9 @@
           <a:bodyPr vert="horz" lIns="91440" tIns="45720" rIns="91440" bIns="45720" rtlCol="0" anchor="ctr"/>
           <a:lstStyle>
             <a:lvl1pPr algn="r">
-              <a:defRPr sz="1200">
-                <a:solidFill>
-                  <a:schemeClr val="tx1"/>
+              <a:defRPr sz="3600">
+                <a:solidFill>
+                  <a:schemeClr val="bg1"/>
                 </a:solidFill>
               </a:defRPr>
             </a:lvl1pPr>
@@ -4017,287 +3657,252 @@
           </a:p>
         </p:txBody>
       </p:sp>
-      <p:sp>
-        <p:nvSpPr>
-          <p:cNvPr id="5" name="Footer Placeholder 4"/>
-          <p:cNvSpPr>
-            <a:spLocks noGrp="1"/>
-          </p:cNvSpPr>
-          <p:nvPr>
-            <p:ph type="ftr" sz="quarter" idx="3"/>
-          </p:nvPr>
-        </p:nvSpPr>
-        <p:spPr>
-          <a:xfrm>
-            <a:off x="6008688" y="855956"/>
-            <a:ext cx="2246489" cy="301227"/>
-          </a:xfrm>
-          <a:prstGeom prst="rect">
-            <a:avLst/>
-          </a:prstGeom>
-        </p:spPr>
-        <p:txBody>
-          <a:bodyPr vert="horz" lIns="91440" tIns="0" rIns="91440" bIns="45720" rtlCol="0" anchor="t"/>
-          <a:lstStyle>
-            <a:lvl1pPr algn="l">
-              <a:defRPr sz="1000">
-                <a:solidFill>
-                  <a:schemeClr val="tx1"/>
-                </a:solidFill>
-              </a:defRPr>
-            </a:lvl1pPr>
-          </a:lstStyle>
-          <a:p>
-            <a:endParaRPr lang="en-US"/>
-          </a:p>
-        </p:txBody>
-      </p:sp>
     </p:spTree>
   </p:cSld>
-  <p:clrMap bg1="dk1" tx1="lt1" bg2="dk2" tx2="lt2" accent1="accent1" accent2="accent2" accent3="accent3" accent4="accent4" accent5="accent5" accent6="accent6" hlink="hlink" folHlink="folHlink"/>
+  <p:clrMap bg1="lt1" tx1="dk1" bg2="lt2" tx2="dk2" accent1="accent1" accent2="accent2" accent3="accent3" accent4="accent4" accent5="accent5" accent6="accent6" hlink="hlink" folHlink="folHlink"/>
   <p:sldLayoutIdLst>
-    <p:sldLayoutId id="2147483999" r:id="rId1"/>
-    <p:sldLayoutId id="2147484000" r:id="rId2"/>
-    <p:sldLayoutId id="2147484001" r:id="rId3"/>
-    <p:sldLayoutId id="2147484002" r:id="rId4"/>
-    <p:sldLayoutId id="2147484003" r:id="rId5"/>
-    <p:sldLayoutId id="2147484004" r:id="rId6"/>
-    <p:sldLayoutId id="2147484005" r:id="rId7"/>
-    <p:sldLayoutId id="2147484006" r:id="rId8"/>
-    <p:sldLayoutId id="2147484007" r:id="rId9"/>
-    <p:sldLayoutId id="2147484008" r:id="rId10"/>
-    <p:sldLayoutId id="2147484009" r:id="rId11"/>
+    <p:sldLayoutId id="2147484084" r:id="rId1"/>
+    <p:sldLayoutId id="2147484085" r:id="rId2"/>
+    <p:sldLayoutId id="2147484086" r:id="rId3"/>
+    <p:sldLayoutId id="2147484087" r:id="rId4"/>
+    <p:sldLayoutId id="2147484088" r:id="rId5"/>
+    <p:sldLayoutId id="2147484089" r:id="rId6"/>
+    <p:sldLayoutId id="2147484090" r:id="rId7"/>
+    <p:sldLayoutId id="2147484091" r:id="rId8"/>
+    <p:sldLayoutId id="2147484092" r:id="rId9"/>
+    <p:sldLayoutId id="2147484093" r:id="rId10"/>
+    <p:sldLayoutId id="2147484094" r:id="rId11"/>
+    <p:sldLayoutId id="2147484095" r:id="rId12"/>
   </p:sldLayoutIdLst>
   <p:txStyles>
     <p:titleStyle>
-      <a:lvl1pPr algn="l" defTabSz="914400" rtl="0" eaLnBrk="1" latinLnBrk="0" hangingPunct="1">
+      <a:lvl1pPr algn="ctr" defTabSz="914400" rtl="0" eaLnBrk="1" latinLnBrk="0" hangingPunct="1">
         <a:spcBef>
           <a:spcPct val="0"/>
         </a:spcBef>
         <a:buNone/>
-        <a:defRPr sz="4000" kern="1200">
+        <a:defRPr sz="4600" kern="1200">
           <a:solidFill>
-            <a:schemeClr val="tx2"/>
+            <a:schemeClr val="accent1"/>
           </a:solidFill>
           <a:latin typeface="+mj-lt"/>
           <a:ea typeface="+mj-ea"/>
           <a:cs typeface="+mj-cs"/>
         </a:defRPr>
       </a:lvl1pPr>
-      <a:lvl2pPr eaLnBrk="1" hangingPunct="1">
-        <a:defRPr>
-          <a:solidFill>
-            <a:schemeClr val="tx2"/>
-          </a:solidFill>
-        </a:defRPr>
-      </a:lvl2pPr>
-      <a:lvl3pPr eaLnBrk="1" hangingPunct="1">
-        <a:defRPr>
-          <a:solidFill>
-            <a:schemeClr val="tx2"/>
-          </a:solidFill>
-        </a:defRPr>
-      </a:lvl3pPr>
-      <a:lvl4pPr eaLnBrk="1" hangingPunct="1">
-        <a:defRPr>
-          <a:solidFill>
-            <a:schemeClr val="tx2"/>
-          </a:solidFill>
-        </a:defRPr>
-      </a:lvl4pPr>
-      <a:lvl5pPr eaLnBrk="1" hangingPunct="1">
-        <a:defRPr>
-          <a:solidFill>
-            <a:schemeClr val="tx2"/>
-          </a:solidFill>
-        </a:defRPr>
-      </a:lvl5pPr>
-      <a:lvl6pPr eaLnBrk="1" hangingPunct="1">
-        <a:defRPr>
-          <a:solidFill>
-            <a:schemeClr val="tx2"/>
-          </a:solidFill>
-        </a:defRPr>
-      </a:lvl6pPr>
-      <a:lvl7pPr eaLnBrk="1" hangingPunct="1">
-        <a:defRPr>
-          <a:solidFill>
-            <a:schemeClr val="tx2"/>
-          </a:solidFill>
-        </a:defRPr>
-      </a:lvl7pPr>
-      <a:lvl8pPr eaLnBrk="1" hangingPunct="1">
-        <a:defRPr>
-          <a:solidFill>
-            <a:schemeClr val="tx2"/>
-          </a:solidFill>
-        </a:defRPr>
-      </a:lvl8pPr>
-      <a:lvl9pPr eaLnBrk="1" hangingPunct="1">
-        <a:defRPr>
-          <a:solidFill>
-            <a:schemeClr val="tx2"/>
-          </a:solidFill>
-        </a:defRPr>
-      </a:lvl9pPr>
     </p:titleStyle>
     <p:bodyStyle>
-      <a:lvl1pPr marL="228600" indent="-182880" algn="l" defTabSz="914400" rtl="0" eaLnBrk="1" latinLnBrk="0" hangingPunct="1">
+      <a:lvl1pPr marL="349250" indent="-349250" algn="l" defTabSz="914400" rtl="0" eaLnBrk="1" latinLnBrk="0" hangingPunct="1">
         <a:spcBef>
-          <a:spcPct val="20000"/>
+          <a:spcPts val="2000"/>
         </a:spcBef>
         <a:buClr>
-          <a:schemeClr val="tx2"/>
+          <a:schemeClr val="accent1">
+            <a:lumMod val="60000"/>
+            <a:lumOff val="40000"/>
+          </a:schemeClr>
         </a:buClr>
-        <a:buFont typeface="Wingdings" charset="2"/>
-        <a:buChar char="§"/>
-        <a:defRPr sz="2000" kern="1200">
+        <a:buSzPct val="110000"/>
+        <a:buFont typeface="Wingdings 2" pitchFamily="18" charset="2"/>
+        <a:buChar char=""/>
+        <a:defRPr sz="2400" kern="1200">
           <a:solidFill>
-            <a:schemeClr val="tx1"/>
+            <a:schemeClr val="tx1">
+              <a:lumMod val="65000"/>
+              <a:lumOff val="35000"/>
+            </a:schemeClr>
           </a:solidFill>
           <a:latin typeface="+mn-lt"/>
           <a:ea typeface="+mn-ea"/>
           <a:cs typeface="+mn-cs"/>
         </a:defRPr>
       </a:lvl1pPr>
-      <a:lvl2pPr marL="502920" indent="-182880" algn="l" defTabSz="914400" rtl="0" eaLnBrk="1" latinLnBrk="0" hangingPunct="1">
+      <a:lvl2pPr marL="685800" indent="-336550" algn="l" defTabSz="914400" rtl="0" eaLnBrk="1" latinLnBrk="0" hangingPunct="1">
         <a:spcBef>
-          <a:spcPct val="20000"/>
+          <a:spcPts val="600"/>
         </a:spcBef>
         <a:buClr>
-          <a:schemeClr val="tx2"/>
+          <a:schemeClr val="accent1">
+            <a:lumMod val="75000"/>
+          </a:schemeClr>
         </a:buClr>
-        <a:buFont typeface="Wingdings" charset="2"/>
-        <a:buChar char="§"/>
-        <a:defRPr sz="1800" kern="1200">
+        <a:buSzPct val="110000"/>
+        <a:buFont typeface="Wingdings 2" pitchFamily="18" charset="2"/>
+        <a:buChar char=""/>
+        <a:defRPr sz="2200" kern="1200">
           <a:solidFill>
-            <a:schemeClr val="tx1"/>
+            <a:schemeClr val="tx1">
+              <a:lumMod val="65000"/>
+              <a:lumOff val="35000"/>
+            </a:schemeClr>
           </a:solidFill>
           <a:latin typeface="+mn-lt"/>
           <a:ea typeface="+mn-ea"/>
           <a:cs typeface="+mn-cs"/>
         </a:defRPr>
       </a:lvl2pPr>
-      <a:lvl3pPr marL="685800" indent="-182880" algn="l" defTabSz="914400" rtl="0" eaLnBrk="1" latinLnBrk="0" hangingPunct="1">
+      <a:lvl3pPr marL="968375" indent="-282575" algn="l" defTabSz="914400" rtl="0" eaLnBrk="1" latinLnBrk="0" hangingPunct="1">
         <a:spcBef>
-          <a:spcPct val="20000"/>
+          <a:spcPts val="600"/>
         </a:spcBef>
         <a:buClr>
-          <a:schemeClr val="tx2"/>
+          <a:schemeClr val="accent1">
+            <a:lumMod val="60000"/>
+            <a:lumOff val="40000"/>
+          </a:schemeClr>
         </a:buClr>
-        <a:buFont typeface="Wingdings" charset="2"/>
-        <a:buChar char="§"/>
-        <a:defRPr sz="1600" kern="1200">
+        <a:buSzPct val="110000"/>
+        <a:buFont typeface="Wingdings 2" pitchFamily="18" charset="2"/>
+        <a:buChar char=""/>
+        <a:defRPr sz="2000" kern="1200">
           <a:solidFill>
-            <a:schemeClr val="tx1"/>
+            <a:schemeClr val="tx1">
+              <a:lumMod val="65000"/>
+              <a:lumOff val="35000"/>
+            </a:schemeClr>
           </a:solidFill>
           <a:latin typeface="+mn-lt"/>
           <a:ea typeface="+mn-ea"/>
           <a:cs typeface="+mn-cs"/>
         </a:defRPr>
       </a:lvl3pPr>
-      <a:lvl4pPr marL="914400" indent="-182880" algn="l" defTabSz="914400" rtl="0" eaLnBrk="1" latinLnBrk="0" hangingPunct="1">
+      <a:lvl4pPr marL="1263650" indent="-295275" algn="l" defTabSz="914400" rtl="0" eaLnBrk="1" latinLnBrk="0" hangingPunct="1">
         <a:spcBef>
-          <a:spcPct val="20000"/>
+          <a:spcPts val="600"/>
         </a:spcBef>
         <a:buClr>
-          <a:schemeClr val="tx2"/>
+          <a:schemeClr val="accent1">
+            <a:lumMod val="75000"/>
+          </a:schemeClr>
         </a:buClr>
-        <a:buFont typeface="Wingdings" charset="2"/>
-        <a:buChar char="§"/>
-        <a:defRPr sz="1400" kern="1200">
+        <a:buSzPct val="110000"/>
+        <a:buFont typeface="Wingdings 2" pitchFamily="18" charset="2"/>
+        <a:buChar char=""/>
+        <a:defRPr sz="1800" kern="1200">
           <a:solidFill>
-            <a:schemeClr val="tx1"/>
+            <a:schemeClr val="tx1">
+              <a:lumMod val="65000"/>
+              <a:lumOff val="35000"/>
+            </a:schemeClr>
           </a:solidFill>
           <a:latin typeface="+mn-lt"/>
           <a:ea typeface="+mn-ea"/>
           <a:cs typeface="+mn-cs"/>
         </a:defRPr>
       </a:lvl4pPr>
-      <a:lvl5pPr marL="1143000" indent="-182880" algn="l" defTabSz="914400" rtl="0" eaLnBrk="1" latinLnBrk="0" hangingPunct="1">
+      <a:lvl5pPr marL="1546225" indent="-282575" algn="l" defTabSz="914400" rtl="0" eaLnBrk="1" latinLnBrk="0" hangingPunct="1">
         <a:spcBef>
-          <a:spcPct val="20000"/>
+          <a:spcPts val="600"/>
         </a:spcBef>
         <a:buClr>
-          <a:schemeClr val="tx2"/>
+          <a:schemeClr val="accent1">
+            <a:lumMod val="60000"/>
+            <a:lumOff val="40000"/>
+          </a:schemeClr>
         </a:buClr>
-        <a:buFont typeface="Wingdings" charset="2"/>
-        <a:buChar char="§"/>
-        <a:defRPr sz="1400" kern="1200">
+        <a:buSzPct val="110000"/>
+        <a:buFont typeface="Wingdings 2" pitchFamily="18" charset="2"/>
+        <a:buChar char=""/>
+        <a:defRPr sz="1800" kern="1200">
           <a:solidFill>
-            <a:schemeClr val="tx1"/>
+            <a:schemeClr val="tx1">
+              <a:lumMod val="65000"/>
+              <a:lumOff val="35000"/>
+            </a:schemeClr>
           </a:solidFill>
           <a:latin typeface="+mn-lt"/>
           <a:ea typeface="+mn-ea"/>
           <a:cs typeface="+mn-cs"/>
         </a:defRPr>
       </a:lvl5pPr>
-      <a:lvl6pPr marL="1371600" indent="-182880" algn="l" defTabSz="914400" rtl="0" eaLnBrk="1" latinLnBrk="0" hangingPunct="1">
+      <a:lvl6pPr marL="1828800" indent="-282575" algn="l" defTabSz="914400" rtl="0" eaLnBrk="1" latinLnBrk="0" hangingPunct="1">
         <a:spcBef>
           <a:spcPct val="20000"/>
         </a:spcBef>
         <a:buClr>
-          <a:schemeClr val="tx2"/>
+          <a:schemeClr val="accent2"/>
         </a:buClr>
-        <a:buFont typeface="Wingdings" pitchFamily="2" charset="2"/>
-        <a:buChar char="§"/>
-        <a:defRPr sz="1400" kern="1200">
+        <a:buSzPct val="110000"/>
+        <a:buFont typeface="Wingdings 2" pitchFamily="18" charset="2"/>
+        <a:buChar char=""/>
+        <a:defRPr lang="en-US" sz="1800" kern="1200" dirty="0" smtClean="0">
           <a:solidFill>
-            <a:schemeClr val="tx1"/>
+            <a:schemeClr val="tx1">
+              <a:lumMod val="65000"/>
+              <a:lumOff val="35000"/>
+            </a:schemeClr>
           </a:solidFill>
           <a:latin typeface="+mn-lt"/>
           <a:ea typeface="+mn-ea"/>
           <a:cs typeface="+mn-cs"/>
         </a:defRPr>
       </a:lvl6pPr>
-      <a:lvl7pPr marL="1600200" indent="-182880" algn="l" defTabSz="914400" rtl="0" eaLnBrk="1" latinLnBrk="0" hangingPunct="1">
+      <a:lvl7pPr marL="2117725" indent="-282575" algn="l" defTabSz="914400" rtl="0" eaLnBrk="1" latinLnBrk="0" hangingPunct="1">
         <a:spcBef>
           <a:spcPct val="20000"/>
         </a:spcBef>
         <a:buClr>
-          <a:schemeClr val="tx2"/>
+          <a:schemeClr val="accent1">
+            <a:lumMod val="60000"/>
+            <a:lumOff val="40000"/>
+          </a:schemeClr>
         </a:buClr>
-        <a:buFont typeface="Wingdings" pitchFamily="2" charset="2"/>
-        <a:buChar char="§"/>
-        <a:defRPr sz="1400" kern="1200">
+        <a:buSzPct val="110000"/>
+        <a:buFont typeface="Wingdings 2" pitchFamily="18" charset="2"/>
+        <a:buChar char=""/>
+        <a:defRPr lang="en-US" sz="1800" kern="1200" dirty="0" smtClean="0">
           <a:solidFill>
-            <a:schemeClr val="tx1"/>
+            <a:schemeClr val="tx1">
+              <a:lumMod val="65000"/>
+              <a:lumOff val="35000"/>
+            </a:schemeClr>
           </a:solidFill>
           <a:latin typeface="+mn-lt"/>
           <a:ea typeface="+mn-ea"/>
           <a:cs typeface="+mn-cs"/>
         </a:defRPr>
       </a:lvl7pPr>
-      <a:lvl8pPr marL="1828800" indent="-182880" algn="l" defTabSz="914400" rtl="0" eaLnBrk="1" latinLnBrk="0" hangingPunct="1">
+      <a:lvl8pPr marL="2398713" indent="-282575" algn="l" defTabSz="914400" rtl="0" eaLnBrk="1" latinLnBrk="0" hangingPunct="1">
         <a:spcBef>
           <a:spcPct val="20000"/>
         </a:spcBef>
         <a:buClr>
-          <a:schemeClr val="tx2"/>
+          <a:schemeClr val="accent2"/>
         </a:buClr>
-        <a:buFont typeface="Wingdings" pitchFamily="2" charset="2"/>
-        <a:buChar char="§"/>
-        <a:defRPr sz="1400" kern="1200">
+        <a:buSzPct val="110000"/>
+        <a:buFont typeface="Wingdings 2" pitchFamily="18" charset="2"/>
+        <a:buChar char=""/>
+        <a:defRPr lang="en-US" sz="1800" kern="1200" dirty="0" smtClean="0">
           <a:solidFill>
-            <a:schemeClr val="tx1"/>
+            <a:schemeClr val="tx1">
+              <a:lumMod val="65000"/>
+              <a:lumOff val="35000"/>
+            </a:schemeClr>
           </a:solidFill>
           <a:latin typeface="+mn-lt"/>
           <a:ea typeface="+mn-ea"/>
           <a:cs typeface="+mn-cs"/>
         </a:defRPr>
       </a:lvl8pPr>
-      <a:lvl9pPr marL="2057400" indent="-182880" algn="l" defTabSz="914400" rtl="0" eaLnBrk="1" latinLnBrk="0" hangingPunct="1">
+      <a:lvl9pPr marL="2689225" indent="-282575" algn="l" defTabSz="914400" rtl="0" eaLnBrk="1" latinLnBrk="0" hangingPunct="1">
         <a:spcBef>
           <a:spcPct val="20000"/>
         </a:spcBef>
         <a:buClr>
-          <a:schemeClr val="tx2"/>
+          <a:schemeClr val="accent1">
+            <a:lumMod val="60000"/>
+            <a:lumOff val="40000"/>
+          </a:schemeClr>
         </a:buClr>
-        <a:buFont typeface="Wingdings" pitchFamily="2" charset="2"/>
-        <a:buChar char="§"/>
-        <a:defRPr sz="1400" kern="1200">
+        <a:buSzPct val="110000"/>
+        <a:buFont typeface="Wingdings 2" pitchFamily="18" charset="2"/>
+        <a:buChar char=""/>
+        <a:defRPr lang="en-US" sz="1800" kern="1200" dirty="0">
           <a:solidFill>
-            <a:schemeClr val="tx1"/>
+            <a:schemeClr val="tx1">
+              <a:lumMod val="65000"/>
+              <a:lumOff val="35000"/>
+            </a:schemeClr>
           </a:solidFill>
           <a:latin typeface="+mn-lt"/>
           <a:ea typeface="+mn-ea"/>
@@ -4307,7 +3912,7 @@
     </p:bodyStyle>
     <p:otherStyle>
       <a:defPPr>
-        <a:defRPr lang="en-US"/>
+        <a:defRPr/>
       </a:defPPr>
       <a:lvl1pPr marL="0" algn="l" defTabSz="914400" rtl="0" eaLnBrk="1" latinLnBrk="0" hangingPunct="1">
         <a:defRPr sz="1800" kern="1200">
@@ -4431,7 +4036,12 @@
             <p:ph type="ctrTitle"/>
           </p:nvPr>
         </p:nvSpPr>
-        <p:spPr/>
+        <p:spPr>
+          <a:xfrm>
+            <a:off x="914400" y="4226879"/>
+            <a:ext cx="7315200" cy="898825"/>
+          </a:xfrm>
+        </p:spPr>
         <p:txBody>
           <a:bodyPr>
             <a:normAutofit/>
@@ -4440,7 +4050,15 @@
           <a:p>
             <a:r>
               <a:rPr lang="en-US" dirty="0" smtClean="0"/>
-              <a:t>4sight</a:t>
+              <a:t>Team 12: </a:t>
+            </a:r>
+            <a:r>
+              <a:rPr lang="en-US" dirty="0" err="1" smtClean="0"/>
+              <a:t>Inglip’s</a:t>
+            </a:r>
+            <a:r>
+              <a:rPr lang="en-US" dirty="0" smtClean="0"/>
+              <a:t> Minions</a:t>
             </a:r>
             <a:endParaRPr lang="en-US" dirty="0"/>
           </a:p>
@@ -4456,24 +4074,35 @@
             <p:ph type="subTitle" idx="1"/>
           </p:nvPr>
         </p:nvSpPr>
-        <p:spPr/>
+        <p:spPr>
+          <a:xfrm>
+            <a:off x="914400" y="5449922"/>
+            <a:ext cx="7315200" cy="709213"/>
+          </a:xfrm>
+        </p:spPr>
         <p:txBody>
           <a:bodyPr>
-            <a:normAutofit/>
+            <a:noAutofit/>
           </a:bodyPr>
           <a:lstStyle/>
           <a:p>
-            <a:r>
-              <a:rPr lang="en-US" dirty="0" smtClean="0"/>
+            <a:pPr algn="ctr"/>
+            <a:r>
+              <a:rPr lang="en-US" sz="3600" dirty="0" smtClean="0">
+                <a:solidFill>
+                  <a:schemeClr val="tx2"/>
+                </a:solidFill>
+              </a:rPr>
               <a:t>Anna, Simon, Scott, Emma, Liam</a:t>
             </a:r>
           </a:p>
           <a:p>
-            <a:r>
-              <a:rPr lang="en-US" dirty="0" smtClean="0"/>
-              <a:t>Team 12</a:t>
-            </a:r>
-            <a:endParaRPr lang="en-US" dirty="0"/>
+            <a:pPr algn="ctr"/>
+            <a:endParaRPr lang="en-US" sz="3600" dirty="0">
+              <a:solidFill>
+                <a:srgbClr val="222076"/>
+              </a:solidFill>
+            </a:endParaRPr>
           </a:p>
         </p:txBody>
       </p:sp>
@@ -4492,8 +4121,8 @@
         </p:blipFill>
         <p:spPr>
           <a:xfrm>
-            <a:off x="3044109" y="748571"/>
-            <a:ext cx="3044110" cy="2281287"/>
+            <a:off x="2308196" y="806369"/>
+            <a:ext cx="4564269" cy="3420510"/>
           </a:xfrm>
           <a:prstGeom prst="rect">
             <a:avLst/>
@@ -4520,6 +4149,225 @@
 </p:sld>
 </file>
 
+<file path=ppt/slides/slide10.xml><?xml version="1.0" encoding="utf-8"?>
+<p:sld xmlns:a="http://schemas.openxmlformats.org/drawingml/2006/main" xmlns:r="http://schemas.openxmlformats.org/officeDocument/2006/relationships" xmlns:p="http://schemas.openxmlformats.org/presentationml/2006/main">
+  <p:cSld>
+    <p:spTree>
+      <p:nvGrpSpPr>
+        <p:cNvPr id="1" name=""/>
+        <p:cNvGrpSpPr/>
+        <p:nvPr/>
+      </p:nvGrpSpPr>
+      <p:grpSpPr>
+        <a:xfrm>
+          <a:off x="0" y="0"/>
+          <a:ext cx="0" cy="0"/>
+          <a:chOff x="0" y="0"/>
+          <a:chExt cx="0" cy="0"/>
+        </a:xfrm>
+      </p:grpSpPr>
+      <p:sp>
+        <p:nvSpPr>
+          <p:cNvPr id="4" name="TextBox 3"/>
+          <p:cNvSpPr txBox="1"/>
+          <p:nvPr/>
+        </p:nvSpPr>
+        <p:spPr>
+          <a:xfrm>
+            <a:off x="142440" y="-56000"/>
+            <a:ext cx="4159988" cy="1015663"/>
+          </a:xfrm>
+          <a:prstGeom prst="rect">
+            <a:avLst/>
+          </a:prstGeom>
+          <a:noFill/>
+        </p:spPr>
+        <p:txBody>
+          <a:bodyPr wrap="none" rtlCol="0">
+            <a:spAutoFit/>
+          </a:bodyPr>
+          <a:lstStyle/>
+          <a:p>
+            <a:r>
+              <a:rPr lang="en-US" sz="6000" b="1" dirty="0" smtClean="0">
+                <a:solidFill>
+                  <a:srgbClr val="222076"/>
+                </a:solidFill>
+              </a:rPr>
+              <a:t>The Future</a:t>
+            </a:r>
+            <a:endParaRPr lang="en-US" sz="6000" b="1" dirty="0">
+              <a:solidFill>
+                <a:srgbClr val="222076"/>
+              </a:solidFill>
+            </a:endParaRPr>
+          </a:p>
+        </p:txBody>
+      </p:sp>
+      <p:pic>
+        <p:nvPicPr>
+          <p:cNvPr id="8" name="Picture 7"/>
+          <p:cNvPicPr>
+            <a:picLocks noChangeAspect="1"/>
+          </p:cNvPicPr>
+          <p:nvPr/>
+        </p:nvPicPr>
+        <p:blipFill>
+          <a:blip r:embed="rId2"/>
+          <a:stretch>
+            <a:fillRect/>
+          </a:stretch>
+        </p:blipFill>
+        <p:spPr>
+          <a:xfrm>
+            <a:off x="243166" y="1587704"/>
+            <a:ext cx="8645342" cy="3604290"/>
+          </a:xfrm>
+          <a:prstGeom prst="rect">
+            <a:avLst/>
+          </a:prstGeom>
+        </p:spPr>
+      </p:pic>
+      <p:sp>
+        <p:nvSpPr>
+          <p:cNvPr id="10" name="TextBox 9"/>
+          <p:cNvSpPr txBox="1"/>
+          <p:nvPr/>
+        </p:nvSpPr>
+        <p:spPr>
+          <a:xfrm>
+            <a:off x="5709251" y="4822662"/>
+            <a:ext cx="3179257" cy="369332"/>
+          </a:xfrm>
+          <a:prstGeom prst="rect">
+            <a:avLst/>
+          </a:prstGeom>
+          <a:solidFill>
+            <a:schemeClr val="tx1"/>
+          </a:solidFill>
+        </p:spPr>
+        <p:txBody>
+          <a:bodyPr wrap="square" rtlCol="0">
+            <a:spAutoFit/>
+          </a:bodyPr>
+          <a:lstStyle/>
+          <a:p>
+            <a:pPr algn="r"/>
+            <a:r>
+              <a:rPr lang="en-US" b="1" dirty="0" smtClean="0">
+                <a:solidFill>
+                  <a:srgbClr val="000090"/>
+                </a:solidFill>
+              </a:rPr>
+              <a:t>Multiple uses for </a:t>
+            </a:r>
+            <a:r>
+              <a:rPr lang="en-US" b="1" dirty="0" err="1" smtClean="0">
+                <a:solidFill>
+                  <a:srgbClr val="000090"/>
+                </a:solidFill>
+              </a:rPr>
+              <a:t>iBeacons</a:t>
+            </a:r>
+            <a:r>
+              <a:rPr lang="en-US" b="1" dirty="0" smtClean="0">
+                <a:solidFill>
+                  <a:srgbClr val="000090"/>
+                </a:solidFill>
+              </a:rPr>
+              <a:t> </a:t>
+            </a:r>
+          </a:p>
+        </p:txBody>
+      </p:sp>
+    </p:spTree>
+    <p:extLst>
+      <p:ext uri="{BB962C8B-B14F-4D97-AF65-F5344CB8AC3E}">
+        <p14:creationId xmlns:p14="http://schemas.microsoft.com/office/powerpoint/2010/main" val="212849681"/>
+      </p:ext>
+    </p:extLst>
+  </p:cSld>
+  <p:clrMapOvr>
+    <a:masterClrMapping/>
+  </p:clrMapOvr>
+  <p:timing>
+    <p:tnLst>
+      <p:par>
+        <p:cTn xmlns:p14="http://schemas.microsoft.com/office/powerpoint/2010/main" id="1" dur="indefinite" restart="never" nodeType="tmRoot"/>
+      </p:par>
+    </p:tnLst>
+  </p:timing>
+</p:sld>
+</file>
+
+<file path=ppt/slides/slide11.xml><?xml version="1.0" encoding="utf-8"?>
+<p:sld xmlns:a="http://schemas.openxmlformats.org/drawingml/2006/main" xmlns:r="http://schemas.openxmlformats.org/officeDocument/2006/relationships" xmlns:p="http://schemas.openxmlformats.org/presentationml/2006/main">
+  <p:cSld>
+    <p:spTree>
+      <p:nvGrpSpPr>
+        <p:cNvPr id="1" name=""/>
+        <p:cNvGrpSpPr/>
+        <p:nvPr/>
+      </p:nvGrpSpPr>
+      <p:grpSpPr>
+        <a:xfrm>
+          <a:off x="0" y="0"/>
+          <a:ext cx="0" cy="0"/>
+          <a:chOff x="0" y="0"/>
+          <a:chExt cx="0" cy="0"/>
+        </a:xfrm>
+      </p:grpSpPr>
+      <p:sp>
+        <p:nvSpPr>
+          <p:cNvPr id="4" name="TextBox 3"/>
+          <p:cNvSpPr txBox="1"/>
+          <p:nvPr/>
+        </p:nvSpPr>
+        <p:spPr>
+          <a:xfrm>
+            <a:off x="1525093" y="2676751"/>
+            <a:ext cx="6084343" cy="1015663"/>
+          </a:xfrm>
+          <a:prstGeom prst="rect">
+            <a:avLst/>
+          </a:prstGeom>
+          <a:noFill/>
+        </p:spPr>
+        <p:txBody>
+          <a:bodyPr wrap="none" rtlCol="0">
+            <a:spAutoFit/>
+          </a:bodyPr>
+          <a:lstStyle/>
+          <a:p>
+            <a:r>
+              <a:rPr lang="en-US" sz="6000" b="1" dirty="0" smtClean="0">
+                <a:solidFill>
+                  <a:srgbClr val="222076"/>
+                </a:solidFill>
+              </a:rPr>
+              <a:t>Any Questions?</a:t>
+            </a:r>
+            <a:endParaRPr lang="en-US" sz="6000" b="1" dirty="0">
+              <a:solidFill>
+                <a:srgbClr val="222076"/>
+              </a:solidFill>
+            </a:endParaRPr>
+          </a:p>
+        </p:txBody>
+      </p:sp>
+    </p:spTree>
+    <p:extLst>
+      <p:ext uri="{BB962C8B-B14F-4D97-AF65-F5344CB8AC3E}">
+        <p14:creationId xmlns:p14="http://schemas.microsoft.com/office/powerpoint/2010/main" val="2028723423"/>
+      </p:ext>
+    </p:extLst>
+  </p:cSld>
+  <p:clrMapOvr>
+    <a:masterClrMapping/>
+  </p:clrMapOvr>
+</p:sld>
+</file>
+
 <file path=ppt/slides/slide2.xml><?xml version="1.0" encoding="utf-8"?>
 <p:sld xmlns:a="http://schemas.openxmlformats.org/drawingml/2006/main" xmlns:r="http://schemas.openxmlformats.org/officeDocument/2006/relationships" xmlns:p="http://schemas.openxmlformats.org/presentationml/2006/main">
   <p:cSld>
@@ -4539,113 +4387,88 @@
       </p:grpSpPr>
       <p:sp>
         <p:nvSpPr>
-          <p:cNvPr id="2" name="Title 1"/>
-          <p:cNvSpPr>
-            <a:spLocks noGrp="1"/>
-          </p:cNvSpPr>
-          <p:nvPr>
-            <p:ph type="title"/>
-          </p:nvPr>
-        </p:nvSpPr>
-        <p:spPr/>
-        <p:txBody>
-          <a:bodyPr/>
-          <a:lstStyle/>
-          <a:p>
-            <a:r>
-              <a:rPr lang="en-US" dirty="0" smtClean="0"/>
-              <a:t>The Problem</a:t>
-            </a:r>
-            <a:endParaRPr lang="en-US" dirty="0"/>
-          </a:p>
-        </p:txBody>
-      </p:sp>
-      <p:sp>
-        <p:nvSpPr>
-          <p:cNvPr id="3" name="Content Placeholder 2"/>
-          <p:cNvSpPr>
-            <a:spLocks noGrp="1"/>
-          </p:cNvSpPr>
-          <p:nvPr>
-            <p:ph idx="1"/>
-          </p:nvPr>
-        </p:nvSpPr>
-        <p:spPr/>
-        <p:txBody>
-          <a:bodyPr/>
-          <a:lstStyle/>
-          <a:p>
-            <a:r>
-              <a:rPr lang="en-US" dirty="0" err="1" smtClean="0"/>
-              <a:t>Guideance</a:t>
-            </a:r>
-            <a:r>
-              <a:rPr lang="en-US" dirty="0" smtClean="0"/>
-              <a:t> </a:t>
-            </a:r>
-            <a:r>
-              <a:rPr lang="en-US" dirty="0" err="1" smtClean="0"/>
-              <a:t>sytem</a:t>
-            </a:r>
-            <a:r>
-              <a:rPr lang="en-US" dirty="0" smtClean="0"/>
-              <a:t> </a:t>
-            </a:r>
-          </a:p>
-          <a:p>
-            <a:r>
-              <a:rPr lang="en-US" dirty="0" smtClean="0"/>
-              <a:t>Visually </a:t>
-            </a:r>
-            <a:r>
-              <a:rPr lang="en-US" dirty="0" err="1" smtClean="0"/>
-              <a:t>Impared</a:t>
-            </a:r>
-            <a:r>
-              <a:rPr lang="en-US" dirty="0" smtClean="0"/>
-              <a:t> </a:t>
-            </a:r>
-          </a:p>
-          <a:p>
-            <a:r>
-              <a:rPr lang="en-US" dirty="0" smtClean="0"/>
-              <a:t>New and </a:t>
-            </a:r>
-            <a:r>
-              <a:rPr lang="en-US" dirty="0" err="1" smtClean="0"/>
-              <a:t>subsiquent</a:t>
-            </a:r>
-            <a:r>
-              <a:rPr lang="en-US" dirty="0" smtClean="0"/>
-              <a:t> visitors</a:t>
-            </a:r>
-          </a:p>
-          <a:p>
-            <a:r>
-              <a:rPr lang="en-US" dirty="0" smtClean="0"/>
-              <a:t>Extendable</a:t>
-            </a:r>
-            <a:endParaRPr lang="en-US" dirty="0"/>
-          </a:p>
-        </p:txBody>
-      </p:sp>
+          <p:cNvPr id="4" name="TextBox 3"/>
+          <p:cNvSpPr txBox="1"/>
+          <p:nvPr/>
+        </p:nvSpPr>
+        <p:spPr>
+          <a:xfrm>
+            <a:off x="17637" y="29295"/>
+            <a:ext cx="5019323" cy="1015663"/>
+          </a:xfrm>
+          <a:prstGeom prst="rect">
+            <a:avLst/>
+          </a:prstGeom>
+          <a:noFill/>
+        </p:spPr>
+        <p:txBody>
+          <a:bodyPr wrap="none" rtlCol="0">
+            <a:spAutoFit/>
+          </a:bodyPr>
+          <a:lstStyle/>
+          <a:p>
+            <a:r>
+              <a:rPr lang="en-US" sz="6000" b="1" dirty="0" smtClean="0">
+                <a:solidFill>
+                  <a:schemeClr val="accent5">
+                    <a:lumMod val="50000"/>
+                  </a:schemeClr>
+                </a:solidFill>
+              </a:rPr>
+              <a:t>Developmen</a:t>
+            </a:r>
+            <a:r>
+              <a:rPr lang="en-US" sz="6000" b="1" dirty="0">
+                <a:solidFill>
+                  <a:schemeClr val="accent5">
+                    <a:lumMod val="50000"/>
+                  </a:schemeClr>
+                </a:solidFill>
+              </a:rPr>
+              <a:t>t</a:t>
+            </a:r>
+            <a:endParaRPr lang="en-US" sz="6000" b="1" dirty="0">
+              <a:solidFill>
+                <a:srgbClr val="0000FF"/>
+              </a:solidFill>
+            </a:endParaRPr>
+          </a:p>
+        </p:txBody>
+      </p:sp>
+      <p:pic>
+        <p:nvPicPr>
+          <p:cNvPr id="2" name="Picture 1"/>
+          <p:cNvPicPr>
+            <a:picLocks noChangeAspect="1"/>
+          </p:cNvPicPr>
+          <p:nvPr/>
+        </p:nvPicPr>
+        <p:blipFill>
+          <a:blip r:embed="rId2"/>
+          <a:stretch>
+            <a:fillRect/>
+          </a:stretch>
+        </p:blipFill>
+        <p:spPr>
+          <a:xfrm>
+            <a:off x="722449" y="1269926"/>
+            <a:ext cx="7810611" cy="5207074"/>
+          </a:xfrm>
+          <a:prstGeom prst="rect">
+            <a:avLst/>
+          </a:prstGeom>
+        </p:spPr>
+      </p:pic>
     </p:spTree>
     <p:extLst>
       <p:ext uri="{BB962C8B-B14F-4D97-AF65-F5344CB8AC3E}">
-        <p14:creationId xmlns:p14="http://schemas.microsoft.com/office/powerpoint/2010/main" val="1817064860"/>
+        <p14:creationId xmlns:p14="http://schemas.microsoft.com/office/powerpoint/2010/main" val="690252006"/>
       </p:ext>
     </p:extLst>
   </p:cSld>
   <p:clrMapOvr>
     <a:masterClrMapping/>
   </p:clrMapOvr>
-  <p:timing>
-    <p:tnLst>
-      <p:par>
-        <p:cTn xmlns:p14="http://schemas.microsoft.com/office/powerpoint/2010/main" id="1" dur="indefinite" restart="never" nodeType="tmRoot"/>
-      </p:par>
-    </p:tnLst>
-  </p:timing>
 </p:sld>
 </file>
 
@@ -4668,85 +4491,80 @@
       </p:grpSpPr>
       <p:sp>
         <p:nvSpPr>
-          <p:cNvPr id="2" name="Title 1"/>
-          <p:cNvSpPr>
-            <a:spLocks noGrp="1"/>
-          </p:cNvSpPr>
-          <p:nvPr>
-            <p:ph type="title"/>
-          </p:nvPr>
-        </p:nvSpPr>
-        <p:spPr/>
-        <p:txBody>
-          <a:bodyPr/>
-          <a:lstStyle/>
-          <a:p>
-            <a:r>
-              <a:rPr lang="en-US" dirty="0" smtClean="0"/>
-              <a:t>About the App</a:t>
-            </a:r>
-            <a:endParaRPr lang="en-US" dirty="0"/>
-          </a:p>
-        </p:txBody>
-      </p:sp>
-      <p:sp>
-        <p:nvSpPr>
-          <p:cNvPr id="3" name="Content Placeholder 2"/>
-          <p:cNvSpPr>
-            <a:spLocks noGrp="1"/>
-          </p:cNvSpPr>
-          <p:nvPr>
-            <p:ph idx="1"/>
-          </p:nvPr>
-        </p:nvSpPr>
-        <p:spPr/>
-        <p:txBody>
-          <a:bodyPr/>
-          <a:lstStyle/>
-          <a:p>
-            <a:r>
-              <a:rPr lang="en-US" dirty="0" smtClean="0"/>
-              <a:t>Setup</a:t>
-            </a:r>
-          </a:p>
-          <a:p>
-            <a:r>
-              <a:rPr lang="en-US" dirty="0" err="1" smtClean="0"/>
-              <a:t>Ariving</a:t>
-            </a:r>
-            <a:r>
-              <a:rPr lang="en-US" dirty="0" smtClean="0"/>
-              <a:t> at a new location</a:t>
-            </a:r>
-          </a:p>
-          <a:p>
-            <a:r>
-              <a:rPr lang="en-US" dirty="0" smtClean="0"/>
-              <a:t>Creation of the maps</a:t>
-            </a:r>
-          </a:p>
-          <a:p>
-            <a:endParaRPr lang="en-US" dirty="0" smtClean="0"/>
-          </a:p>
-        </p:txBody>
-      </p:sp>
+          <p:cNvPr id="4" name="TextBox 3"/>
+          <p:cNvSpPr txBox="1"/>
+          <p:nvPr/>
+        </p:nvSpPr>
+        <p:spPr>
+          <a:xfrm>
+            <a:off x="0" y="0"/>
+            <a:ext cx="3219977" cy="1015663"/>
+          </a:xfrm>
+          <a:prstGeom prst="rect">
+            <a:avLst/>
+          </a:prstGeom>
+          <a:noFill/>
+        </p:spPr>
+        <p:txBody>
+          <a:bodyPr wrap="none" rtlCol="0">
+            <a:spAutoFit/>
+          </a:bodyPr>
+          <a:lstStyle/>
+          <a:p>
+            <a:r>
+              <a:rPr lang="en-US" sz="6000" b="1" dirty="0" smtClean="0">
+                <a:solidFill>
+                  <a:schemeClr val="accent5">
+                    <a:lumMod val="50000"/>
+                  </a:schemeClr>
+                </a:solidFill>
+              </a:rPr>
+              <a:t>Settings</a:t>
+            </a:r>
+            <a:endParaRPr lang="en-US" sz="6000" dirty="0"/>
+          </a:p>
+        </p:txBody>
+      </p:sp>
+      <p:pic>
+        <p:nvPicPr>
+          <p:cNvPr id="3" name="Picture 2" descr="IMG_0076.PNG"/>
+          <p:cNvPicPr>
+            <a:picLocks noChangeAspect="1"/>
+          </p:cNvPicPr>
+          <p:nvPr/>
+        </p:nvPicPr>
+        <p:blipFill>
+          <a:blip r:embed="rId2">
+            <a:extLst>
+              <a:ext uri="{28A0092B-C50C-407E-A947-70E740481C1C}">
+                <a14:useLocalDpi xmlns:a14="http://schemas.microsoft.com/office/drawing/2010/main" val="0"/>
+              </a:ext>
+            </a:extLst>
+          </a:blip>
+          <a:stretch>
+            <a:fillRect/>
+          </a:stretch>
+        </p:blipFill>
+        <p:spPr>
+          <a:xfrm>
+            <a:off x="3219977" y="0"/>
+            <a:ext cx="3805830" cy="6765920"/>
+          </a:xfrm>
+          <a:prstGeom prst="rect">
+            <a:avLst/>
+          </a:prstGeom>
+        </p:spPr>
+      </p:pic>
     </p:spTree>
     <p:extLst>
       <p:ext uri="{BB962C8B-B14F-4D97-AF65-F5344CB8AC3E}">
-        <p14:creationId xmlns:p14="http://schemas.microsoft.com/office/powerpoint/2010/main" val="4216536716"/>
+        <p14:creationId xmlns:p14="http://schemas.microsoft.com/office/powerpoint/2010/main" val="3709757858"/>
       </p:ext>
     </p:extLst>
   </p:cSld>
   <p:clrMapOvr>
     <a:masterClrMapping/>
   </p:clrMapOvr>
-  <p:timing>
-    <p:tnLst>
-      <p:par>
-        <p:cTn xmlns:p14="http://schemas.microsoft.com/office/powerpoint/2010/main" id="1" dur="indefinite" restart="never" nodeType="tmRoot"/>
-      </p:par>
-    </p:tnLst>
-  </p:timing>
 </p:sld>
 </file>
 
@@ -4769,76 +4587,153 @@
       </p:grpSpPr>
       <p:sp>
         <p:nvSpPr>
-          <p:cNvPr id="2" name="Title 1"/>
-          <p:cNvSpPr>
-            <a:spLocks noGrp="1"/>
-          </p:cNvSpPr>
-          <p:nvPr>
-            <p:ph type="title"/>
-          </p:nvPr>
-        </p:nvSpPr>
-        <p:spPr/>
-        <p:txBody>
-          <a:bodyPr/>
-          <a:lstStyle/>
-          <a:p>
-            <a:r>
-              <a:rPr lang="en-US" dirty="0" smtClean="0"/>
-              <a:t>Consideration</a:t>
-            </a:r>
-            <a:endParaRPr lang="en-US" dirty="0"/>
-          </a:p>
-        </p:txBody>
-      </p:sp>
-      <p:sp>
-        <p:nvSpPr>
-          <p:cNvPr id="3" name="Content Placeholder 2"/>
-          <p:cNvSpPr>
-            <a:spLocks noGrp="1"/>
-          </p:cNvSpPr>
-          <p:nvPr>
-            <p:ph idx="1"/>
-          </p:nvPr>
-        </p:nvSpPr>
-        <p:spPr/>
-        <p:txBody>
-          <a:bodyPr/>
-          <a:lstStyle/>
-          <a:p>
-            <a:r>
-              <a:rPr lang="en-US" dirty="0" smtClean="0"/>
-              <a:t>Cost of </a:t>
-            </a:r>
-            <a:r>
-              <a:rPr lang="en-US" dirty="0" err="1" smtClean="0"/>
-              <a:t>implementaion</a:t>
-            </a:r>
-            <a:r>
-              <a:rPr lang="en-US" dirty="0" smtClean="0"/>
-              <a:t> </a:t>
-            </a:r>
-          </a:p>
-          <a:p>
-            <a:r>
-              <a:rPr lang="en-US" dirty="0" smtClean="0"/>
-              <a:t>Research into best practices for visual representation.</a:t>
-            </a:r>
-          </a:p>
-          <a:p>
-            <a:endParaRPr lang="en-US" dirty="0" smtClean="0"/>
-          </a:p>
-          <a:p>
-            <a:endParaRPr lang="en-US" dirty="0"/>
-          </a:p>
-          <a:p>
-            <a:endParaRPr lang="en-US" dirty="0"/>
+          <p:cNvPr id="4" name="TextBox 3"/>
+          <p:cNvSpPr txBox="1"/>
+          <p:nvPr/>
+        </p:nvSpPr>
+        <p:spPr>
+          <a:xfrm>
+            <a:off x="106830" y="-79740"/>
+            <a:ext cx="3392049" cy="1015663"/>
+          </a:xfrm>
+          <a:prstGeom prst="rect">
+            <a:avLst/>
+          </a:prstGeom>
+          <a:noFill/>
+        </p:spPr>
+        <p:txBody>
+          <a:bodyPr wrap="none" rtlCol="0">
+            <a:spAutoFit/>
+          </a:bodyPr>
+          <a:lstStyle/>
+          <a:p>
+            <a:r>
+              <a:rPr lang="en-US" sz="6000" b="1" dirty="0" smtClean="0">
+                <a:solidFill>
+                  <a:srgbClr val="000090"/>
+                </a:solidFill>
+              </a:rPr>
+              <a:t>Features</a:t>
+            </a:r>
+            <a:endParaRPr lang="en-US" sz="6000" b="1" dirty="0">
+              <a:solidFill>
+                <a:srgbClr val="000090"/>
+              </a:solidFill>
+            </a:endParaRPr>
+          </a:p>
+        </p:txBody>
+      </p:sp>
+      <p:pic>
+        <p:nvPicPr>
+          <p:cNvPr id="7" name="Picture 6"/>
+          <p:cNvPicPr>
+            <a:picLocks noChangeAspect="1"/>
+          </p:cNvPicPr>
+          <p:nvPr/>
+        </p:nvPicPr>
+        <p:blipFill rotWithShape="1">
+          <a:blip r:embed="rId2"/>
+          <a:srcRect l="17179" r="8467"/>
+          <a:stretch/>
+        </p:blipFill>
+        <p:spPr>
+          <a:xfrm>
+            <a:off x="1350127" y="959459"/>
+            <a:ext cx="7420329" cy="5702720"/>
+          </a:xfrm>
+          <a:prstGeom prst="rect">
+            <a:avLst/>
+          </a:prstGeom>
+        </p:spPr>
+      </p:pic>
+      <p:sp>
+        <p:nvSpPr>
+          <p:cNvPr id="11" name="TextBox 10"/>
+          <p:cNvSpPr txBox="1"/>
+          <p:nvPr/>
+        </p:nvSpPr>
+        <p:spPr>
+          <a:xfrm>
+            <a:off x="3572735" y="193330"/>
+            <a:ext cx="5311692" cy="646331"/>
+          </a:xfrm>
+          <a:prstGeom prst="rect">
+            <a:avLst/>
+          </a:prstGeom>
+          <a:noFill/>
+        </p:spPr>
+        <p:txBody>
+          <a:bodyPr wrap="square" rtlCol="0">
+            <a:spAutoFit/>
+          </a:bodyPr>
+          <a:lstStyle/>
+          <a:p>
+            <a:r>
+              <a:rPr lang="en-US" b="1" dirty="0" smtClean="0">
+                <a:solidFill>
+                  <a:schemeClr val="tx2"/>
+                </a:solidFill>
+              </a:rPr>
+              <a:t>We use </a:t>
+            </a:r>
+            <a:r>
+              <a:rPr lang="en-US" b="1" dirty="0" err="1" smtClean="0">
+                <a:solidFill>
+                  <a:schemeClr val="tx2"/>
+                </a:solidFill>
+              </a:rPr>
+              <a:t>iBeacons</a:t>
+            </a:r>
+            <a:r>
+              <a:rPr lang="en-US" b="1" dirty="0" smtClean="0">
+                <a:solidFill>
+                  <a:schemeClr val="tx2"/>
+                </a:solidFill>
+              </a:rPr>
+              <a:t> for destinations and heat maps for routes</a:t>
+            </a:r>
+          </a:p>
+        </p:txBody>
+      </p:sp>
+      <p:sp>
+        <p:nvSpPr>
+          <p:cNvPr id="13" name="TextBox 12"/>
+          <p:cNvSpPr txBox="1"/>
+          <p:nvPr/>
+        </p:nvSpPr>
+        <p:spPr>
+          <a:xfrm>
+            <a:off x="8040453" y="6310488"/>
+            <a:ext cx="747643" cy="369332"/>
+          </a:xfrm>
+          <a:prstGeom prst="rect">
+            <a:avLst/>
+          </a:prstGeom>
+          <a:solidFill>
+            <a:schemeClr val="tx1"/>
+          </a:solidFill>
+        </p:spPr>
+        <p:txBody>
+          <a:bodyPr wrap="square" rtlCol="0">
+            <a:spAutoFit/>
+          </a:bodyPr>
+          <a:lstStyle/>
+          <a:p>
+            <a:r>
+              <a:rPr lang="en-US" b="1" dirty="0" smtClean="0">
+                <a:solidFill>
+                  <a:srgbClr val="000090"/>
+                </a:solidFill>
+              </a:rPr>
+              <a:t>NFC</a:t>
+            </a:r>
           </a:p>
         </p:txBody>
       </p:sp>
     </p:spTree>
     <p:extLst>
       <p:ext uri="{BB962C8B-B14F-4D97-AF65-F5344CB8AC3E}">
-        <p14:creationId xmlns:p14="http://schemas.microsoft.com/office/powerpoint/2010/main" val="3592653668"/>
+        <p14:creationId xmlns:p14="http://schemas.microsoft.com/office/powerpoint/2010/main" val="1549251048"/>
       </p:ext>
     </p:extLst>
   </p:cSld>
@@ -4874,50 +4769,155 @@
       </p:grpSpPr>
       <p:sp>
         <p:nvSpPr>
-          <p:cNvPr id="2" name="Title 1"/>
-          <p:cNvSpPr>
-            <a:spLocks noGrp="1"/>
-          </p:cNvSpPr>
-          <p:nvPr>
-            <p:ph type="title"/>
-          </p:nvPr>
-        </p:nvSpPr>
-        <p:spPr/>
-        <p:txBody>
-          <a:bodyPr/>
-          <a:lstStyle/>
-          <a:p>
-            <a:r>
-              <a:rPr lang="en-US" dirty="0" smtClean="0"/>
-              <a:t>Road Map</a:t>
-            </a:r>
-            <a:endParaRPr lang="en-US" dirty="0"/>
-          </a:p>
-        </p:txBody>
-      </p:sp>
-      <p:sp>
-        <p:nvSpPr>
-          <p:cNvPr id="3" name="Content Placeholder 2"/>
-          <p:cNvSpPr>
-            <a:spLocks noGrp="1"/>
-          </p:cNvSpPr>
-          <p:nvPr>
-            <p:ph idx="1"/>
-          </p:nvPr>
-        </p:nvSpPr>
-        <p:spPr/>
-        <p:txBody>
-          <a:bodyPr/>
-          <a:lstStyle/>
-          <a:p>
-            <a:endParaRPr lang="en-US" dirty="0"/>
+          <p:cNvPr id="4" name="TextBox 3"/>
+          <p:cNvSpPr txBox="1"/>
+          <p:nvPr/>
+        </p:nvSpPr>
+        <p:spPr>
+          <a:xfrm>
+            <a:off x="106830" y="-79740"/>
+            <a:ext cx="3392049" cy="1015663"/>
+          </a:xfrm>
+          <a:prstGeom prst="rect">
+            <a:avLst/>
+          </a:prstGeom>
+          <a:noFill/>
+        </p:spPr>
+        <p:txBody>
+          <a:bodyPr wrap="none" rtlCol="0">
+            <a:spAutoFit/>
+          </a:bodyPr>
+          <a:lstStyle/>
+          <a:p>
+            <a:r>
+              <a:rPr lang="en-US" sz="6000" b="1" dirty="0" smtClean="0">
+                <a:solidFill>
+                  <a:srgbClr val="000090"/>
+                </a:solidFill>
+              </a:rPr>
+              <a:t>Features</a:t>
+            </a:r>
+            <a:endParaRPr lang="en-US" sz="6000" b="1" dirty="0">
+              <a:solidFill>
+                <a:srgbClr val="000090"/>
+              </a:solidFill>
+            </a:endParaRPr>
+          </a:p>
+        </p:txBody>
+      </p:sp>
+      <p:pic>
+        <p:nvPicPr>
+          <p:cNvPr id="6" name="Picture 5"/>
+          <p:cNvPicPr>
+            <a:picLocks noChangeAspect="1"/>
+          </p:cNvPicPr>
+          <p:nvPr/>
+        </p:nvPicPr>
+        <p:blipFill>
+          <a:blip r:embed="rId2"/>
+          <a:stretch>
+            <a:fillRect/>
+          </a:stretch>
+        </p:blipFill>
+        <p:spPr>
+          <a:xfrm>
+            <a:off x="249260" y="959459"/>
+            <a:ext cx="8475070" cy="5073817"/>
+          </a:xfrm>
+          <a:prstGeom prst="rect">
+            <a:avLst/>
+          </a:prstGeom>
+        </p:spPr>
+      </p:pic>
+      <p:sp>
+        <p:nvSpPr>
+          <p:cNvPr id="11" name="TextBox 10"/>
+          <p:cNvSpPr txBox="1"/>
+          <p:nvPr/>
+        </p:nvSpPr>
+        <p:spPr>
+          <a:xfrm>
+            <a:off x="3572735" y="193330"/>
+            <a:ext cx="5311692" cy="646331"/>
+          </a:xfrm>
+          <a:prstGeom prst="rect">
+            <a:avLst/>
+          </a:prstGeom>
+          <a:noFill/>
+        </p:spPr>
+        <p:txBody>
+          <a:bodyPr wrap="square" rtlCol="0">
+            <a:spAutoFit/>
+          </a:bodyPr>
+          <a:lstStyle/>
+          <a:p>
+            <a:r>
+              <a:rPr lang="en-US" b="1" dirty="0" smtClean="0">
+                <a:solidFill>
+                  <a:schemeClr val="tx2"/>
+                </a:solidFill>
+              </a:rPr>
+              <a:t>We use </a:t>
+            </a:r>
+            <a:r>
+              <a:rPr lang="en-US" b="1" dirty="0" err="1" smtClean="0">
+                <a:solidFill>
+                  <a:schemeClr val="tx2"/>
+                </a:solidFill>
+              </a:rPr>
+              <a:t>iBeacons</a:t>
+            </a:r>
+            <a:r>
+              <a:rPr lang="en-US" b="1" dirty="0" smtClean="0">
+                <a:solidFill>
+                  <a:schemeClr val="tx2"/>
+                </a:solidFill>
+              </a:rPr>
+              <a:t> for destinations and heat maps for routes</a:t>
+            </a:r>
+          </a:p>
+        </p:txBody>
+      </p:sp>
+      <p:sp>
+        <p:nvSpPr>
+          <p:cNvPr id="12" name="TextBox 11"/>
+          <p:cNvSpPr txBox="1"/>
+          <p:nvPr/>
+        </p:nvSpPr>
+        <p:spPr>
+          <a:xfrm>
+            <a:off x="7468062" y="5663944"/>
+            <a:ext cx="1256268" cy="369332"/>
+          </a:xfrm>
+          <a:prstGeom prst="rect">
+            <a:avLst/>
+          </a:prstGeom>
+          <a:solidFill>
+            <a:schemeClr val="tx1"/>
+          </a:solidFill>
+        </p:spPr>
+        <p:txBody>
+          <a:bodyPr wrap="square" rtlCol="0">
+            <a:spAutoFit/>
+          </a:bodyPr>
+          <a:lstStyle/>
+          <a:p>
+            <a:pPr algn="r"/>
+            <a:r>
+              <a:rPr lang="en-US" b="1" dirty="0" smtClean="0">
+                <a:solidFill>
+                  <a:srgbClr val="000090"/>
+                </a:solidFill>
+              </a:rPr>
+              <a:t>Heat Map</a:t>
+            </a:r>
           </a:p>
         </p:txBody>
       </p:sp>
     </p:spTree>
     <p:extLst>
       <p:ext uri="{BB962C8B-B14F-4D97-AF65-F5344CB8AC3E}">
-        <p14:creationId xmlns:p14="http://schemas.microsoft.com/office/powerpoint/2010/main" val="1603968804"/>
+        <p14:creationId xmlns:p14="http://schemas.microsoft.com/office/powerpoint/2010/main" val="1413753683"/>
       </p:ext>
     </p:extLst>
   </p:cSld>
@@ -4953,75 +4953,168 @@
       </p:grpSpPr>
       <p:sp>
         <p:nvSpPr>
-          <p:cNvPr id="2" name="Title 1"/>
-          <p:cNvSpPr>
-            <a:spLocks noGrp="1"/>
-          </p:cNvSpPr>
-          <p:nvPr>
-            <p:ph type="title"/>
-          </p:nvPr>
-        </p:nvSpPr>
-        <p:spPr/>
-        <p:txBody>
-          <a:bodyPr>
-            <a:normAutofit/>
+          <p:cNvPr id="4" name="TextBox 3"/>
+          <p:cNvSpPr txBox="1"/>
+          <p:nvPr/>
+        </p:nvSpPr>
+        <p:spPr>
+          <a:xfrm>
+            <a:off x="106830" y="-79740"/>
+            <a:ext cx="3392049" cy="1015663"/>
+          </a:xfrm>
+          <a:prstGeom prst="rect">
+            <a:avLst/>
+          </a:prstGeom>
+          <a:noFill/>
+        </p:spPr>
+        <p:txBody>
+          <a:bodyPr wrap="none" rtlCol="0">
+            <a:spAutoFit/>
           </a:bodyPr>
           <a:lstStyle/>
           <a:p>
             <a:r>
-              <a:rPr lang="en-US" dirty="0" smtClean="0"/>
-              <a:t>Further Implementation</a:t>
-            </a:r>
-            <a:endParaRPr lang="en-US" dirty="0"/>
-          </a:p>
-        </p:txBody>
-      </p:sp>
-      <p:sp>
-        <p:nvSpPr>
-          <p:cNvPr id="3" name="Content Placeholder 2"/>
-          <p:cNvSpPr>
-            <a:spLocks noGrp="1"/>
-          </p:cNvSpPr>
-          <p:nvPr>
-            <p:ph idx="1"/>
-          </p:nvPr>
-        </p:nvSpPr>
-        <p:spPr/>
-        <p:txBody>
-          <a:bodyPr/>
-          <a:lstStyle/>
-          <a:p>
-            <a:r>
-              <a:rPr lang="en-US" dirty="0" smtClean="0"/>
-              <a:t>Sighted use</a:t>
-            </a:r>
-          </a:p>
-          <a:p>
-            <a:r>
-              <a:rPr lang="en-US" dirty="0" smtClean="0"/>
-              <a:t>Multiple uses for </a:t>
-            </a:r>
-            <a:r>
-              <a:rPr lang="en-US" dirty="0" err="1" smtClean="0"/>
+              <a:rPr lang="en-US" sz="6000" b="1" dirty="0" smtClean="0">
+                <a:solidFill>
+                  <a:srgbClr val="000090"/>
+                </a:solidFill>
+              </a:rPr>
+              <a:t>Features</a:t>
+            </a:r>
+            <a:endParaRPr lang="en-US" sz="6000" b="1" dirty="0">
+              <a:solidFill>
+                <a:srgbClr val="000090"/>
+              </a:solidFill>
+            </a:endParaRPr>
+          </a:p>
+        </p:txBody>
+      </p:sp>
+      <p:pic>
+        <p:nvPicPr>
+          <p:cNvPr id="8" name="Picture 7"/>
+          <p:cNvPicPr>
+            <a:picLocks noChangeAspect="1"/>
+          </p:cNvPicPr>
+          <p:nvPr/>
+        </p:nvPicPr>
+        <p:blipFill>
+          <a:blip r:embed="rId2"/>
+          <a:stretch>
+            <a:fillRect/>
+          </a:stretch>
+        </p:blipFill>
+        <p:spPr>
+          <a:xfrm>
+            <a:off x="1913711" y="1382901"/>
+            <a:ext cx="5336222" cy="5336222"/>
+          </a:xfrm>
+          <a:prstGeom prst="rect">
+            <a:avLst/>
+          </a:prstGeom>
+        </p:spPr>
+      </p:pic>
+      <p:sp>
+        <p:nvSpPr>
+          <p:cNvPr id="11" name="TextBox 10"/>
+          <p:cNvSpPr txBox="1"/>
+          <p:nvPr/>
+        </p:nvSpPr>
+        <p:spPr>
+          <a:xfrm>
+            <a:off x="3572735" y="193330"/>
+            <a:ext cx="5311692" cy="646331"/>
+          </a:xfrm>
+          <a:prstGeom prst="rect">
+            <a:avLst/>
+          </a:prstGeom>
+          <a:noFill/>
+        </p:spPr>
+        <p:txBody>
+          <a:bodyPr wrap="square" rtlCol="0">
+            <a:spAutoFit/>
+          </a:bodyPr>
+          <a:lstStyle/>
+          <a:p>
+            <a:r>
+              <a:rPr lang="en-US" b="1" dirty="0" smtClean="0">
+                <a:solidFill>
+                  <a:schemeClr val="tx2"/>
+                </a:solidFill>
+              </a:rPr>
+              <a:t>We use </a:t>
+            </a:r>
+            <a:r>
+              <a:rPr lang="en-US" b="1" dirty="0" err="1" smtClean="0">
+                <a:solidFill>
+                  <a:schemeClr val="tx2"/>
+                </a:solidFill>
+              </a:rPr>
               <a:t>iBeacons</a:t>
             </a:r>
-            <a:endParaRPr lang="en-US" dirty="0" smtClean="0"/>
-          </a:p>
-          <a:p>
-            <a:r>
-              <a:rPr lang="en-US" dirty="0" smtClean="0"/>
-              <a:t>Reusable data</a:t>
-            </a:r>
-          </a:p>
-          <a:p>
-            <a:endParaRPr lang="en-US" dirty="0"/>
+            <a:r>
+              <a:rPr lang="en-US" b="1" dirty="0" smtClean="0">
+                <a:solidFill>
+                  <a:schemeClr val="tx2"/>
+                </a:solidFill>
+              </a:rPr>
+              <a:t> for destinations and heat maps for routes</a:t>
+            </a:r>
+          </a:p>
+        </p:txBody>
+      </p:sp>
+      <p:sp>
+        <p:nvSpPr>
+          <p:cNvPr id="14" name="TextBox 13"/>
+          <p:cNvSpPr txBox="1"/>
+          <p:nvPr/>
+        </p:nvSpPr>
+        <p:spPr>
+          <a:xfrm>
+            <a:off x="6086714" y="6072792"/>
+            <a:ext cx="1582188" cy="646331"/>
+          </a:xfrm>
+          <a:prstGeom prst="rect">
+            <a:avLst/>
+          </a:prstGeom>
+          <a:solidFill>
+            <a:schemeClr val="tx1"/>
+          </a:solidFill>
+        </p:spPr>
+        <p:txBody>
+          <a:bodyPr wrap="square" rtlCol="0">
+            <a:spAutoFit/>
+          </a:bodyPr>
+          <a:lstStyle/>
+          <a:p>
+            <a:pPr algn="r"/>
+            <a:r>
+              <a:rPr lang="en-US" b="1" dirty="0" err="1" smtClean="0">
+                <a:solidFill>
+                  <a:srgbClr val="000090"/>
+                </a:solidFill>
+              </a:rPr>
+              <a:t>Guideance</a:t>
+            </a:r>
+            <a:r>
+              <a:rPr lang="en-US" b="1" dirty="0" smtClean="0">
+                <a:solidFill>
+                  <a:srgbClr val="000090"/>
+                </a:solidFill>
+              </a:rPr>
+              <a:t> &amp; Navigation</a:t>
+            </a:r>
+            <a:endParaRPr lang="en-US" b="1" dirty="0" smtClean="0">
+              <a:solidFill>
+                <a:srgbClr val="000090"/>
+              </a:solidFill>
+            </a:endParaRPr>
           </a:p>
         </p:txBody>
       </p:sp>
     </p:spTree>
     <p:extLst>
       <p:ext uri="{BB962C8B-B14F-4D97-AF65-F5344CB8AC3E}">
-        <p14:creationId xmlns:p14="http://schemas.microsoft.com/office/powerpoint/2010/main" val="276739205"/>
+        <p14:creationId xmlns:p14="http://schemas.microsoft.com/office/powerpoint/2010/main" val="4010168682"/>
       </p:ext>
     </p:extLst>
   </p:cSld>
@@ -5065,42 +5158,322 @@
             <p:ph type="title"/>
           </p:nvPr>
         </p:nvSpPr>
-        <p:spPr/>
+        <p:spPr>
+          <a:xfrm>
+            <a:off x="0" y="0"/>
+            <a:ext cx="7315200" cy="1154097"/>
+          </a:xfrm>
+        </p:spPr>
         <p:txBody>
           <a:bodyPr/>
           <a:lstStyle/>
           <a:p>
             <a:r>
-              <a:rPr lang="en-US" dirty="0" smtClean="0"/>
-              <a:t>Any Questions?</a:t>
-            </a:r>
-            <a:endParaRPr lang="en-US" dirty="0"/>
-          </a:p>
-        </p:txBody>
-      </p:sp>
-      <p:sp>
-        <p:nvSpPr>
-          <p:cNvPr id="3" name="Content Placeholder 2"/>
-          <p:cNvSpPr>
-            <a:spLocks noGrp="1"/>
-          </p:cNvSpPr>
-          <p:nvPr>
-            <p:ph idx="1"/>
-          </p:nvPr>
-        </p:nvSpPr>
-        <p:spPr/>
-        <p:txBody>
-          <a:bodyPr/>
-          <a:lstStyle/>
-          <a:p>
-            <a:endParaRPr lang="en-US" dirty="0"/>
-          </a:p>
-        </p:txBody>
-      </p:sp>
+              <a:rPr lang="en-US" sz="6000" b="1" dirty="0" smtClean="0">
+                <a:solidFill>
+                  <a:srgbClr val="000090"/>
+                </a:solidFill>
+              </a:rPr>
+              <a:t>Considerations</a:t>
+            </a:r>
+            <a:endParaRPr lang="en-US" b="1" dirty="0">
+              <a:solidFill>
+                <a:srgbClr val="000090"/>
+              </a:solidFill>
+            </a:endParaRPr>
+          </a:p>
+        </p:txBody>
+      </p:sp>
+      <p:pic>
+        <p:nvPicPr>
+          <p:cNvPr id="5" name="Picture 4"/>
+          <p:cNvPicPr>
+            <a:picLocks noChangeAspect="1"/>
+          </p:cNvPicPr>
+          <p:nvPr/>
+        </p:nvPicPr>
+        <p:blipFill>
+          <a:blip r:embed="rId2"/>
+          <a:stretch>
+            <a:fillRect/>
+          </a:stretch>
+        </p:blipFill>
+        <p:spPr>
+          <a:xfrm>
+            <a:off x="495300" y="1154097"/>
+            <a:ext cx="8153400" cy="5435600"/>
+          </a:xfrm>
+          <a:prstGeom prst="rect">
+            <a:avLst/>
+          </a:prstGeom>
+        </p:spPr>
+      </p:pic>
     </p:spTree>
     <p:extLst>
       <p:ext uri="{BB962C8B-B14F-4D97-AF65-F5344CB8AC3E}">
-        <p14:creationId xmlns:p14="http://schemas.microsoft.com/office/powerpoint/2010/main" val="1455575641"/>
+        <p14:creationId xmlns:p14="http://schemas.microsoft.com/office/powerpoint/2010/main" val="177437604"/>
+      </p:ext>
+    </p:extLst>
+  </p:cSld>
+  <p:clrMapOvr>
+    <a:masterClrMapping/>
+  </p:clrMapOvr>
+</p:sld>
+</file>
+
+<file path=ppt/slides/slide8.xml><?xml version="1.0" encoding="utf-8"?>
+<p:sld xmlns:a="http://schemas.openxmlformats.org/drawingml/2006/main" xmlns:r="http://schemas.openxmlformats.org/officeDocument/2006/relationships" xmlns:p="http://schemas.openxmlformats.org/presentationml/2006/main">
+  <p:cSld>
+    <p:spTree>
+      <p:nvGrpSpPr>
+        <p:cNvPr id="1" name=""/>
+        <p:cNvGrpSpPr/>
+        <p:nvPr/>
+      </p:nvGrpSpPr>
+      <p:grpSpPr>
+        <a:xfrm>
+          <a:off x="0" y="0"/>
+          <a:ext cx="0" cy="0"/>
+          <a:chOff x="0" y="0"/>
+          <a:chExt cx="0" cy="0"/>
+        </a:xfrm>
+      </p:grpSpPr>
+      <p:sp>
+        <p:nvSpPr>
+          <p:cNvPr id="4" name="TextBox 3"/>
+          <p:cNvSpPr txBox="1"/>
+          <p:nvPr/>
+        </p:nvSpPr>
+        <p:spPr>
+          <a:xfrm>
+            <a:off x="142440" y="-56000"/>
+            <a:ext cx="4159988" cy="1015663"/>
+          </a:xfrm>
+          <a:prstGeom prst="rect">
+            <a:avLst/>
+          </a:prstGeom>
+          <a:noFill/>
+        </p:spPr>
+        <p:txBody>
+          <a:bodyPr wrap="none" rtlCol="0">
+            <a:spAutoFit/>
+          </a:bodyPr>
+          <a:lstStyle/>
+          <a:p>
+            <a:r>
+              <a:rPr lang="en-US" sz="6000" b="1" dirty="0" smtClean="0">
+                <a:solidFill>
+                  <a:srgbClr val="222076"/>
+                </a:solidFill>
+              </a:rPr>
+              <a:t>The Future</a:t>
+            </a:r>
+            <a:endParaRPr lang="en-US" sz="6000" b="1" dirty="0">
+              <a:solidFill>
+                <a:srgbClr val="222076"/>
+              </a:solidFill>
+            </a:endParaRPr>
+          </a:p>
+        </p:txBody>
+      </p:sp>
+      <p:pic>
+        <p:nvPicPr>
+          <p:cNvPr id="6" name="Picture 5"/>
+          <p:cNvPicPr>
+            <a:picLocks noChangeAspect="1"/>
+          </p:cNvPicPr>
+          <p:nvPr/>
+        </p:nvPicPr>
+        <p:blipFill>
+          <a:blip r:embed="rId2"/>
+          <a:stretch>
+            <a:fillRect/>
+          </a:stretch>
+        </p:blipFill>
+        <p:spPr>
+          <a:xfrm>
+            <a:off x="2963494" y="846106"/>
+            <a:ext cx="2677867" cy="5620072"/>
+          </a:xfrm>
+          <a:prstGeom prst="rect">
+            <a:avLst/>
+          </a:prstGeom>
+        </p:spPr>
+      </p:pic>
+      <p:sp>
+        <p:nvSpPr>
+          <p:cNvPr id="11" name="TextBox 10"/>
+          <p:cNvSpPr txBox="1"/>
+          <p:nvPr/>
+        </p:nvSpPr>
+        <p:spPr>
+          <a:xfrm>
+            <a:off x="5641361" y="6281512"/>
+            <a:ext cx="1588615" cy="369332"/>
+          </a:xfrm>
+          <a:prstGeom prst="rect">
+            <a:avLst/>
+          </a:prstGeom>
+          <a:solidFill>
+            <a:schemeClr val="tx1"/>
+          </a:solidFill>
+        </p:spPr>
+        <p:txBody>
+          <a:bodyPr wrap="square" rtlCol="0">
+            <a:spAutoFit/>
+          </a:bodyPr>
+          <a:lstStyle/>
+          <a:p>
+            <a:pPr algn="r"/>
+            <a:r>
+              <a:rPr lang="en-US" b="1" dirty="0" smtClean="0">
+                <a:solidFill>
+                  <a:srgbClr val="000090"/>
+                </a:solidFill>
+              </a:rPr>
+              <a:t>Sighted Use</a:t>
+            </a:r>
+          </a:p>
+        </p:txBody>
+      </p:sp>
+    </p:spTree>
+    <p:extLst>
+      <p:ext uri="{BB962C8B-B14F-4D97-AF65-F5344CB8AC3E}">
+        <p14:creationId xmlns:p14="http://schemas.microsoft.com/office/powerpoint/2010/main" val="2280273418"/>
+      </p:ext>
+    </p:extLst>
+  </p:cSld>
+  <p:clrMapOvr>
+    <a:masterClrMapping/>
+  </p:clrMapOvr>
+  <p:timing>
+    <p:tnLst>
+      <p:par>
+        <p:cTn xmlns:p14="http://schemas.microsoft.com/office/powerpoint/2010/main" id="1" dur="indefinite" restart="never" nodeType="tmRoot"/>
+      </p:par>
+    </p:tnLst>
+  </p:timing>
+</p:sld>
+</file>
+
+<file path=ppt/slides/slide9.xml><?xml version="1.0" encoding="utf-8"?>
+<p:sld xmlns:a="http://schemas.openxmlformats.org/drawingml/2006/main" xmlns:r="http://schemas.openxmlformats.org/officeDocument/2006/relationships" xmlns:p="http://schemas.openxmlformats.org/presentationml/2006/main">
+  <p:cSld>
+    <p:spTree>
+      <p:nvGrpSpPr>
+        <p:cNvPr id="1" name=""/>
+        <p:cNvGrpSpPr/>
+        <p:nvPr/>
+      </p:nvGrpSpPr>
+      <p:grpSpPr>
+        <a:xfrm>
+          <a:off x="0" y="0"/>
+          <a:ext cx="0" cy="0"/>
+          <a:chOff x="0" y="0"/>
+          <a:chExt cx="0" cy="0"/>
+        </a:xfrm>
+      </p:grpSpPr>
+      <p:sp>
+        <p:nvSpPr>
+          <p:cNvPr id="4" name="TextBox 3"/>
+          <p:cNvSpPr txBox="1"/>
+          <p:nvPr/>
+        </p:nvSpPr>
+        <p:spPr>
+          <a:xfrm>
+            <a:off x="142440" y="-56000"/>
+            <a:ext cx="4159988" cy="1015663"/>
+          </a:xfrm>
+          <a:prstGeom prst="rect">
+            <a:avLst/>
+          </a:prstGeom>
+          <a:noFill/>
+        </p:spPr>
+        <p:txBody>
+          <a:bodyPr wrap="none" rtlCol="0">
+            <a:spAutoFit/>
+          </a:bodyPr>
+          <a:lstStyle/>
+          <a:p>
+            <a:r>
+              <a:rPr lang="en-US" sz="6000" b="1" dirty="0" smtClean="0">
+                <a:solidFill>
+                  <a:srgbClr val="222076"/>
+                </a:solidFill>
+              </a:rPr>
+              <a:t>The Future</a:t>
+            </a:r>
+            <a:endParaRPr lang="en-US" sz="6000" b="1" dirty="0">
+              <a:solidFill>
+                <a:srgbClr val="222076"/>
+              </a:solidFill>
+            </a:endParaRPr>
+          </a:p>
+        </p:txBody>
+      </p:sp>
+      <p:pic>
+        <p:nvPicPr>
+          <p:cNvPr id="7" name="Picture 6"/>
+          <p:cNvPicPr>
+            <a:picLocks noChangeAspect="1"/>
+          </p:cNvPicPr>
+          <p:nvPr/>
+        </p:nvPicPr>
+        <p:blipFill rotWithShape="1">
+          <a:blip r:embed="rId2"/>
+          <a:srcRect l="3027" t="10465" r="3263" b="3197"/>
+          <a:stretch/>
+        </p:blipFill>
+        <p:spPr>
+          <a:xfrm>
+            <a:off x="244993" y="935923"/>
+            <a:ext cx="8467253" cy="4479911"/>
+          </a:xfrm>
+          <a:prstGeom prst="rect">
+            <a:avLst/>
+          </a:prstGeom>
+        </p:spPr>
+      </p:pic>
+      <p:sp>
+        <p:nvSpPr>
+          <p:cNvPr id="9" name="TextBox 8"/>
+          <p:cNvSpPr txBox="1"/>
+          <p:nvPr/>
+        </p:nvSpPr>
+        <p:spPr>
+          <a:xfrm>
+            <a:off x="6996468" y="5054758"/>
+            <a:ext cx="1761012" cy="369332"/>
+          </a:xfrm>
+          <a:prstGeom prst="rect">
+            <a:avLst/>
+          </a:prstGeom>
+          <a:solidFill>
+            <a:schemeClr val="tx1"/>
+          </a:solidFill>
+        </p:spPr>
+        <p:txBody>
+          <a:bodyPr wrap="square" rtlCol="0">
+            <a:spAutoFit/>
+          </a:bodyPr>
+          <a:lstStyle/>
+          <a:p>
+            <a:pPr algn="r"/>
+            <a:r>
+              <a:rPr lang="en-US" b="1" dirty="0" smtClean="0">
+                <a:solidFill>
+                  <a:srgbClr val="000090"/>
+                </a:solidFill>
+              </a:rPr>
+              <a:t>Reusable Data</a:t>
+            </a:r>
+          </a:p>
+        </p:txBody>
+      </p:sp>
+    </p:spTree>
+    <p:extLst>
+      <p:ext uri="{BB962C8B-B14F-4D97-AF65-F5344CB8AC3E}">
+        <p14:creationId xmlns:p14="http://schemas.microsoft.com/office/powerpoint/2010/main" val="2039372573"/>
       </p:ext>
     </p:extLst>
   </p:cSld>
@@ -5118,9 +5491,9 @@
 </file>
 
 <file path=ppt/theme/theme1.xml><?xml version="1.0" encoding="utf-8"?>
-<a:theme xmlns:a="http://schemas.openxmlformats.org/drawingml/2006/main" name="Perspective">
+<a:theme xmlns:a="http://schemas.openxmlformats.org/drawingml/2006/main" name="Breeze">
   <a:themeElements>
-    <a:clrScheme name="Perspective">
+    <a:clrScheme name="Breeze">
       <a:dk1>
         <a:sysClr val="windowText" lastClr="000000"/>
       </a:dk1>
@@ -5128,135 +5501,72 @@
         <a:sysClr val="window" lastClr="FFFFFF"/>
       </a:lt1>
       <a:dk2>
-        <a:srgbClr val="283138"/>
+        <a:srgbClr val="09213B"/>
       </a:dk2>
       <a:lt2>
-        <a:srgbClr val="FF8600"/>
+        <a:srgbClr val="D5EDF4"/>
       </a:lt2>
       <a:accent1>
-        <a:srgbClr val="838D9B"/>
+        <a:srgbClr val="2C7C9F"/>
       </a:accent1>
       <a:accent2>
-        <a:srgbClr val="D2610C"/>
+        <a:srgbClr val="244A58"/>
       </a:accent2>
       <a:accent3>
-        <a:srgbClr val="80716A"/>
+        <a:srgbClr val="E2751D"/>
       </a:accent3>
       <a:accent4>
-        <a:srgbClr val="94147C"/>
+        <a:srgbClr val="FFB400"/>
       </a:accent4>
       <a:accent5>
-        <a:srgbClr val="5D5AD2"/>
+        <a:srgbClr val="7EB606"/>
       </a:accent5>
       <a:accent6>
-        <a:srgbClr val="6F6C7D"/>
+        <a:srgbClr val="C00000"/>
       </a:accent6>
       <a:hlink>
-        <a:srgbClr val="6187E3"/>
+        <a:srgbClr val="7030A0"/>
       </a:hlink>
       <a:folHlink>
-        <a:srgbClr val="7B8EB8"/>
+        <a:srgbClr val="00B0F0"/>
       </a:folHlink>
     </a:clrScheme>
-    <a:fontScheme name="Office Classic 2">
+    <a:fontScheme name="Breeze">
       <a:majorFont>
-        <a:latin typeface="Arial"/>
+        <a:latin typeface="News Gothic MT"/>
         <a:ea typeface=""/>
         <a:cs typeface=""/>
         <a:font script="Jpan" typeface="ＭＳ Ｐゴシック"/>
-        <a:font script="Hang" typeface="돋움"/>
-        <a:font script="Hans" typeface="华文新魏"/>
-        <a:font script="Hant" typeface="微軟正黑體"/>
-        <a:font script="Arab" typeface="Arial"/>
-        <a:font script="Hebr" typeface="Arial"/>
-        <a:font script="Thai" typeface="Cordia New"/>
-        <a:font script="Ethi" typeface="Nyala"/>
-        <a:font script="Beng" typeface="Vrinda"/>
-        <a:font script="Gujr" typeface="Shruti"/>
-        <a:font script="Khmr" typeface="DaunPenh"/>
-        <a:font script="Knda" typeface="Tunga"/>
-        <a:font script="Guru" typeface="Raavi"/>
-        <a:font script="Cans" typeface="Euphemia"/>
-        <a:font script="Cher" typeface="Plantagenet Cherokee"/>
-        <a:font script="Yiii" typeface="Microsoft Yi Baiti"/>
-        <a:font script="Tibt" typeface="Microsoft Himalaya"/>
-        <a:font script="Thaa" typeface="MV Boli"/>
-        <a:font script="Deva" typeface="Mangal"/>
-        <a:font script="Telu" typeface="Gautami"/>
-        <a:font script="Taml" typeface="Latha"/>
-        <a:font script="Syrc" typeface="Estrangelo Edessa"/>
-        <a:font script="Orya" typeface="Kalinga"/>
-        <a:font script="Mlym" typeface="Kartika"/>
-        <a:font script="Laoo" typeface="DokChampa"/>
-        <a:font script="Sinh" typeface="Iskoola Pota"/>
-        <a:font script="Mong" typeface="Mongolian Baiti"/>
-        <a:font script="Viet" typeface="Arial"/>
-        <a:font script="Uigh" typeface="Microsoft Uighur"/>
-        <a:font script="Geor" typeface="Sylfaen"/>
+        <a:font script="Hans" typeface="宋体"/>
+        <a:font script="Hant" typeface="新細明體"/>
       </a:majorFont>
       <a:minorFont>
-        <a:latin typeface="Arial"/>
+        <a:latin typeface="News Gothic MT"/>
         <a:ea typeface=""/>
         <a:cs typeface=""/>
         <a:font script="Jpan" typeface="ＭＳ Ｐゴシック"/>
-        <a:font script="Hang" typeface="돋움"/>
-        <a:font script="Hans" typeface="华文新魏"/>
-        <a:font script="Hant" typeface="微軟正黑體"/>
-        <a:font script="Arab" typeface="Arial"/>
-        <a:font script="Hebr" typeface="Arial"/>
-        <a:font script="Thai" typeface="Cordia New"/>
-        <a:font script="Ethi" typeface="Nyala"/>
-        <a:font script="Beng" typeface="Vrinda"/>
-        <a:font script="Gujr" typeface="Shruti"/>
-        <a:font script="Khmr" typeface="DaunPenh"/>
-        <a:font script="Knda" typeface="Tunga"/>
-        <a:font script="Guru" typeface="Raavi"/>
-        <a:font script="Cans" typeface="Euphemia"/>
-        <a:font script="Cher" typeface="Plantagenet Cherokee"/>
-        <a:font script="Yiii" typeface="Microsoft Yi Baiti"/>
-        <a:font script="Tibt" typeface="Microsoft Himalaya"/>
-        <a:font script="Thaa" typeface="MV Boli"/>
-        <a:font script="Deva" typeface="Mangal"/>
-        <a:font script="Telu" typeface="Gautami"/>
-        <a:font script="Taml" typeface="Latha"/>
-        <a:font script="Syrc" typeface="Estrangelo Edessa"/>
-        <a:font script="Orya" typeface="Kalinga"/>
-        <a:font script="Mlym" typeface="Kartika"/>
-        <a:font script="Laoo" typeface="DokChampa"/>
-        <a:font script="Sinh" typeface="Iskoola Pota"/>
-        <a:font script="Mong" typeface="Mongolian Baiti"/>
-        <a:font script="Viet" typeface="Arial"/>
-        <a:font script="Uigh" typeface="Microsoft Uighur"/>
-        <a:font script="Geor" typeface="Sylfaen"/>
+        <a:font script="Hans" typeface="宋体"/>
+        <a:font script="Hant" typeface="新細明體"/>
       </a:minorFont>
     </a:fontScheme>
-    <a:fmtScheme name="Perspective">
+    <a:fmtScheme name="Breeze">
       <a:fillStyleLst>
         <a:solidFill>
           <a:schemeClr val="phClr"/>
         </a:solidFill>
         <a:gradFill rotWithShape="1">
           <a:gsLst>
-            <a:gs pos="0">
+            <a:gs pos="31000">
               <a:schemeClr val="phClr">
-                <a:tint val="50000"/>
-                <a:alpha val="100000"/>
-                <a:satMod val="160000"/>
-                <a:lumMod val="105000"/>
-              </a:schemeClr>
-            </a:gs>
-            <a:gs pos="41000">
-              <a:schemeClr val="phClr">
-                <a:tint val="57000"/>
-                <a:satMod val="180000"/>
-                <a:lumMod val="99000"/>
+                <a:tint val="100000"/>
+                <a:shade val="100000"/>
+                <a:satMod val="120000"/>
               </a:schemeClr>
             </a:gs>
             <a:gs pos="100000">
               <a:schemeClr val="phClr">
-                <a:tint val="80000"/>
-                <a:satMod val="200000"/>
-                <a:lumMod val="104000"/>
+                <a:tint val="50000"/>
+                <a:satMod val="150000"/>
               </a:schemeClr>
             </a:gs>
           </a:gsLst>
@@ -5266,39 +5576,47 @@
           <a:gsLst>
             <a:gs pos="0">
               <a:schemeClr val="phClr">
-                <a:tint val="96000"/>
-                <a:satMod val="130000"/>
-                <a:lumMod val="114000"/>
+                <a:shade val="100000"/>
+                <a:satMod val="120000"/>
               </a:schemeClr>
             </a:gs>
-            <a:gs pos="60000">
+            <a:gs pos="69000">
               <a:schemeClr val="phClr">
-                <a:tint val="100000"/>
-                <a:satMod val="106000"/>
-                <a:lumMod val="110000"/>
+                <a:tint val="80000"/>
+                <a:shade val="100000"/>
+                <a:satMod val="150000"/>
               </a:schemeClr>
             </a:gs>
             <a:gs pos="100000">
-              <a:schemeClr val="phClr"/>
+              <a:schemeClr val="phClr">
+                <a:tint val="50000"/>
+                <a:shade val="100000"/>
+                <a:satMod val="150000"/>
+              </a:schemeClr>
             </a:gs>
           </a:gsLst>
-          <a:lin ang="5400000" scaled="0"/>
+          <a:path path="circle">
+            <a:fillToRect l="100000" t="100000" r="100000" b="100000"/>
+          </a:path>
         </a:gradFill>
       </a:fillStyleLst>
       <a:lnStyleLst>
         <a:ln w="12700" cap="flat" cmpd="sng" algn="ctr">
           <a:solidFill>
-            <a:schemeClr val="phClr"/>
+            <a:schemeClr val="phClr">
+              <a:shade val="95000"/>
+              <a:satMod val="105000"/>
+            </a:schemeClr>
           </a:solidFill>
           <a:prstDash val="solid"/>
         </a:ln>
-        <a:ln w="19050" cap="flat" cmpd="sng" algn="ctr">
+        <a:ln w="25400" cap="flat" cmpd="dbl" algn="ctr">
           <a:solidFill>
             <a:schemeClr val="phClr"/>
           </a:solidFill>
           <a:prstDash val="solid"/>
         </a:ln>
-        <a:ln w="28575" cap="flat" cmpd="sng" algn="ctr">
+        <a:ln w="31750" cap="flat" cmpd="dbl" algn="ctr">
           <a:solidFill>
             <a:schemeClr val="phClr"/>
           </a:solidFill>
@@ -5307,48 +5625,38 @@
       </a:lnStyleLst>
       <a:effectStyleLst>
         <a:effectStyle>
+          <a:effectLst/>
+        </a:effectStyle>
+        <a:effectStyle>
           <a:effectLst>
-            <a:outerShdw blurRad="50800" dist="38100" dir="5400000" rotWithShape="0">
+            <a:outerShdw blurRad="63500" dist="25400" dir="5400000" sx="101000" sy="101000" rotWithShape="0">
               <a:srgbClr val="000000">
-                <a:alpha val="28000"/>
+                <a:alpha val="40000"/>
               </a:srgbClr>
             </a:outerShdw>
           </a:effectLst>
         </a:effectStyle>
         <a:effectStyle>
           <a:effectLst>
-            <a:outerShdw blurRad="47625" dist="38100" dir="5400000" sy="98000" rotWithShape="0">
-              <a:srgbClr val="000000">
-                <a:alpha val="48000"/>
+            <a:innerShdw blurRad="127000" dist="25400" dir="13500000">
+              <a:srgbClr val="C0C0C0">
+                <a:alpha val="75000"/>
+              </a:srgbClr>
+            </a:innerShdw>
+            <a:outerShdw blurRad="88900" dist="25400" dir="5400000" sx="102000" sy="102000" algn="ctr" rotWithShape="0">
+              <a:srgbClr val="C0C0C0">
+                <a:alpha val="40000"/>
               </a:srgbClr>
             </a:outerShdw>
           </a:effectLst>
           <a:scene3d>
-            <a:camera prst="orthographicFront">
-              <a:rot lat="0" lon="0" rev="0"/>
-            </a:camera>
-            <a:lightRig rig="twoPt" dir="br">
-              <a:rot lat="0" lon="0" rev="8700000"/>
+            <a:camera prst="perspectiveLeft" fov="300000"/>
+            <a:lightRig rig="soft" dir="l">
+              <a:rot lat="0" lon="0" rev="4200000"/>
             </a:lightRig>
           </a:scene3d>
-          <a:sp3d prstMaterial="matte">
-            <a:bevelT w="25400" h="53975"/>
-          </a:sp3d>
-        </a:effectStyle>
-        <a:effectStyle>
-          <a:effectLst>
-            <a:reflection blurRad="12700" stA="24000" endPos="28000" dist="50800" dir="5400000" sy="-100000" rotWithShape="0"/>
-          </a:effectLst>
-          <a:scene3d>
-            <a:camera prst="orthographicFront">
-              <a:rot lat="0" lon="0" rev="0"/>
-            </a:camera>
-            <a:lightRig rig="threePt" dir="t">
-              <a:rot lat="0" lon="0" rev="4800000"/>
-            </a:lightRig>
-          </a:scene3d>
-          <a:sp3d>
-            <a:bevelT w="69850" h="31750"/>
+          <a:sp3d extrusionH="38100" prstMaterial="powder">
+            <a:bevelT w="50800" h="88900" prst="convex"/>
           </a:sp3d>
         </a:effectStyle>
       </a:effectStyleLst>
@@ -5360,49 +5668,90 @@
           <a:gsLst>
             <a:gs pos="0">
               <a:schemeClr val="phClr">
-                <a:tint val="100000"/>
-                <a:shade val="80000"/>
-                <a:satMod val="100000"/>
-                <a:lumMod val="100000"/>
+                <a:tint val="40000"/>
+                <a:satMod val="350000"/>
               </a:schemeClr>
             </a:gs>
-            <a:gs pos="65000">
+            <a:gs pos="40000">
               <a:schemeClr val="phClr">
-                <a:tint val="100000"/>
-                <a:shade val="95000"/>
-                <a:satMod val="100000"/>
-                <a:lumMod val="100000"/>
+                <a:tint val="45000"/>
+                <a:shade val="99000"/>
+                <a:satMod val="350000"/>
               </a:schemeClr>
             </a:gs>
             <a:gs pos="100000">
               <a:schemeClr val="phClr">
-                <a:tint val="88000"/>
-                <a:shade val="100000"/>
-                <a:satMod val="400000"/>
-                <a:lumMod val="100000"/>
+                <a:shade val="20000"/>
+                <a:satMod val="255000"/>
               </a:schemeClr>
             </a:gs>
           </a:gsLst>
-          <a:lin ang="5400000" scaled="0"/>
+          <a:path path="circle">
+            <a:fillToRect l="50000" t="-80000" r="50000" b="180000"/>
+          </a:path>
         </a:gradFill>
         <a:blipFill rotWithShape="1">
           <a:blip xmlns:r="http://schemas.openxmlformats.org/officeDocument/2006/relationships" r:embed="rId1">
             <a:duotone>
               <a:schemeClr val="phClr">
-                <a:tint val="95000"/>
-                <a:satMod val="90000"/>
+                <a:shade val="40000"/>
+                <a:satMod val="400000"/>
               </a:schemeClr>
               <a:schemeClr val="phClr">
-                <a:shade val="92000"/>
+                <a:tint val="10000"/>
+                <a:satMod val="200000"/>
               </a:schemeClr>
             </a:duotone>
           </a:blip>
-          <a:tile tx="0" ty="0" sx="100000" sy="100000" flip="none" algn="tl"/>
+          <a:stretch/>
         </a:blipFill>
       </a:bgFillStyleLst>
     </a:fmtScheme>
   </a:themeElements>
-  <a:objectDefaults/>
+  <a:objectDefaults>
+    <a:spDef>
+      <a:spPr/>
+      <a:bodyPr rtlCol="0" anchor="ctr"/>
+      <a:lstStyle>
+        <a:defPPr algn="ctr">
+          <a:defRPr/>
+        </a:defPPr>
+      </a:lstStyle>
+      <a:style>
+        <a:lnRef idx="1">
+          <a:schemeClr val="accent1"/>
+        </a:lnRef>
+        <a:fillRef idx="3">
+          <a:schemeClr val="accent1"/>
+        </a:fillRef>
+        <a:effectRef idx="2">
+          <a:schemeClr val="accent1"/>
+        </a:effectRef>
+        <a:fontRef idx="minor">
+          <a:schemeClr val="lt1"/>
+        </a:fontRef>
+      </a:style>
+    </a:spDef>
+    <a:lnDef>
+      <a:spPr/>
+      <a:bodyPr/>
+      <a:lstStyle/>
+      <a:style>
+        <a:lnRef idx="2">
+          <a:schemeClr val="accent1"/>
+        </a:lnRef>
+        <a:fillRef idx="0">
+          <a:schemeClr val="accent1"/>
+        </a:fillRef>
+        <a:effectRef idx="1">
+          <a:schemeClr val="accent1"/>
+        </a:effectRef>
+        <a:fontRef idx="minor">
+          <a:schemeClr val="tx1"/>
+        </a:fontRef>
+      </a:style>
+    </a:lnDef>
+  </a:objectDefaults>
   <a:extraClrSchemeLst/>
 </a:theme>
 </file>
